--- a/slides/One-Hour-Talk.pptx
+++ b/slides/One-Hour-Talk.pptx
@@ -5,7 +5,7 @@
     <p:sldMasterId id="2147483648" r:id="rId1"/>
   </p:sldMasterIdLst>
   <p:notesMasterIdLst>
-    <p:notesMasterId r:id="rId36"/>
+    <p:notesMasterId r:id="rId38"/>
   </p:notesMasterIdLst>
   <p:sldIdLst>
     <p:sldId id="256" r:id="rId2"/>
@@ -30,18 +30,20 @@
     <p:sldId id="2147472650" r:id="rId21"/>
     <p:sldId id="2147472648" r:id="rId22"/>
     <p:sldId id="2147472678" r:id="rId23"/>
-    <p:sldId id="2147472679" r:id="rId24"/>
-    <p:sldId id="2147472680" r:id="rId25"/>
-    <p:sldId id="2147472681" r:id="rId26"/>
-    <p:sldId id="285" r:id="rId27"/>
-    <p:sldId id="2147472682" r:id="rId28"/>
-    <p:sldId id="289" r:id="rId29"/>
-    <p:sldId id="286" r:id="rId30"/>
-    <p:sldId id="2147472676" r:id="rId31"/>
-    <p:sldId id="2147472675" r:id="rId32"/>
-    <p:sldId id="288" r:id="rId33"/>
-    <p:sldId id="2147472684" r:id="rId34"/>
-    <p:sldId id="274" r:id="rId35"/>
+    <p:sldId id="2147472685" r:id="rId24"/>
+    <p:sldId id="2147472686" r:id="rId25"/>
+    <p:sldId id="2147472679" r:id="rId26"/>
+    <p:sldId id="2147472680" r:id="rId27"/>
+    <p:sldId id="2147472681" r:id="rId28"/>
+    <p:sldId id="285" r:id="rId29"/>
+    <p:sldId id="2147472682" r:id="rId30"/>
+    <p:sldId id="289" r:id="rId31"/>
+    <p:sldId id="286" r:id="rId32"/>
+    <p:sldId id="2147472676" r:id="rId33"/>
+    <p:sldId id="2147472675" r:id="rId34"/>
+    <p:sldId id="288" r:id="rId35"/>
+    <p:sldId id="2147472684" r:id="rId36"/>
+    <p:sldId id="274" r:id="rId37"/>
   </p:sldIdLst>
   <p:sldSz cx="12192000" cy="6858000"/>
   <p:notesSz cx="6858000" cy="9144000"/>
@@ -659,7 +661,7 @@
           <a:p>
             <a:fld id="{ECC40676-5659-5049-B1E3-5C6BC4965517}" type="slidenum">
               <a:rPr lang="en-US" smtClean="0"/>
-              <a:t>31</a:t>
+              <a:t>33</a:t>
             </a:fld>
             <a:endParaRPr lang="en-US"/>
           </a:p>
@@ -13449,7 +13451,7 @@
         </p:spPr>
         <p:txBody>
           <a:bodyPr>
-            <a:normAutofit lnSpcReduction="10000"/>
+            <a:normAutofit fontScale="92500" lnSpcReduction="20000"/>
           </a:bodyPr>
           <a:lstStyle/>
           <a:p>
@@ -13510,6 +13512,12 @@
             <a:r>
               <a:rPr lang="en-US" dirty="0"/>
               <a:t>Classification</a:t>
+            </a:r>
+          </a:p>
+          <a:p>
+            <a:r>
+              <a:rPr lang="en-US" dirty="0"/>
+              <a:t>Multimodal</a:t>
             </a:r>
           </a:p>
           <a:p>
@@ -14057,13 +14065,13 @@
           <a:prstGeom prst="line">
             <a:avLst/>
           </a:prstGeom>
-          <a:ln w="38100" cap="rnd">
+          <a:ln w="57150" cap="rnd">
             <a:solidFill>
-              <a:schemeClr val="accent6"/>
+              <a:schemeClr val="tx1"/>
             </a:solidFill>
             <a:round/>
-            <a:headEnd w="lg" len="med"/>
-            <a:tailEnd type="none" w="lg" len="med"/>
+            <a:headEnd type="none" w="med" len="med"/>
+            <a:tailEnd type="triangle" w="med" len="med"/>
           </a:ln>
         </p:spPr>
         <p:style>
@@ -18361,7 +18369,7 @@
         </p:spPr>
         <p:txBody>
           <a:bodyPr vert="horz" lIns="91440" tIns="45720" rIns="91440" bIns="45720" rtlCol="0">
-            <a:normAutofit/>
+            <a:normAutofit fontScale="92500" lnSpcReduction="20000"/>
           </a:bodyPr>
           <a:lstStyle>
             <a:lvl1pPr marL="228600" indent="-228600" algn="l" defTabSz="914400" rtl="0" eaLnBrk="1" latinLnBrk="0" hangingPunct="1">
@@ -18530,6 +18538,24 @@
           <a:p>
             <a:r>
               <a:rPr lang="en-US" sz="2000" dirty="0"/>
+              <a:t>Code</a:t>
+            </a:r>
+          </a:p>
+          <a:p>
+            <a:r>
+              <a:rPr lang="en-US" sz="2000" dirty="0"/>
+              <a:t>Queries</a:t>
+            </a:r>
+          </a:p>
+          <a:p>
+            <a:r>
+              <a:rPr lang="en-US" sz="2000" dirty="0"/>
+              <a:t>APIs</a:t>
+            </a:r>
+          </a:p>
+          <a:p>
+            <a:r>
+              <a:rPr lang="en-US" sz="2000" dirty="0"/>
               <a:t>Action items assigned during a meeting</a:t>
             </a:r>
           </a:p>
@@ -18659,7 +18685,7 @@
           <p:cNvPr id="2" name="Title 1">
             <a:extLst>
               <a:ext uri="{FF2B5EF4-FFF2-40B4-BE49-F238E27FC236}">
-                <a16:creationId xmlns:a16="http://schemas.microsoft.com/office/drawing/2014/main" id="{A8E22593-EDF7-E7DB-91A6-8C4D6B7AA46E}"/>
+                <a16:creationId xmlns:a16="http://schemas.microsoft.com/office/drawing/2014/main" id="{4C98C3D2-0EB6-CB18-C5AC-C882DF1CFB9B}"/>
               </a:ext>
             </a:extLst>
           </p:cNvPr>
@@ -18670,7 +18696,12 @@
             <p:ph type="title"/>
           </p:nvPr>
         </p:nvSpPr>
-        <p:spPr/>
+        <p:spPr>
+          <a:xfrm>
+            <a:off x="530318" y="170045"/>
+            <a:ext cx="10515600" cy="682321"/>
+          </a:xfrm>
+        </p:spPr>
         <p:txBody>
           <a:bodyPr>
             <a:normAutofit fontScale="90000"/>
@@ -18679,7 +18710,7 @@
           <a:p>
             <a:r>
               <a:rPr lang="en-US" dirty="0"/>
-              <a:t>Example: Benefits Chatbot</a:t>
+              <a:t>Multi-Modal Generative AI</a:t>
             </a:r>
           </a:p>
         </p:txBody>
@@ -18689,7 +18720,7 @@
           <p:cNvPr id="3" name="Content Placeholder 2">
             <a:extLst>
               <a:ext uri="{FF2B5EF4-FFF2-40B4-BE49-F238E27FC236}">
-                <a16:creationId xmlns:a16="http://schemas.microsoft.com/office/drawing/2014/main" id="{9D4AE613-FF5C-9B1F-6658-7E806A86F737}"/>
+                <a16:creationId xmlns:a16="http://schemas.microsoft.com/office/drawing/2014/main" id="{9211CA9F-CC09-1BF4-7CBD-03175DF868D6}"/>
               </a:ext>
             </a:extLst>
           </p:cNvPr>
@@ -18702,8 +18733,8 @@
         </p:nvSpPr>
         <p:spPr>
           <a:xfrm>
-            <a:off x="680258" y="5300862"/>
-            <a:ext cx="10515600" cy="1055488"/>
+            <a:off x="636024" y="5782121"/>
+            <a:ext cx="10515600" cy="816326"/>
           </a:xfrm>
         </p:spPr>
         <p:txBody>
@@ -18712,31 +18743,12 @@
           </a:bodyPr>
           <a:lstStyle/>
           <a:p>
+            <a:pPr marL="0" indent="0">
+              <a:buNone/>
+            </a:pPr>
             <a:r>
               <a:rPr lang="en-US" dirty="0"/>
-              <a:t>You can only answer questions about what is </a:t>
-            </a:r>
-            <a:r>
-              <a:rPr lang="en-US" b="1" dirty="0"/>
-              <a:t>covered</a:t>
-            </a:r>
-            <a:r>
-              <a:rPr lang="en-US" dirty="0"/>
-              <a:t> in your health plan</a:t>
-            </a:r>
-          </a:p>
-          <a:p>
-            <a:r>
-              <a:rPr lang="en-US" dirty="0"/>
-              <a:t>You must </a:t>
-            </a:r>
-            <a:r>
-              <a:rPr lang="en-US" b="1" dirty="0"/>
-              <a:t>refuse</a:t>
-            </a:r>
-            <a:r>
-              <a:rPr lang="en-US" dirty="0"/>
-              <a:t> to answer questions about medical advice</a:t>
+              <a:t>Generative AI includes the creation of many content types including images, sound, music, videos, code, markdown, and even architecture diagrams</a:t>
             </a:r>
           </a:p>
         </p:txBody>
@@ -18746,7 +18758,7 @@
           <p:cNvPr id="4" name="Slide Number Placeholder 3">
             <a:extLst>
               <a:ext uri="{FF2B5EF4-FFF2-40B4-BE49-F238E27FC236}">
-                <a16:creationId xmlns:a16="http://schemas.microsoft.com/office/drawing/2014/main" id="{A78FE18F-BC70-0018-D0FB-9248DEB36737}"/>
+                <a16:creationId xmlns:a16="http://schemas.microsoft.com/office/drawing/2014/main" id="{44BC3C0E-8B2E-7F92-0C9B-901EFE3794AB}"/>
               </a:ext>
             </a:extLst>
           </p:cNvPr>
@@ -18764,7 +18776,3023 @@
           <a:p>
             <a:fld id="{E4E17628-BB69-494D-BA8C-C14032583637}" type="slidenum">
               <a:rPr lang="en-US" smtClean="0"/>
+              <a:pPr/>
               <a:t>23</a:t>
+            </a:fld>
+            <a:endParaRPr lang="en-US"/>
+          </a:p>
+        </p:txBody>
+      </p:sp>
+      <p:sp>
+        <p:nvSpPr>
+          <p:cNvPr id="6" name="Snip Single Corner Rectangle 5">
+            <a:extLst>
+              <a:ext uri="{FF2B5EF4-FFF2-40B4-BE49-F238E27FC236}">
+                <a16:creationId xmlns:a16="http://schemas.microsoft.com/office/drawing/2014/main" id="{15E7EC40-3E4E-9B6D-34EA-3EF8196391C0}"/>
+              </a:ext>
+            </a:extLst>
+          </p:cNvPr>
+          <p:cNvSpPr/>
+          <p:nvPr/>
+        </p:nvSpPr>
+        <p:spPr bwMode="gray">
+          <a:xfrm>
+            <a:off x="736796" y="2693870"/>
+            <a:ext cx="1711548" cy="607533"/>
+          </a:xfrm>
+          <a:prstGeom prst="snip1Rect">
+            <a:avLst/>
+          </a:prstGeom>
+          <a:solidFill>
+            <a:srgbClr val="FFFD78"/>
+          </a:solidFill>
+          <a:ln cap="rnd">
+            <a:solidFill>
+              <a:schemeClr val="accent1"/>
+            </a:solidFill>
+            <a:round/>
+          </a:ln>
+        </p:spPr>
+        <p:style>
+          <a:lnRef idx="2">
+            <a:schemeClr val="accent1">
+              <a:shade val="50000"/>
+            </a:schemeClr>
+          </a:lnRef>
+          <a:fillRef idx="1">
+            <a:schemeClr val="accent1"/>
+          </a:fillRef>
+          <a:effectRef idx="0">
+            <a:schemeClr val="accent1"/>
+          </a:effectRef>
+          <a:fontRef idx="minor">
+            <a:schemeClr val="lt1"/>
+          </a:fontRef>
+        </p:style>
+        <p:txBody>
+          <a:bodyPr rot="0" spcFirstLastPara="0" vertOverflow="overflow" horzOverflow="overflow" vert="horz" wrap="square" lIns="91440" tIns="45720" rIns="91440" bIns="45720" numCol="1" spcCol="0" rtlCol="0" fromWordArt="0" anchor="ctr" anchorCtr="0" forceAA="0" compatLnSpc="1">
+            <a:prstTxWarp prst="textNoShape">
+              <a:avLst/>
+            </a:prstTxWarp>
+            <a:noAutofit/>
+          </a:bodyPr>
+          <a:lstStyle/>
+          <a:p>
+            <a:pPr algn="ctr">
+              <a:spcBef>
+                <a:spcPts val="600"/>
+              </a:spcBef>
+            </a:pPr>
+            <a:r>
+              <a:rPr lang="en-US" sz="1400" b="1" dirty="0">
+                <a:solidFill>
+                  <a:schemeClr val="tx1">
+                    <a:lumMod val="50000"/>
+                  </a:schemeClr>
+                </a:solidFill>
+              </a:rPr>
+              <a:t>Prompt</a:t>
+            </a:r>
+          </a:p>
+        </p:txBody>
+      </p:sp>
+      <p:grpSp>
+        <p:nvGrpSpPr>
+          <p:cNvPr id="7" name="Group 6">
+            <a:extLst>
+              <a:ext uri="{FF2B5EF4-FFF2-40B4-BE49-F238E27FC236}">
+                <a16:creationId xmlns:a16="http://schemas.microsoft.com/office/drawing/2014/main" id="{47E13C39-24DB-7263-FEFD-7D650A6D7DC5}"/>
+              </a:ext>
+            </a:extLst>
+          </p:cNvPr>
+          <p:cNvGrpSpPr/>
+          <p:nvPr/>
+        </p:nvGrpSpPr>
+        <p:grpSpPr>
+          <a:xfrm>
+            <a:off x="2974549" y="2535972"/>
+            <a:ext cx="2145030" cy="923330"/>
+            <a:chOff x="2203450" y="1855738"/>
+            <a:chExt cx="2145030" cy="923330"/>
+          </a:xfrm>
+        </p:grpSpPr>
+        <p:sp>
+          <p:nvSpPr>
+            <p:cNvPr id="8" name="Rectangle 7">
+              <a:extLst>
+                <a:ext uri="{FF2B5EF4-FFF2-40B4-BE49-F238E27FC236}">
+                  <a16:creationId xmlns:a16="http://schemas.microsoft.com/office/drawing/2014/main" id="{11DC7BAE-1B58-8238-5186-D76F92F80B2D}"/>
+                </a:ext>
+              </a:extLst>
+            </p:cNvPr>
+            <p:cNvSpPr/>
+            <p:nvPr/>
+          </p:nvSpPr>
+          <p:spPr>
+            <a:xfrm>
+              <a:off x="2203450" y="1855738"/>
+              <a:ext cx="2145030" cy="923330"/>
+            </a:xfrm>
+            <a:prstGeom prst="rect">
+              <a:avLst/>
+            </a:prstGeom>
+            <a:solidFill>
+              <a:schemeClr val="accent6"/>
+            </a:solidFill>
+          </p:spPr>
+          <p:style>
+            <a:lnRef idx="2">
+              <a:schemeClr val="accent1">
+                <a:shade val="15000"/>
+              </a:schemeClr>
+            </a:lnRef>
+            <a:fillRef idx="1">
+              <a:schemeClr val="accent1"/>
+            </a:fillRef>
+            <a:effectRef idx="0">
+              <a:schemeClr val="accent1"/>
+            </a:effectRef>
+            <a:fontRef idx="minor">
+              <a:schemeClr val="lt1"/>
+            </a:fontRef>
+          </p:style>
+          <p:txBody>
+            <a:bodyPr rtlCol="0" anchor="ctr"/>
+            <a:lstStyle/>
+            <a:p>
+              <a:pPr algn="ctr"/>
+              <a:endParaRPr lang="en-US" dirty="0"/>
+            </a:p>
+          </p:txBody>
+        </p:sp>
+        <p:pic>
+          <p:nvPicPr>
+            <p:cNvPr id="9" name="Picture 8">
+              <a:extLst>
+                <a:ext uri="{FF2B5EF4-FFF2-40B4-BE49-F238E27FC236}">
+                  <a16:creationId xmlns:a16="http://schemas.microsoft.com/office/drawing/2014/main" id="{0AD81C23-5F97-D1BD-B559-81ED6F11E235}"/>
+                </a:ext>
+              </a:extLst>
+            </p:cNvPr>
+            <p:cNvPicPr>
+              <a:picLocks noChangeAspect="1"/>
+            </p:cNvPicPr>
+            <p:nvPr/>
+          </p:nvPicPr>
+          <p:blipFill>
+            <a:blip r:embed="rId2" cstate="screen">
+              <a:extLst>
+                <a:ext uri="{28A0092B-C50C-407E-A947-70E740481C1C}">
+                  <a14:useLocalDpi xmlns:a14="http://schemas.microsoft.com/office/drawing/2010/main"/>
+                </a:ext>
+              </a:extLst>
+            </a:blip>
+            <a:stretch>
+              <a:fillRect/>
+            </a:stretch>
+          </p:blipFill>
+          <p:spPr>
+            <a:xfrm>
+              <a:off x="2311477" y="1963270"/>
+              <a:ext cx="1876905" cy="708266"/>
+            </a:xfrm>
+            <a:prstGeom prst="rect">
+              <a:avLst/>
+            </a:prstGeom>
+          </p:spPr>
+        </p:pic>
+      </p:grpSp>
+      <p:sp>
+        <p:nvSpPr>
+          <p:cNvPr id="10" name="Snip Single Corner Rectangle 9">
+            <a:extLst>
+              <a:ext uri="{FF2B5EF4-FFF2-40B4-BE49-F238E27FC236}">
+                <a16:creationId xmlns:a16="http://schemas.microsoft.com/office/drawing/2014/main" id="{5B616E50-E6E9-828D-07F6-BE2091206833}"/>
+              </a:ext>
+            </a:extLst>
+          </p:cNvPr>
+          <p:cNvSpPr/>
+          <p:nvPr/>
+        </p:nvSpPr>
+        <p:spPr bwMode="gray">
+          <a:xfrm>
+            <a:off x="6308848" y="1560988"/>
+            <a:ext cx="1229363" cy="607533"/>
+          </a:xfrm>
+          <a:prstGeom prst="snip1Rect">
+            <a:avLst/>
+          </a:prstGeom>
+          <a:solidFill>
+            <a:srgbClr val="FFFD78"/>
+          </a:solidFill>
+          <a:ln cap="rnd">
+            <a:solidFill>
+              <a:schemeClr val="accent1"/>
+            </a:solidFill>
+            <a:round/>
+          </a:ln>
+        </p:spPr>
+        <p:style>
+          <a:lnRef idx="2">
+            <a:schemeClr val="accent1">
+              <a:shade val="50000"/>
+            </a:schemeClr>
+          </a:lnRef>
+          <a:fillRef idx="1">
+            <a:schemeClr val="accent1"/>
+          </a:fillRef>
+          <a:effectRef idx="0">
+            <a:schemeClr val="accent1"/>
+          </a:effectRef>
+          <a:fontRef idx="minor">
+            <a:schemeClr val="lt1"/>
+          </a:fontRef>
+        </p:style>
+        <p:txBody>
+          <a:bodyPr rot="0" spcFirstLastPara="0" vertOverflow="overflow" horzOverflow="overflow" vert="horz" wrap="square" lIns="91440" tIns="45720" rIns="91440" bIns="45720" numCol="1" spcCol="0" rtlCol="0" fromWordArt="0" anchor="ctr" anchorCtr="0" forceAA="0" compatLnSpc="1">
+            <a:prstTxWarp prst="textNoShape">
+              <a:avLst/>
+            </a:prstTxWarp>
+            <a:noAutofit/>
+          </a:bodyPr>
+          <a:lstStyle/>
+          <a:p>
+            <a:pPr algn="ctr">
+              <a:spcBef>
+                <a:spcPts val="600"/>
+              </a:spcBef>
+            </a:pPr>
+            <a:r>
+              <a:rPr lang="en-US" sz="1400" b="1" dirty="0">
+                <a:solidFill>
+                  <a:schemeClr val="tx1">
+                    <a:lumMod val="50000"/>
+                  </a:schemeClr>
+                </a:solidFill>
+              </a:rPr>
+              <a:t>Text</a:t>
+            </a:r>
+          </a:p>
+        </p:txBody>
+      </p:sp>
+      <p:pic>
+        <p:nvPicPr>
+          <p:cNvPr id="11" name="Picture 2" descr="Illustration of a team made up of a woman of Asian descent, a man of African descent, a woman of Caucasian descent, a man of Hispanic descent, and another man of Middle Eastern descent. They are all gathered around, scrutinizing two detailed architecture flowcharts pinned on the wall. Some members of the team are pointing at specific sections, while others are taking notes.">
+            <a:extLst>
+              <a:ext uri="{FF2B5EF4-FFF2-40B4-BE49-F238E27FC236}">
+                <a16:creationId xmlns:a16="http://schemas.microsoft.com/office/drawing/2014/main" id="{F6BDF7A0-8F13-D29C-9B82-7F80446676E1}"/>
+              </a:ext>
+            </a:extLst>
+          </p:cNvPr>
+          <p:cNvPicPr>
+            <a:picLocks noChangeAspect="1" noChangeArrowheads="1"/>
+          </p:cNvPicPr>
+          <p:nvPr/>
+        </p:nvPicPr>
+        <p:blipFill rotWithShape="1">
+          <a:blip r:embed="rId3" cstate="screen">
+            <a:clrChange>
+              <a:clrFrom>
+                <a:srgbClr val="FFFFFF"/>
+              </a:clrFrom>
+              <a:clrTo>
+                <a:srgbClr val="FFFFFF">
+                  <a:alpha val="0"/>
+                </a:srgbClr>
+              </a:clrTo>
+            </a:clrChange>
+            <a:extLst>
+              <a:ext uri="{28A0092B-C50C-407E-A947-70E740481C1C}">
+                <a14:useLocalDpi xmlns:a14="http://schemas.microsoft.com/office/drawing/2010/main"/>
+              </a:ext>
+            </a:extLst>
+          </a:blip>
+          <a:srcRect/>
+          <a:stretch/>
+        </p:blipFill>
+        <p:spPr bwMode="auto">
+          <a:xfrm>
+            <a:off x="6308848" y="2378328"/>
+            <a:ext cx="1524982" cy="906971"/>
+          </a:xfrm>
+          <a:prstGeom prst="rect">
+            <a:avLst/>
+          </a:prstGeom>
+          <a:noFill/>
+          <a:extLst>
+            <a:ext uri="{909E8E84-426E-40DD-AFC4-6F175D3DCCD1}">
+              <a14:hiddenFill xmlns:a14="http://schemas.microsoft.com/office/drawing/2010/main">
+                <a:solidFill>
+                  <a:srgbClr val="FFFFFF"/>
+                </a:solidFill>
+              </a14:hiddenFill>
+            </a:ext>
+          </a:extLst>
+        </p:spPr>
+      </p:pic>
+      <p:cxnSp>
+        <p:nvCxnSpPr>
+          <p:cNvPr id="15" name="Straight Connector 14">
+            <a:extLst>
+              <a:ext uri="{FF2B5EF4-FFF2-40B4-BE49-F238E27FC236}">
+                <a16:creationId xmlns:a16="http://schemas.microsoft.com/office/drawing/2014/main" id="{20CAC667-032A-E337-0E59-5E3DA32F0E2C}"/>
+              </a:ext>
+            </a:extLst>
+          </p:cNvPr>
+          <p:cNvCxnSpPr>
+            <a:cxnSpLocks/>
+            <a:stCxn id="8" idx="3"/>
+            <a:endCxn id="11" idx="1"/>
+          </p:cNvCxnSpPr>
+          <p:nvPr/>
+        </p:nvCxnSpPr>
+        <p:spPr bwMode="gray">
+          <a:xfrm flipV="1">
+            <a:off x="5119579" y="2831814"/>
+            <a:ext cx="1189269" cy="165823"/>
+          </a:xfrm>
+          <a:prstGeom prst="line">
+            <a:avLst/>
+          </a:prstGeom>
+          <a:ln w="57150" cap="rnd">
+            <a:solidFill>
+              <a:schemeClr val="tx1"/>
+            </a:solidFill>
+            <a:round/>
+            <a:headEnd type="none" w="med" len="med"/>
+            <a:tailEnd type="triangle" w="med" len="med"/>
+          </a:ln>
+        </p:spPr>
+        <p:style>
+          <a:lnRef idx="1">
+            <a:schemeClr val="accent1"/>
+          </a:lnRef>
+          <a:fillRef idx="0">
+            <a:schemeClr val="accent1"/>
+          </a:fillRef>
+          <a:effectRef idx="0">
+            <a:schemeClr val="accent1"/>
+          </a:effectRef>
+          <a:fontRef idx="minor">
+            <a:schemeClr val="tx1"/>
+          </a:fontRef>
+        </p:style>
+      </p:cxnSp>
+      <p:cxnSp>
+        <p:nvCxnSpPr>
+          <p:cNvPr id="18" name="Straight Connector 17">
+            <a:extLst>
+              <a:ext uri="{FF2B5EF4-FFF2-40B4-BE49-F238E27FC236}">
+                <a16:creationId xmlns:a16="http://schemas.microsoft.com/office/drawing/2014/main" id="{313A2155-DA88-AFAF-2DE6-883880F6607D}"/>
+              </a:ext>
+            </a:extLst>
+          </p:cNvPr>
+          <p:cNvCxnSpPr>
+            <a:cxnSpLocks/>
+            <a:stCxn id="8" idx="3"/>
+            <a:endCxn id="42" idx="1"/>
+          </p:cNvCxnSpPr>
+          <p:nvPr/>
+        </p:nvCxnSpPr>
+        <p:spPr bwMode="gray">
+          <a:xfrm>
+            <a:off x="5119579" y="2997637"/>
+            <a:ext cx="1337079" cy="876116"/>
+          </a:xfrm>
+          <a:prstGeom prst="line">
+            <a:avLst/>
+          </a:prstGeom>
+          <a:ln w="57150" cap="rnd">
+            <a:solidFill>
+              <a:schemeClr val="tx1"/>
+            </a:solidFill>
+            <a:round/>
+            <a:headEnd type="none" w="med" len="med"/>
+            <a:tailEnd type="triangle" w="med" len="med"/>
+          </a:ln>
+        </p:spPr>
+        <p:style>
+          <a:lnRef idx="1">
+            <a:schemeClr val="accent1"/>
+          </a:lnRef>
+          <a:fillRef idx="0">
+            <a:schemeClr val="accent1"/>
+          </a:fillRef>
+          <a:effectRef idx="0">
+            <a:schemeClr val="accent1"/>
+          </a:effectRef>
+          <a:fontRef idx="minor">
+            <a:schemeClr val="tx1"/>
+          </a:fontRef>
+        </p:style>
+      </p:cxnSp>
+      <p:pic>
+        <p:nvPicPr>
+          <p:cNvPr id="11266" name="Picture 2" descr="Video Player Symbol YouTubeStyle - Openclipart">
+            <a:extLst>
+              <a:ext uri="{FF2B5EF4-FFF2-40B4-BE49-F238E27FC236}">
+                <a16:creationId xmlns:a16="http://schemas.microsoft.com/office/drawing/2014/main" id="{3A0F0320-189A-69FD-D1B9-69B3873FE5C5}"/>
+              </a:ext>
+            </a:extLst>
+          </p:cNvPr>
+          <p:cNvPicPr>
+            <a:picLocks noChangeAspect="1" noChangeArrowheads="1"/>
+          </p:cNvPicPr>
+          <p:nvPr/>
+        </p:nvPicPr>
+        <p:blipFill>
+          <a:blip r:embed="rId4">
+            <a:extLst>
+              <a:ext uri="{28A0092B-C50C-407E-A947-70E740481C1C}">
+                <a14:useLocalDpi xmlns:a14="http://schemas.microsoft.com/office/drawing/2010/main" val="0"/>
+              </a:ext>
+            </a:extLst>
+          </a:blip>
+          <a:srcRect/>
+          <a:stretch>
+            <a:fillRect/>
+          </a:stretch>
+        </p:blipFill>
+        <p:spPr bwMode="auto">
+          <a:xfrm>
+            <a:off x="6456658" y="4450129"/>
+            <a:ext cx="1150649" cy="1150649"/>
+          </a:xfrm>
+          <a:prstGeom prst="rect">
+            <a:avLst/>
+          </a:prstGeom>
+          <a:noFill/>
+          <a:extLst>
+            <a:ext uri="{909E8E84-426E-40DD-AFC4-6F175D3DCCD1}">
+              <a14:hiddenFill xmlns:a14="http://schemas.microsoft.com/office/drawing/2010/main">
+                <a:solidFill>
+                  <a:srgbClr val="FFFFFF"/>
+                </a:solidFill>
+              </a14:hiddenFill>
+            </a:ext>
+          </a:extLst>
+        </p:spPr>
+      </p:pic>
+      <p:cxnSp>
+        <p:nvCxnSpPr>
+          <p:cNvPr id="24" name="Straight Connector 23">
+            <a:extLst>
+              <a:ext uri="{FF2B5EF4-FFF2-40B4-BE49-F238E27FC236}">
+                <a16:creationId xmlns:a16="http://schemas.microsoft.com/office/drawing/2014/main" id="{B8160B77-70EB-D8B0-65FA-F32996EE593D}"/>
+              </a:ext>
+            </a:extLst>
+          </p:cNvPr>
+          <p:cNvCxnSpPr>
+            <a:cxnSpLocks/>
+            <a:stCxn id="8" idx="3"/>
+            <a:endCxn id="10" idx="2"/>
+          </p:cNvCxnSpPr>
+          <p:nvPr/>
+        </p:nvCxnSpPr>
+        <p:spPr bwMode="gray">
+          <a:xfrm flipV="1">
+            <a:off x="5119579" y="1864755"/>
+            <a:ext cx="1189269" cy="1132882"/>
+          </a:xfrm>
+          <a:prstGeom prst="line">
+            <a:avLst/>
+          </a:prstGeom>
+          <a:ln w="57150" cap="rnd">
+            <a:solidFill>
+              <a:schemeClr val="tx1"/>
+            </a:solidFill>
+            <a:round/>
+            <a:headEnd type="none" w="med" len="med"/>
+            <a:tailEnd type="triangle" w="med" len="med"/>
+          </a:ln>
+        </p:spPr>
+        <p:style>
+          <a:lnRef idx="1">
+            <a:schemeClr val="accent1"/>
+          </a:lnRef>
+          <a:fillRef idx="0">
+            <a:schemeClr val="accent1"/>
+          </a:fillRef>
+          <a:effectRef idx="0">
+            <a:schemeClr val="accent1"/>
+          </a:effectRef>
+          <a:fontRef idx="minor">
+            <a:schemeClr val="tx1"/>
+          </a:fontRef>
+        </p:style>
+      </p:cxnSp>
+      <p:cxnSp>
+        <p:nvCxnSpPr>
+          <p:cNvPr id="25" name="Straight Connector 24">
+            <a:extLst>
+              <a:ext uri="{FF2B5EF4-FFF2-40B4-BE49-F238E27FC236}">
+                <a16:creationId xmlns:a16="http://schemas.microsoft.com/office/drawing/2014/main" id="{055210CB-7F61-BAC3-0BAF-C86D96F60877}"/>
+              </a:ext>
+            </a:extLst>
+          </p:cNvPr>
+          <p:cNvCxnSpPr>
+            <a:cxnSpLocks/>
+            <a:stCxn id="10" idx="0"/>
+            <a:endCxn id="33" idx="2"/>
+          </p:cNvCxnSpPr>
+          <p:nvPr/>
+        </p:nvCxnSpPr>
+        <p:spPr bwMode="gray">
+          <a:xfrm flipV="1">
+            <a:off x="7538211" y="1469591"/>
+            <a:ext cx="974868" cy="395164"/>
+          </a:xfrm>
+          <a:prstGeom prst="line">
+            <a:avLst/>
+          </a:prstGeom>
+          <a:ln w="57150" cap="rnd">
+            <a:solidFill>
+              <a:schemeClr val="tx1"/>
+            </a:solidFill>
+            <a:round/>
+            <a:headEnd type="none" w="med" len="med"/>
+            <a:tailEnd type="triangle" w="med" len="med"/>
+          </a:ln>
+        </p:spPr>
+        <p:style>
+          <a:lnRef idx="1">
+            <a:schemeClr val="accent1"/>
+          </a:lnRef>
+          <a:fillRef idx="0">
+            <a:schemeClr val="accent1"/>
+          </a:fillRef>
+          <a:effectRef idx="0">
+            <a:schemeClr val="accent1"/>
+          </a:effectRef>
+          <a:fontRef idx="minor">
+            <a:schemeClr val="tx1"/>
+          </a:fontRef>
+        </p:style>
+      </p:cxnSp>
+      <p:cxnSp>
+        <p:nvCxnSpPr>
+          <p:cNvPr id="29" name="Straight Connector 28">
+            <a:extLst>
+              <a:ext uri="{FF2B5EF4-FFF2-40B4-BE49-F238E27FC236}">
+                <a16:creationId xmlns:a16="http://schemas.microsoft.com/office/drawing/2014/main" id="{E290E902-77FF-1944-4A32-8D3C5DD5559C}"/>
+              </a:ext>
+            </a:extLst>
+          </p:cNvPr>
+          <p:cNvCxnSpPr>
+            <a:cxnSpLocks/>
+            <a:stCxn id="10" idx="0"/>
+            <a:endCxn id="40" idx="2"/>
+          </p:cNvCxnSpPr>
+          <p:nvPr/>
+        </p:nvCxnSpPr>
+        <p:spPr bwMode="gray">
+          <a:xfrm>
+            <a:off x="7538211" y="1864755"/>
+            <a:ext cx="974868" cy="153126"/>
+          </a:xfrm>
+          <a:prstGeom prst="line">
+            <a:avLst/>
+          </a:prstGeom>
+          <a:ln w="57150" cap="rnd">
+            <a:solidFill>
+              <a:schemeClr val="tx1"/>
+            </a:solidFill>
+            <a:round/>
+            <a:headEnd type="none" w="med" len="med"/>
+            <a:tailEnd type="triangle" w="med" len="med"/>
+          </a:ln>
+        </p:spPr>
+        <p:style>
+          <a:lnRef idx="1">
+            <a:schemeClr val="accent1"/>
+          </a:lnRef>
+          <a:fillRef idx="0">
+            <a:schemeClr val="accent1"/>
+          </a:fillRef>
+          <a:effectRef idx="0">
+            <a:schemeClr val="accent1"/>
+          </a:effectRef>
+          <a:fontRef idx="minor">
+            <a:schemeClr val="tx1"/>
+          </a:fontRef>
+        </p:style>
+      </p:cxnSp>
+      <p:sp>
+        <p:nvSpPr>
+          <p:cNvPr id="33" name="Snip Single Corner Rectangle 32">
+            <a:extLst>
+              <a:ext uri="{FF2B5EF4-FFF2-40B4-BE49-F238E27FC236}">
+                <a16:creationId xmlns:a16="http://schemas.microsoft.com/office/drawing/2014/main" id="{3B22058A-2F96-F8DA-E513-A9DEACFD99C0}"/>
+              </a:ext>
+            </a:extLst>
+          </p:cNvPr>
+          <p:cNvSpPr/>
+          <p:nvPr/>
+        </p:nvSpPr>
+        <p:spPr bwMode="gray">
+          <a:xfrm>
+            <a:off x="8513079" y="1228498"/>
+            <a:ext cx="1229363" cy="482185"/>
+          </a:xfrm>
+          <a:prstGeom prst="snip1Rect">
+            <a:avLst/>
+          </a:prstGeom>
+          <a:solidFill>
+            <a:srgbClr val="FFFD78"/>
+          </a:solidFill>
+          <a:ln cap="rnd">
+            <a:solidFill>
+              <a:schemeClr val="accent1"/>
+            </a:solidFill>
+            <a:round/>
+          </a:ln>
+        </p:spPr>
+        <p:style>
+          <a:lnRef idx="2">
+            <a:schemeClr val="accent1">
+              <a:shade val="50000"/>
+            </a:schemeClr>
+          </a:lnRef>
+          <a:fillRef idx="1">
+            <a:schemeClr val="accent1"/>
+          </a:fillRef>
+          <a:effectRef idx="0">
+            <a:schemeClr val="accent1"/>
+          </a:effectRef>
+          <a:fontRef idx="minor">
+            <a:schemeClr val="lt1"/>
+          </a:fontRef>
+        </p:style>
+        <p:txBody>
+          <a:bodyPr rot="0" spcFirstLastPara="0" vertOverflow="overflow" horzOverflow="overflow" vert="horz" wrap="square" lIns="91440" tIns="45720" rIns="91440" bIns="45720" numCol="1" spcCol="0" rtlCol="0" fromWordArt="0" anchor="ctr" anchorCtr="0" forceAA="0" compatLnSpc="1">
+            <a:prstTxWarp prst="textNoShape">
+              <a:avLst/>
+            </a:prstTxWarp>
+            <a:noAutofit/>
+          </a:bodyPr>
+          <a:lstStyle/>
+          <a:p>
+            <a:pPr algn="ctr">
+              <a:spcBef>
+                <a:spcPts val="600"/>
+              </a:spcBef>
+            </a:pPr>
+            <a:r>
+              <a:rPr lang="en-US" sz="1400" b="1" dirty="0">
+                <a:solidFill>
+                  <a:schemeClr val="tx1">
+                    <a:lumMod val="50000"/>
+                  </a:schemeClr>
+                </a:solidFill>
+              </a:rPr>
+              <a:t>Code</a:t>
+            </a:r>
+          </a:p>
+        </p:txBody>
+      </p:sp>
+      <p:cxnSp>
+        <p:nvCxnSpPr>
+          <p:cNvPr id="34" name="Straight Connector 33">
+            <a:extLst>
+              <a:ext uri="{FF2B5EF4-FFF2-40B4-BE49-F238E27FC236}">
+                <a16:creationId xmlns:a16="http://schemas.microsoft.com/office/drawing/2014/main" id="{DE79388A-18D5-955F-2EF3-8E5A09AE93E5}"/>
+              </a:ext>
+            </a:extLst>
+          </p:cNvPr>
+          <p:cNvCxnSpPr>
+            <a:cxnSpLocks/>
+            <a:endCxn id="8" idx="1"/>
+          </p:cNvCxnSpPr>
+          <p:nvPr/>
+        </p:nvCxnSpPr>
+        <p:spPr bwMode="gray">
+          <a:xfrm>
+            <a:off x="2463230" y="2997636"/>
+            <a:ext cx="511319" cy="1"/>
+          </a:xfrm>
+          <a:prstGeom prst="line">
+            <a:avLst/>
+          </a:prstGeom>
+          <a:ln w="57150" cap="rnd">
+            <a:solidFill>
+              <a:schemeClr val="tx1"/>
+            </a:solidFill>
+            <a:round/>
+            <a:headEnd type="none" w="med" len="med"/>
+            <a:tailEnd type="triangle" w="med" len="med"/>
+          </a:ln>
+        </p:spPr>
+        <p:style>
+          <a:lnRef idx="1">
+            <a:schemeClr val="accent1"/>
+          </a:lnRef>
+          <a:fillRef idx="0">
+            <a:schemeClr val="accent1"/>
+          </a:fillRef>
+          <a:effectRef idx="0">
+            <a:schemeClr val="accent1"/>
+          </a:effectRef>
+          <a:fontRef idx="minor">
+            <a:schemeClr val="tx1"/>
+          </a:fontRef>
+        </p:style>
+      </p:cxnSp>
+      <p:sp>
+        <p:nvSpPr>
+          <p:cNvPr id="39" name="TextBox 38">
+            <a:extLst>
+              <a:ext uri="{FF2B5EF4-FFF2-40B4-BE49-F238E27FC236}">
+                <a16:creationId xmlns:a16="http://schemas.microsoft.com/office/drawing/2014/main" id="{AF0AB4E6-34A6-C78F-39EF-772CCF02B131}"/>
+              </a:ext>
+            </a:extLst>
+          </p:cNvPr>
+          <p:cNvSpPr txBox="1"/>
+          <p:nvPr/>
+        </p:nvSpPr>
+        <p:spPr>
+          <a:xfrm>
+            <a:off x="2920355" y="2074307"/>
+            <a:ext cx="2259978" cy="369332"/>
+          </a:xfrm>
+          <a:prstGeom prst="rect">
+            <a:avLst/>
+          </a:prstGeom>
+          <a:noFill/>
+        </p:spPr>
+        <p:txBody>
+          <a:bodyPr wrap="square" rtlCol="0">
+            <a:spAutoFit/>
+          </a:bodyPr>
+          <a:lstStyle/>
+          <a:p>
+            <a:r>
+              <a:rPr lang="en-US" b="1" dirty="0"/>
+              <a:t>Deep Neural Network</a:t>
+            </a:r>
+          </a:p>
+        </p:txBody>
+      </p:sp>
+      <p:sp>
+        <p:nvSpPr>
+          <p:cNvPr id="40" name="Snip Single Corner Rectangle 39">
+            <a:extLst>
+              <a:ext uri="{FF2B5EF4-FFF2-40B4-BE49-F238E27FC236}">
+                <a16:creationId xmlns:a16="http://schemas.microsoft.com/office/drawing/2014/main" id="{E13DD29B-D4CD-4394-E09D-3DDA0EE20304}"/>
+              </a:ext>
+            </a:extLst>
+          </p:cNvPr>
+          <p:cNvSpPr/>
+          <p:nvPr/>
+        </p:nvSpPr>
+        <p:spPr bwMode="gray">
+          <a:xfrm>
+            <a:off x="8513079" y="1776788"/>
+            <a:ext cx="1229363" cy="482185"/>
+          </a:xfrm>
+          <a:prstGeom prst="snip1Rect">
+            <a:avLst/>
+          </a:prstGeom>
+          <a:solidFill>
+            <a:srgbClr val="FFFD78"/>
+          </a:solidFill>
+          <a:ln cap="rnd">
+            <a:solidFill>
+              <a:schemeClr val="accent1"/>
+            </a:solidFill>
+            <a:round/>
+          </a:ln>
+        </p:spPr>
+        <p:style>
+          <a:lnRef idx="2">
+            <a:schemeClr val="accent1">
+              <a:shade val="50000"/>
+            </a:schemeClr>
+          </a:lnRef>
+          <a:fillRef idx="1">
+            <a:schemeClr val="accent1"/>
+          </a:fillRef>
+          <a:effectRef idx="0">
+            <a:schemeClr val="accent1"/>
+          </a:effectRef>
+          <a:fontRef idx="minor">
+            <a:schemeClr val="lt1"/>
+          </a:fontRef>
+        </p:style>
+        <p:txBody>
+          <a:bodyPr rot="0" spcFirstLastPara="0" vertOverflow="overflow" horzOverflow="overflow" vert="horz" wrap="square" lIns="91440" tIns="45720" rIns="91440" bIns="45720" numCol="1" spcCol="0" rtlCol="0" fromWordArt="0" anchor="ctr" anchorCtr="0" forceAA="0" compatLnSpc="1">
+            <a:prstTxWarp prst="textNoShape">
+              <a:avLst/>
+            </a:prstTxWarp>
+            <a:noAutofit/>
+          </a:bodyPr>
+          <a:lstStyle/>
+          <a:p>
+            <a:pPr algn="ctr">
+              <a:spcBef>
+                <a:spcPts val="600"/>
+              </a:spcBef>
+            </a:pPr>
+            <a:r>
+              <a:rPr lang="en-US" sz="1400" b="1" dirty="0">
+                <a:solidFill>
+                  <a:schemeClr val="tx1">
+                    <a:lumMod val="50000"/>
+                  </a:schemeClr>
+                </a:solidFill>
+              </a:rPr>
+              <a:t>Markdown</a:t>
+            </a:r>
+          </a:p>
+        </p:txBody>
+      </p:sp>
+      <p:pic>
+        <p:nvPicPr>
+          <p:cNvPr id="42" name="Picture 41">
+            <a:extLst>
+              <a:ext uri="{FF2B5EF4-FFF2-40B4-BE49-F238E27FC236}">
+                <a16:creationId xmlns:a16="http://schemas.microsoft.com/office/drawing/2014/main" id="{FA818BE1-4E14-999B-A19E-626357642EE1}"/>
+              </a:ext>
+            </a:extLst>
+          </p:cNvPr>
+          <p:cNvPicPr>
+            <a:picLocks noChangeAspect="1"/>
+          </p:cNvPicPr>
+          <p:nvPr/>
+        </p:nvPicPr>
+        <p:blipFill rotWithShape="1">
+          <a:blip r:embed="rId5"/>
+          <a:srcRect l="3200"/>
+          <a:stretch/>
+        </p:blipFill>
+        <p:spPr>
+          <a:xfrm>
+            <a:off x="6456658" y="3461938"/>
+            <a:ext cx="972287" cy="823629"/>
+          </a:xfrm>
+          <a:prstGeom prst="rect">
+            <a:avLst/>
+          </a:prstGeom>
+          <a:ln>
+            <a:solidFill>
+              <a:schemeClr val="tx1"/>
+            </a:solidFill>
+          </a:ln>
+        </p:spPr>
+      </p:pic>
+      <p:cxnSp>
+        <p:nvCxnSpPr>
+          <p:cNvPr id="46" name="Straight Connector 45">
+            <a:extLst>
+              <a:ext uri="{FF2B5EF4-FFF2-40B4-BE49-F238E27FC236}">
+                <a16:creationId xmlns:a16="http://schemas.microsoft.com/office/drawing/2014/main" id="{04B7D7CF-D836-C50C-64C6-E5109CD722D1}"/>
+              </a:ext>
+            </a:extLst>
+          </p:cNvPr>
+          <p:cNvCxnSpPr>
+            <a:cxnSpLocks/>
+            <a:stCxn id="8" idx="3"/>
+            <a:endCxn id="11266" idx="1"/>
+          </p:cNvCxnSpPr>
+          <p:nvPr/>
+        </p:nvCxnSpPr>
+        <p:spPr bwMode="gray">
+          <a:xfrm>
+            <a:off x="5119579" y="2997637"/>
+            <a:ext cx="1337079" cy="2027817"/>
+          </a:xfrm>
+          <a:prstGeom prst="line">
+            <a:avLst/>
+          </a:prstGeom>
+          <a:ln w="57150" cap="rnd">
+            <a:solidFill>
+              <a:schemeClr val="tx1"/>
+            </a:solidFill>
+            <a:round/>
+            <a:headEnd type="none" w="med" len="med"/>
+            <a:tailEnd type="triangle" w="med" len="med"/>
+          </a:ln>
+        </p:spPr>
+        <p:style>
+          <a:lnRef idx="1">
+            <a:schemeClr val="accent1"/>
+          </a:lnRef>
+          <a:fillRef idx="0">
+            <a:schemeClr val="accent1"/>
+          </a:fillRef>
+          <a:effectRef idx="0">
+            <a:schemeClr val="accent1"/>
+          </a:effectRef>
+          <a:fontRef idx="minor">
+            <a:schemeClr val="tx1"/>
+          </a:fontRef>
+        </p:style>
+      </p:cxnSp>
+      <p:pic>
+        <p:nvPicPr>
+          <p:cNvPr id="11268" name="Picture 11267">
+            <a:extLst>
+              <a:ext uri="{FF2B5EF4-FFF2-40B4-BE49-F238E27FC236}">
+                <a16:creationId xmlns:a16="http://schemas.microsoft.com/office/drawing/2014/main" id="{66E99F1A-3028-9072-BF5C-F54A853C44A6}"/>
+              </a:ext>
+            </a:extLst>
+          </p:cNvPr>
+          <p:cNvPicPr>
+            <a:picLocks noChangeAspect="1"/>
+          </p:cNvPicPr>
+          <p:nvPr/>
+        </p:nvPicPr>
+        <p:blipFill>
+          <a:blip r:embed="rId6"/>
+          <a:stretch>
+            <a:fillRect/>
+          </a:stretch>
+        </p:blipFill>
+        <p:spPr>
+          <a:xfrm>
+            <a:off x="8508072" y="2376425"/>
+            <a:ext cx="1888252" cy="613876"/>
+          </a:xfrm>
+          <a:prstGeom prst="rect">
+            <a:avLst/>
+          </a:prstGeom>
+          <a:ln>
+            <a:solidFill>
+              <a:schemeClr val="tx1"/>
+            </a:solidFill>
+          </a:ln>
+        </p:spPr>
+      </p:pic>
+      <p:cxnSp>
+        <p:nvCxnSpPr>
+          <p:cNvPr id="11269" name="Straight Connector 11268">
+            <a:extLst>
+              <a:ext uri="{FF2B5EF4-FFF2-40B4-BE49-F238E27FC236}">
+                <a16:creationId xmlns:a16="http://schemas.microsoft.com/office/drawing/2014/main" id="{DABD3294-FD29-27BD-7D94-295D37B66609}"/>
+              </a:ext>
+            </a:extLst>
+          </p:cNvPr>
+          <p:cNvCxnSpPr>
+            <a:cxnSpLocks/>
+            <a:stCxn id="10" idx="0"/>
+            <a:endCxn id="11268" idx="1"/>
+          </p:cNvCxnSpPr>
+          <p:nvPr/>
+        </p:nvCxnSpPr>
+        <p:spPr bwMode="gray">
+          <a:xfrm>
+            <a:off x="7538211" y="1864755"/>
+            <a:ext cx="969861" cy="818608"/>
+          </a:xfrm>
+          <a:prstGeom prst="line">
+            <a:avLst/>
+          </a:prstGeom>
+          <a:ln w="57150" cap="rnd">
+            <a:solidFill>
+              <a:schemeClr val="tx1"/>
+            </a:solidFill>
+            <a:round/>
+            <a:headEnd type="none" w="med" len="med"/>
+            <a:tailEnd type="triangle" w="med" len="med"/>
+          </a:ln>
+        </p:spPr>
+        <p:style>
+          <a:lnRef idx="1">
+            <a:schemeClr val="accent1"/>
+          </a:lnRef>
+          <a:fillRef idx="0">
+            <a:schemeClr val="accent1"/>
+          </a:fillRef>
+          <a:effectRef idx="0">
+            <a:schemeClr val="accent1"/>
+          </a:effectRef>
+          <a:fontRef idx="minor">
+            <a:schemeClr val="tx1"/>
+          </a:fontRef>
+        </p:style>
+      </p:cxnSp>
+      <p:sp>
+        <p:nvSpPr>
+          <p:cNvPr id="11273" name="TextBox 11272">
+            <a:extLst>
+              <a:ext uri="{FF2B5EF4-FFF2-40B4-BE49-F238E27FC236}">
+                <a16:creationId xmlns:a16="http://schemas.microsoft.com/office/drawing/2014/main" id="{DC7A41A3-E7A9-12DF-AD17-C64BAF1C14AA}"/>
+              </a:ext>
+            </a:extLst>
+          </p:cNvPr>
+          <p:cNvSpPr txBox="1"/>
+          <p:nvPr/>
+        </p:nvSpPr>
+        <p:spPr>
+          <a:xfrm>
+            <a:off x="8461937" y="3039905"/>
+            <a:ext cx="2150589" cy="338554"/>
+          </a:xfrm>
+          <a:prstGeom prst="rect">
+            <a:avLst/>
+          </a:prstGeom>
+          <a:noFill/>
+        </p:spPr>
+        <p:txBody>
+          <a:bodyPr wrap="none" rtlCol="0">
+            <a:spAutoFit/>
+          </a:bodyPr>
+          <a:lstStyle/>
+          <a:p>
+            <a:r>
+              <a:rPr lang="en-US" sz="1600" b="1" dirty="0"/>
+              <a:t>Architecture Diagrams!</a:t>
+            </a:r>
+          </a:p>
+        </p:txBody>
+      </p:sp>
+    </p:spTree>
+    <p:extLst>
+      <p:ext uri="{BB962C8B-B14F-4D97-AF65-F5344CB8AC3E}">
+        <p14:creationId xmlns:p14="http://schemas.microsoft.com/office/powerpoint/2010/main" val="48256048"/>
+      </p:ext>
+    </p:extLst>
+  </p:cSld>
+  <p:clrMapOvr>
+    <a:masterClrMapping/>
+  </p:clrMapOvr>
+</p:sld>
+</file>
+
+<file path=ppt/slides/slide24.xml><?xml version="1.0" encoding="utf-8"?>
+<p:sld xmlns:a="http://schemas.openxmlformats.org/drawingml/2006/main" xmlns:r="http://schemas.openxmlformats.org/officeDocument/2006/relationships" xmlns:p="http://schemas.openxmlformats.org/presentationml/2006/main">
+  <p:cSld>
+    <p:spTree>
+      <p:nvGrpSpPr>
+        <p:cNvPr id="1" name=""/>
+        <p:cNvGrpSpPr/>
+        <p:nvPr/>
+      </p:nvGrpSpPr>
+      <p:grpSpPr>
+        <a:xfrm>
+          <a:off x="0" y="0"/>
+          <a:ext cx="0" cy="0"/>
+          <a:chOff x="0" y="0"/>
+          <a:chExt cx="0" cy="0"/>
+        </a:xfrm>
+      </p:grpSpPr>
+      <p:sp>
+        <p:nvSpPr>
+          <p:cNvPr id="2" name="Title 1">
+            <a:extLst>
+              <a:ext uri="{FF2B5EF4-FFF2-40B4-BE49-F238E27FC236}">
+                <a16:creationId xmlns:a16="http://schemas.microsoft.com/office/drawing/2014/main" id="{A8E22593-EDF7-E7DB-91A6-8C4D6B7AA46E}"/>
+              </a:ext>
+            </a:extLst>
+          </p:cNvPr>
+          <p:cNvSpPr>
+            <a:spLocks noGrp="1"/>
+          </p:cNvSpPr>
+          <p:nvPr>
+            <p:ph type="title"/>
+          </p:nvPr>
+        </p:nvSpPr>
+        <p:spPr/>
+        <p:txBody>
+          <a:bodyPr>
+            <a:normAutofit fontScale="90000"/>
+          </a:bodyPr>
+          <a:lstStyle/>
+          <a:p>
+            <a:r>
+              <a:rPr lang="en-US" dirty="0"/>
+              <a:t>Example: Gardening Question </a:t>
+            </a:r>
+            <a:r>
+              <a:rPr lang="en-US" dirty="0" err="1"/>
+              <a:t>ChatBot</a:t>
+            </a:r>
+            <a:endParaRPr lang="en-US" dirty="0"/>
+          </a:p>
+        </p:txBody>
+      </p:sp>
+      <p:sp>
+        <p:nvSpPr>
+          <p:cNvPr id="3" name="Content Placeholder 2">
+            <a:extLst>
+              <a:ext uri="{FF2B5EF4-FFF2-40B4-BE49-F238E27FC236}">
+                <a16:creationId xmlns:a16="http://schemas.microsoft.com/office/drawing/2014/main" id="{9D4AE613-FF5C-9B1F-6658-7E806A86F737}"/>
+              </a:ext>
+            </a:extLst>
+          </p:cNvPr>
+          <p:cNvSpPr>
+            <a:spLocks noGrp="1"/>
+          </p:cNvSpPr>
+          <p:nvPr>
+            <p:ph idx="1"/>
+          </p:nvPr>
+        </p:nvSpPr>
+        <p:spPr>
+          <a:xfrm>
+            <a:off x="680258" y="5300862"/>
+            <a:ext cx="10515600" cy="1055488"/>
+          </a:xfrm>
+        </p:spPr>
+        <p:txBody>
+          <a:bodyPr>
+            <a:normAutofit fontScale="85000" lnSpcReduction="20000"/>
+          </a:bodyPr>
+          <a:lstStyle/>
+          <a:p>
+            <a:r>
+              <a:rPr lang="en-US" dirty="0"/>
+              <a:t>You </a:t>
+            </a:r>
+            <a:r>
+              <a:rPr lang="en-US" b="1" dirty="0"/>
+              <a:t>can</a:t>
+            </a:r>
+            <a:r>
+              <a:rPr lang="en-US" dirty="0"/>
+              <a:t> answer standard questions about gardening, trees, shrubs, and lawns, etc.</a:t>
+            </a:r>
+          </a:p>
+          <a:p>
+            <a:r>
+              <a:rPr lang="en-US" dirty="0"/>
+              <a:t>You </a:t>
+            </a:r>
+            <a:r>
+              <a:rPr lang="en-US" b="1" dirty="0"/>
+              <a:t>cannot</a:t>
+            </a:r>
+            <a:r>
+              <a:rPr lang="en-US" dirty="0"/>
+              <a:t> answer questions about commercial products or mushrooms</a:t>
+            </a:r>
+          </a:p>
+        </p:txBody>
+      </p:sp>
+      <p:sp>
+        <p:nvSpPr>
+          <p:cNvPr id="4" name="Slide Number Placeholder 3">
+            <a:extLst>
+              <a:ext uri="{FF2B5EF4-FFF2-40B4-BE49-F238E27FC236}">
+                <a16:creationId xmlns:a16="http://schemas.microsoft.com/office/drawing/2014/main" id="{A78FE18F-BC70-0018-D0FB-9248DEB36737}"/>
+              </a:ext>
+            </a:extLst>
+          </p:cNvPr>
+          <p:cNvSpPr>
+            <a:spLocks noGrp="1"/>
+          </p:cNvSpPr>
+          <p:nvPr>
+            <p:ph type="sldNum" sz="quarter" idx="12"/>
+          </p:nvPr>
+        </p:nvSpPr>
+        <p:spPr/>
+        <p:txBody>
+          <a:bodyPr/>
+          <a:lstStyle/>
+          <a:p>
+            <a:fld id="{E4E17628-BB69-494D-BA8C-C14032583637}" type="slidenum">
+              <a:rPr lang="en-US" smtClean="0"/>
+              <a:t>24</a:t>
+            </a:fld>
+            <a:endParaRPr lang="en-US"/>
+          </a:p>
+        </p:txBody>
+      </p:sp>
+      <p:sp>
+        <p:nvSpPr>
+          <p:cNvPr id="5" name="Oval 4">
+            <a:extLst>
+              <a:ext uri="{FF2B5EF4-FFF2-40B4-BE49-F238E27FC236}">
+                <a16:creationId xmlns:a16="http://schemas.microsoft.com/office/drawing/2014/main" id="{BDF8AF4B-E466-24D2-5DF3-98B39059C59B}"/>
+              </a:ext>
+            </a:extLst>
+          </p:cNvPr>
+          <p:cNvSpPr/>
+          <p:nvPr/>
+        </p:nvSpPr>
+        <p:spPr>
+          <a:xfrm rot="1860872">
+            <a:off x="3891037" y="1614891"/>
+            <a:ext cx="225656" cy="227561"/>
+          </a:xfrm>
+          <a:prstGeom prst="ellipse">
+            <a:avLst/>
+          </a:prstGeom>
+          <a:solidFill>
+            <a:schemeClr val="accent6"/>
+          </a:solidFill>
+          <a:ln>
+            <a:noFill/>
+          </a:ln>
+        </p:spPr>
+        <p:style>
+          <a:lnRef idx="2">
+            <a:schemeClr val="accent1">
+              <a:shade val="15000"/>
+            </a:schemeClr>
+          </a:lnRef>
+          <a:fillRef idx="1">
+            <a:schemeClr val="accent1"/>
+          </a:fillRef>
+          <a:effectRef idx="0">
+            <a:schemeClr val="accent1"/>
+          </a:effectRef>
+          <a:fontRef idx="minor">
+            <a:schemeClr val="lt1"/>
+          </a:fontRef>
+        </p:style>
+        <p:txBody>
+          <a:bodyPr rtlCol="0" anchor="ctr"/>
+          <a:lstStyle/>
+          <a:p>
+            <a:pPr algn="ctr"/>
+            <a:endParaRPr lang="en-US"/>
+          </a:p>
+        </p:txBody>
+      </p:sp>
+      <p:sp>
+        <p:nvSpPr>
+          <p:cNvPr id="6" name="Oval 5">
+            <a:extLst>
+              <a:ext uri="{FF2B5EF4-FFF2-40B4-BE49-F238E27FC236}">
+                <a16:creationId xmlns:a16="http://schemas.microsoft.com/office/drawing/2014/main" id="{80D3533E-23E4-964B-751B-949E7640EE76}"/>
+              </a:ext>
+            </a:extLst>
+          </p:cNvPr>
+          <p:cNvSpPr/>
+          <p:nvPr/>
+        </p:nvSpPr>
+        <p:spPr>
+          <a:xfrm rot="1860872">
+            <a:off x="4197386" y="1850935"/>
+            <a:ext cx="225656" cy="227561"/>
+          </a:xfrm>
+          <a:prstGeom prst="ellipse">
+            <a:avLst/>
+          </a:prstGeom>
+          <a:solidFill>
+            <a:schemeClr val="accent6"/>
+          </a:solidFill>
+          <a:ln>
+            <a:noFill/>
+          </a:ln>
+        </p:spPr>
+        <p:style>
+          <a:lnRef idx="2">
+            <a:schemeClr val="accent1">
+              <a:shade val="15000"/>
+            </a:schemeClr>
+          </a:lnRef>
+          <a:fillRef idx="1">
+            <a:schemeClr val="accent1"/>
+          </a:fillRef>
+          <a:effectRef idx="0">
+            <a:schemeClr val="accent1"/>
+          </a:effectRef>
+          <a:fontRef idx="minor">
+            <a:schemeClr val="lt1"/>
+          </a:fontRef>
+        </p:style>
+        <p:txBody>
+          <a:bodyPr rtlCol="0" anchor="ctr"/>
+          <a:lstStyle/>
+          <a:p>
+            <a:pPr algn="ctr"/>
+            <a:endParaRPr lang="en-US"/>
+          </a:p>
+        </p:txBody>
+      </p:sp>
+      <p:sp>
+        <p:nvSpPr>
+          <p:cNvPr id="7" name="Oval 6">
+            <a:extLst>
+              <a:ext uri="{FF2B5EF4-FFF2-40B4-BE49-F238E27FC236}">
+                <a16:creationId xmlns:a16="http://schemas.microsoft.com/office/drawing/2014/main" id="{9ABEC62C-B7C7-8677-13B2-63266C189E00}"/>
+              </a:ext>
+            </a:extLst>
+          </p:cNvPr>
+          <p:cNvSpPr/>
+          <p:nvPr/>
+        </p:nvSpPr>
+        <p:spPr>
+          <a:xfrm rot="1860872">
+            <a:off x="3694774" y="1885883"/>
+            <a:ext cx="225656" cy="227561"/>
+          </a:xfrm>
+          <a:prstGeom prst="ellipse">
+            <a:avLst/>
+          </a:prstGeom>
+          <a:solidFill>
+            <a:schemeClr val="accent6"/>
+          </a:solidFill>
+          <a:ln>
+            <a:noFill/>
+          </a:ln>
+        </p:spPr>
+        <p:style>
+          <a:lnRef idx="2">
+            <a:schemeClr val="accent1">
+              <a:shade val="15000"/>
+            </a:schemeClr>
+          </a:lnRef>
+          <a:fillRef idx="1">
+            <a:schemeClr val="accent1"/>
+          </a:fillRef>
+          <a:effectRef idx="0">
+            <a:schemeClr val="accent1"/>
+          </a:effectRef>
+          <a:fontRef idx="minor">
+            <a:schemeClr val="lt1"/>
+          </a:fontRef>
+        </p:style>
+        <p:txBody>
+          <a:bodyPr rtlCol="0" anchor="ctr"/>
+          <a:lstStyle/>
+          <a:p>
+            <a:pPr algn="ctr"/>
+            <a:endParaRPr lang="en-US"/>
+          </a:p>
+        </p:txBody>
+      </p:sp>
+      <p:sp>
+        <p:nvSpPr>
+          <p:cNvPr id="8" name="Oval 7">
+            <a:extLst>
+              <a:ext uri="{FF2B5EF4-FFF2-40B4-BE49-F238E27FC236}">
+                <a16:creationId xmlns:a16="http://schemas.microsoft.com/office/drawing/2014/main" id="{C6659412-61D6-E6D3-C0D3-5147967C6447}"/>
+              </a:ext>
+            </a:extLst>
+          </p:cNvPr>
+          <p:cNvSpPr/>
+          <p:nvPr/>
+        </p:nvSpPr>
+        <p:spPr>
+          <a:xfrm rot="1860872">
+            <a:off x="3935234" y="2126768"/>
+            <a:ext cx="225656" cy="227561"/>
+          </a:xfrm>
+          <a:prstGeom prst="ellipse">
+            <a:avLst/>
+          </a:prstGeom>
+          <a:solidFill>
+            <a:schemeClr val="accent6"/>
+          </a:solidFill>
+          <a:ln>
+            <a:noFill/>
+          </a:ln>
+        </p:spPr>
+        <p:style>
+          <a:lnRef idx="2">
+            <a:schemeClr val="accent1">
+              <a:shade val="15000"/>
+            </a:schemeClr>
+          </a:lnRef>
+          <a:fillRef idx="1">
+            <a:schemeClr val="accent1"/>
+          </a:fillRef>
+          <a:effectRef idx="0">
+            <a:schemeClr val="accent1"/>
+          </a:effectRef>
+          <a:fontRef idx="minor">
+            <a:schemeClr val="lt1"/>
+          </a:fontRef>
+        </p:style>
+        <p:txBody>
+          <a:bodyPr rtlCol="0" anchor="ctr"/>
+          <a:lstStyle/>
+          <a:p>
+            <a:pPr algn="ctr"/>
+            <a:endParaRPr lang="en-US"/>
+          </a:p>
+        </p:txBody>
+      </p:sp>
+      <p:sp>
+        <p:nvSpPr>
+          <p:cNvPr id="9" name="Oval 8">
+            <a:extLst>
+              <a:ext uri="{FF2B5EF4-FFF2-40B4-BE49-F238E27FC236}">
+                <a16:creationId xmlns:a16="http://schemas.microsoft.com/office/drawing/2014/main" id="{8D8FF8A9-D170-98E0-F91F-7A856724017C}"/>
+              </a:ext>
+            </a:extLst>
+          </p:cNvPr>
+          <p:cNvSpPr/>
+          <p:nvPr/>
+        </p:nvSpPr>
+        <p:spPr>
+          <a:xfrm rot="1860872">
+            <a:off x="4338638" y="2201377"/>
+            <a:ext cx="225656" cy="227561"/>
+          </a:xfrm>
+          <a:prstGeom prst="ellipse">
+            <a:avLst/>
+          </a:prstGeom>
+          <a:solidFill>
+            <a:schemeClr val="accent6"/>
+          </a:solidFill>
+          <a:ln>
+            <a:noFill/>
+          </a:ln>
+        </p:spPr>
+        <p:style>
+          <a:lnRef idx="2">
+            <a:schemeClr val="accent1">
+              <a:shade val="15000"/>
+            </a:schemeClr>
+          </a:lnRef>
+          <a:fillRef idx="1">
+            <a:schemeClr val="accent1"/>
+          </a:fillRef>
+          <a:effectRef idx="0">
+            <a:schemeClr val="accent1"/>
+          </a:effectRef>
+          <a:fontRef idx="minor">
+            <a:schemeClr val="lt1"/>
+          </a:fontRef>
+        </p:style>
+        <p:txBody>
+          <a:bodyPr rtlCol="0" anchor="ctr"/>
+          <a:lstStyle/>
+          <a:p>
+            <a:pPr algn="ctr"/>
+            <a:endParaRPr lang="en-US"/>
+          </a:p>
+        </p:txBody>
+      </p:sp>
+      <p:sp>
+        <p:nvSpPr>
+          <p:cNvPr id="10" name="Oval 9">
+            <a:extLst>
+              <a:ext uri="{FF2B5EF4-FFF2-40B4-BE49-F238E27FC236}">
+                <a16:creationId xmlns:a16="http://schemas.microsoft.com/office/drawing/2014/main" id="{F87E8A02-627B-5024-598B-36ECF3721625}"/>
+              </a:ext>
+            </a:extLst>
+          </p:cNvPr>
+          <p:cNvSpPr/>
+          <p:nvPr/>
+        </p:nvSpPr>
+        <p:spPr>
+          <a:xfrm rot="1860872">
+            <a:off x="4050536" y="2461609"/>
+            <a:ext cx="225656" cy="227561"/>
+          </a:xfrm>
+          <a:prstGeom prst="ellipse">
+            <a:avLst/>
+          </a:prstGeom>
+          <a:solidFill>
+            <a:schemeClr val="accent6"/>
+          </a:solidFill>
+          <a:ln>
+            <a:noFill/>
+          </a:ln>
+        </p:spPr>
+        <p:style>
+          <a:lnRef idx="2">
+            <a:schemeClr val="accent1">
+              <a:shade val="15000"/>
+            </a:schemeClr>
+          </a:lnRef>
+          <a:fillRef idx="1">
+            <a:schemeClr val="accent1"/>
+          </a:fillRef>
+          <a:effectRef idx="0">
+            <a:schemeClr val="accent1"/>
+          </a:effectRef>
+          <a:fontRef idx="minor">
+            <a:schemeClr val="lt1"/>
+          </a:fontRef>
+        </p:style>
+        <p:txBody>
+          <a:bodyPr rtlCol="0" anchor="ctr"/>
+          <a:lstStyle/>
+          <a:p>
+            <a:pPr algn="ctr"/>
+            <a:endParaRPr lang="en-US"/>
+          </a:p>
+        </p:txBody>
+      </p:sp>
+      <p:sp>
+        <p:nvSpPr>
+          <p:cNvPr id="11" name="Oval 10">
+            <a:extLst>
+              <a:ext uri="{FF2B5EF4-FFF2-40B4-BE49-F238E27FC236}">
+                <a16:creationId xmlns:a16="http://schemas.microsoft.com/office/drawing/2014/main" id="{87199CBA-1539-102F-2421-8B75484BF59F}"/>
+              </a:ext>
+            </a:extLst>
+          </p:cNvPr>
+          <p:cNvSpPr/>
+          <p:nvPr/>
+        </p:nvSpPr>
+        <p:spPr>
+          <a:xfrm rot="1860872">
+            <a:off x="3608038" y="2328337"/>
+            <a:ext cx="225656" cy="227561"/>
+          </a:xfrm>
+          <a:prstGeom prst="ellipse">
+            <a:avLst/>
+          </a:prstGeom>
+          <a:solidFill>
+            <a:schemeClr val="accent6"/>
+          </a:solidFill>
+          <a:ln>
+            <a:noFill/>
+          </a:ln>
+        </p:spPr>
+        <p:style>
+          <a:lnRef idx="2">
+            <a:schemeClr val="accent1">
+              <a:shade val="15000"/>
+            </a:schemeClr>
+          </a:lnRef>
+          <a:fillRef idx="1">
+            <a:schemeClr val="accent1"/>
+          </a:fillRef>
+          <a:effectRef idx="0">
+            <a:schemeClr val="accent1"/>
+          </a:effectRef>
+          <a:fontRef idx="minor">
+            <a:schemeClr val="lt1"/>
+          </a:fontRef>
+        </p:style>
+        <p:txBody>
+          <a:bodyPr rtlCol="0" anchor="ctr"/>
+          <a:lstStyle/>
+          <a:p>
+            <a:pPr algn="ctr"/>
+            <a:endParaRPr lang="en-US"/>
+          </a:p>
+        </p:txBody>
+      </p:sp>
+      <p:sp>
+        <p:nvSpPr>
+          <p:cNvPr id="12" name="Oval 11">
+            <a:extLst>
+              <a:ext uri="{FF2B5EF4-FFF2-40B4-BE49-F238E27FC236}">
+                <a16:creationId xmlns:a16="http://schemas.microsoft.com/office/drawing/2014/main" id="{25593D5A-C610-5C4A-E4CA-17DB0D555B58}"/>
+              </a:ext>
+            </a:extLst>
+          </p:cNvPr>
+          <p:cNvSpPr/>
+          <p:nvPr/>
+        </p:nvSpPr>
+        <p:spPr>
+          <a:xfrm rot="1860872">
+            <a:off x="3727232" y="2700679"/>
+            <a:ext cx="225656" cy="227561"/>
+          </a:xfrm>
+          <a:prstGeom prst="ellipse">
+            <a:avLst/>
+          </a:prstGeom>
+          <a:solidFill>
+            <a:schemeClr val="accent6"/>
+          </a:solidFill>
+          <a:ln>
+            <a:noFill/>
+          </a:ln>
+        </p:spPr>
+        <p:style>
+          <a:lnRef idx="2">
+            <a:schemeClr val="accent1">
+              <a:shade val="15000"/>
+            </a:schemeClr>
+          </a:lnRef>
+          <a:fillRef idx="1">
+            <a:schemeClr val="accent1"/>
+          </a:fillRef>
+          <a:effectRef idx="0">
+            <a:schemeClr val="accent1"/>
+          </a:effectRef>
+          <a:fontRef idx="minor">
+            <a:schemeClr val="lt1"/>
+          </a:fontRef>
+        </p:style>
+        <p:txBody>
+          <a:bodyPr rtlCol="0" anchor="ctr"/>
+          <a:lstStyle/>
+          <a:p>
+            <a:pPr algn="ctr"/>
+            <a:endParaRPr lang="en-US"/>
+          </a:p>
+        </p:txBody>
+      </p:sp>
+      <p:sp>
+        <p:nvSpPr>
+          <p:cNvPr id="13" name="Oval 12">
+            <a:extLst>
+              <a:ext uri="{FF2B5EF4-FFF2-40B4-BE49-F238E27FC236}">
+                <a16:creationId xmlns:a16="http://schemas.microsoft.com/office/drawing/2014/main" id="{5E6FF488-0870-5236-C1A8-30C750F6CFA4}"/>
+              </a:ext>
+            </a:extLst>
+          </p:cNvPr>
+          <p:cNvSpPr/>
+          <p:nvPr/>
+        </p:nvSpPr>
+        <p:spPr>
+          <a:xfrm rot="1860872">
+            <a:off x="4470753" y="2654408"/>
+            <a:ext cx="225656" cy="227561"/>
+          </a:xfrm>
+          <a:prstGeom prst="ellipse">
+            <a:avLst/>
+          </a:prstGeom>
+          <a:solidFill>
+            <a:schemeClr val="accent6"/>
+          </a:solidFill>
+          <a:ln>
+            <a:noFill/>
+          </a:ln>
+        </p:spPr>
+        <p:style>
+          <a:lnRef idx="2">
+            <a:schemeClr val="accent1">
+              <a:shade val="15000"/>
+            </a:schemeClr>
+          </a:lnRef>
+          <a:fillRef idx="1">
+            <a:schemeClr val="accent1"/>
+          </a:fillRef>
+          <a:effectRef idx="0">
+            <a:schemeClr val="accent1"/>
+          </a:effectRef>
+          <a:fontRef idx="minor">
+            <a:schemeClr val="lt1"/>
+          </a:fontRef>
+        </p:style>
+        <p:txBody>
+          <a:bodyPr rtlCol="0" anchor="ctr"/>
+          <a:lstStyle/>
+          <a:p>
+            <a:pPr algn="ctr"/>
+            <a:endParaRPr lang="en-US"/>
+          </a:p>
+        </p:txBody>
+      </p:sp>
+      <p:sp>
+        <p:nvSpPr>
+          <p:cNvPr id="14" name="Oval 13">
+            <a:extLst>
+              <a:ext uri="{FF2B5EF4-FFF2-40B4-BE49-F238E27FC236}">
+                <a16:creationId xmlns:a16="http://schemas.microsoft.com/office/drawing/2014/main" id="{CA70D26B-D900-9772-31D2-750F089A7AE2}"/>
+              </a:ext>
+            </a:extLst>
+          </p:cNvPr>
+          <p:cNvSpPr/>
+          <p:nvPr/>
+        </p:nvSpPr>
+        <p:spPr>
+          <a:xfrm rot="1860872">
+            <a:off x="4185018" y="2888236"/>
+            <a:ext cx="225656" cy="227561"/>
+          </a:xfrm>
+          <a:prstGeom prst="ellipse">
+            <a:avLst/>
+          </a:prstGeom>
+          <a:solidFill>
+            <a:schemeClr val="accent6"/>
+          </a:solidFill>
+          <a:ln>
+            <a:noFill/>
+          </a:ln>
+        </p:spPr>
+        <p:style>
+          <a:lnRef idx="2">
+            <a:schemeClr val="accent1">
+              <a:shade val="15000"/>
+            </a:schemeClr>
+          </a:lnRef>
+          <a:fillRef idx="1">
+            <a:schemeClr val="accent1"/>
+          </a:fillRef>
+          <a:effectRef idx="0">
+            <a:schemeClr val="accent1"/>
+          </a:effectRef>
+          <a:fontRef idx="minor">
+            <a:schemeClr val="lt1"/>
+          </a:fontRef>
+        </p:style>
+        <p:txBody>
+          <a:bodyPr rtlCol="0" anchor="ctr"/>
+          <a:lstStyle/>
+          <a:p>
+            <a:pPr algn="ctr"/>
+            <a:endParaRPr lang="en-US"/>
+          </a:p>
+        </p:txBody>
+      </p:sp>
+      <p:sp>
+        <p:nvSpPr>
+          <p:cNvPr id="15" name="Oval 14">
+            <a:extLst>
+              <a:ext uri="{FF2B5EF4-FFF2-40B4-BE49-F238E27FC236}">
+                <a16:creationId xmlns:a16="http://schemas.microsoft.com/office/drawing/2014/main" id="{7EB4C4AD-6277-1AE5-7201-64F39B07218C}"/>
+              </a:ext>
+            </a:extLst>
+          </p:cNvPr>
+          <p:cNvSpPr/>
+          <p:nvPr/>
+        </p:nvSpPr>
+        <p:spPr>
+          <a:xfrm rot="1860872">
+            <a:off x="3154765" y="2401602"/>
+            <a:ext cx="225656" cy="227561"/>
+          </a:xfrm>
+          <a:prstGeom prst="ellipse">
+            <a:avLst/>
+          </a:prstGeom>
+          <a:solidFill>
+            <a:schemeClr val="accent6"/>
+          </a:solidFill>
+          <a:ln>
+            <a:noFill/>
+          </a:ln>
+        </p:spPr>
+        <p:style>
+          <a:lnRef idx="2">
+            <a:schemeClr val="accent1">
+              <a:shade val="15000"/>
+            </a:schemeClr>
+          </a:lnRef>
+          <a:fillRef idx="1">
+            <a:schemeClr val="accent1"/>
+          </a:fillRef>
+          <a:effectRef idx="0">
+            <a:schemeClr val="accent1"/>
+          </a:effectRef>
+          <a:fontRef idx="minor">
+            <a:schemeClr val="lt1"/>
+          </a:fontRef>
+        </p:style>
+        <p:txBody>
+          <a:bodyPr rtlCol="0" anchor="ctr"/>
+          <a:lstStyle/>
+          <a:p>
+            <a:pPr algn="ctr"/>
+            <a:endParaRPr lang="en-US"/>
+          </a:p>
+        </p:txBody>
+      </p:sp>
+      <p:sp>
+        <p:nvSpPr>
+          <p:cNvPr id="16" name="Oval 15">
+            <a:extLst>
+              <a:ext uri="{FF2B5EF4-FFF2-40B4-BE49-F238E27FC236}">
+                <a16:creationId xmlns:a16="http://schemas.microsoft.com/office/drawing/2014/main" id="{8C7F1037-5E9E-B566-D0AD-7AFB1636279D}"/>
+              </a:ext>
+            </a:extLst>
+          </p:cNvPr>
+          <p:cNvSpPr/>
+          <p:nvPr/>
+        </p:nvSpPr>
+        <p:spPr>
+          <a:xfrm rot="1860872">
+            <a:off x="3325104" y="2806622"/>
+            <a:ext cx="225656" cy="227561"/>
+          </a:xfrm>
+          <a:prstGeom prst="ellipse">
+            <a:avLst/>
+          </a:prstGeom>
+          <a:solidFill>
+            <a:schemeClr val="accent6"/>
+          </a:solidFill>
+          <a:ln>
+            <a:noFill/>
+          </a:ln>
+        </p:spPr>
+        <p:style>
+          <a:lnRef idx="2">
+            <a:schemeClr val="accent1">
+              <a:shade val="15000"/>
+            </a:schemeClr>
+          </a:lnRef>
+          <a:fillRef idx="1">
+            <a:schemeClr val="accent1"/>
+          </a:fillRef>
+          <a:effectRef idx="0">
+            <a:schemeClr val="accent1"/>
+          </a:effectRef>
+          <a:fontRef idx="minor">
+            <a:schemeClr val="lt1"/>
+          </a:fontRef>
+        </p:style>
+        <p:txBody>
+          <a:bodyPr rtlCol="0" anchor="ctr"/>
+          <a:lstStyle/>
+          <a:p>
+            <a:pPr algn="ctr"/>
+            <a:endParaRPr lang="en-US"/>
+          </a:p>
+        </p:txBody>
+      </p:sp>
+      <p:sp>
+        <p:nvSpPr>
+          <p:cNvPr id="17" name="Oval 16">
+            <a:extLst>
+              <a:ext uri="{FF2B5EF4-FFF2-40B4-BE49-F238E27FC236}">
+                <a16:creationId xmlns:a16="http://schemas.microsoft.com/office/drawing/2014/main" id="{F711866C-427E-E651-E431-71968F6F9145}"/>
+              </a:ext>
+            </a:extLst>
+          </p:cNvPr>
+          <p:cNvSpPr/>
+          <p:nvPr/>
+        </p:nvSpPr>
+        <p:spPr>
+          <a:xfrm rot="1860872">
+            <a:off x="3203104" y="1948621"/>
+            <a:ext cx="225656" cy="227561"/>
+          </a:xfrm>
+          <a:prstGeom prst="ellipse">
+            <a:avLst/>
+          </a:prstGeom>
+          <a:solidFill>
+            <a:schemeClr val="accent6"/>
+          </a:solidFill>
+          <a:ln>
+            <a:noFill/>
+          </a:ln>
+        </p:spPr>
+        <p:style>
+          <a:lnRef idx="2">
+            <a:schemeClr val="accent1">
+              <a:shade val="15000"/>
+            </a:schemeClr>
+          </a:lnRef>
+          <a:fillRef idx="1">
+            <a:schemeClr val="accent1"/>
+          </a:fillRef>
+          <a:effectRef idx="0">
+            <a:schemeClr val="accent1"/>
+          </a:effectRef>
+          <a:fontRef idx="minor">
+            <a:schemeClr val="lt1"/>
+          </a:fontRef>
+        </p:style>
+        <p:txBody>
+          <a:bodyPr rtlCol="0" anchor="ctr"/>
+          <a:lstStyle/>
+          <a:p>
+            <a:pPr algn="ctr"/>
+            <a:endParaRPr lang="en-US"/>
+          </a:p>
+        </p:txBody>
+      </p:sp>
+      <p:sp>
+        <p:nvSpPr>
+          <p:cNvPr id="20" name="Oval 19">
+            <a:extLst>
+              <a:ext uri="{FF2B5EF4-FFF2-40B4-BE49-F238E27FC236}">
+                <a16:creationId xmlns:a16="http://schemas.microsoft.com/office/drawing/2014/main" id="{E1767DD3-7A79-90A7-03D7-12B41CFCB3DA}"/>
+              </a:ext>
+            </a:extLst>
+          </p:cNvPr>
+          <p:cNvSpPr/>
+          <p:nvPr/>
+        </p:nvSpPr>
+        <p:spPr>
+          <a:xfrm rot="1860872">
+            <a:off x="5081461" y="1709694"/>
+            <a:ext cx="225656" cy="227561"/>
+          </a:xfrm>
+          <a:prstGeom prst="ellipse">
+            <a:avLst/>
+          </a:prstGeom>
+          <a:solidFill>
+            <a:schemeClr val="accent6"/>
+          </a:solidFill>
+          <a:ln>
+            <a:noFill/>
+          </a:ln>
+        </p:spPr>
+        <p:style>
+          <a:lnRef idx="2">
+            <a:schemeClr val="accent1">
+              <a:shade val="15000"/>
+            </a:schemeClr>
+          </a:lnRef>
+          <a:fillRef idx="1">
+            <a:schemeClr val="accent1"/>
+          </a:fillRef>
+          <a:effectRef idx="0">
+            <a:schemeClr val="accent1"/>
+          </a:effectRef>
+          <a:fontRef idx="minor">
+            <a:schemeClr val="lt1"/>
+          </a:fontRef>
+        </p:style>
+        <p:txBody>
+          <a:bodyPr rtlCol="0" anchor="ctr"/>
+          <a:lstStyle/>
+          <a:p>
+            <a:pPr algn="ctr"/>
+            <a:endParaRPr lang="en-US"/>
+          </a:p>
+        </p:txBody>
+      </p:sp>
+      <p:sp>
+        <p:nvSpPr>
+          <p:cNvPr id="21" name="Oval 20">
+            <a:extLst>
+              <a:ext uri="{FF2B5EF4-FFF2-40B4-BE49-F238E27FC236}">
+                <a16:creationId xmlns:a16="http://schemas.microsoft.com/office/drawing/2014/main" id="{D791BF99-69D7-3556-01C1-76E5825E113F}"/>
+              </a:ext>
+            </a:extLst>
+          </p:cNvPr>
+          <p:cNvSpPr/>
+          <p:nvPr/>
+        </p:nvSpPr>
+        <p:spPr>
+          <a:xfrm rot="1860872">
+            <a:off x="5563119" y="1790758"/>
+            <a:ext cx="225656" cy="227561"/>
+          </a:xfrm>
+          <a:prstGeom prst="ellipse">
+            <a:avLst/>
+          </a:prstGeom>
+          <a:solidFill>
+            <a:schemeClr val="accent6"/>
+          </a:solidFill>
+          <a:ln>
+            <a:noFill/>
+          </a:ln>
+        </p:spPr>
+        <p:style>
+          <a:lnRef idx="2">
+            <a:schemeClr val="accent1">
+              <a:shade val="15000"/>
+            </a:schemeClr>
+          </a:lnRef>
+          <a:fillRef idx="1">
+            <a:schemeClr val="accent1"/>
+          </a:fillRef>
+          <a:effectRef idx="0">
+            <a:schemeClr val="accent1"/>
+          </a:effectRef>
+          <a:fontRef idx="minor">
+            <a:schemeClr val="lt1"/>
+          </a:fontRef>
+        </p:style>
+        <p:txBody>
+          <a:bodyPr rtlCol="0" anchor="ctr"/>
+          <a:lstStyle/>
+          <a:p>
+            <a:pPr algn="ctr"/>
+            <a:endParaRPr lang="en-US"/>
+          </a:p>
+        </p:txBody>
+      </p:sp>
+      <p:sp>
+        <p:nvSpPr>
+          <p:cNvPr id="22" name="Oval 21">
+            <a:extLst>
+              <a:ext uri="{FF2B5EF4-FFF2-40B4-BE49-F238E27FC236}">
+                <a16:creationId xmlns:a16="http://schemas.microsoft.com/office/drawing/2014/main" id="{81C13FF0-9904-911C-6135-3F61837FACDC}"/>
+              </a:ext>
+            </a:extLst>
+          </p:cNvPr>
+          <p:cNvSpPr/>
+          <p:nvPr/>
+        </p:nvSpPr>
+        <p:spPr>
+          <a:xfrm rot="1860872">
+            <a:off x="4782063" y="2079079"/>
+            <a:ext cx="225656" cy="227561"/>
+          </a:xfrm>
+          <a:prstGeom prst="ellipse">
+            <a:avLst/>
+          </a:prstGeom>
+          <a:solidFill>
+            <a:schemeClr val="accent6"/>
+          </a:solidFill>
+          <a:ln>
+            <a:noFill/>
+          </a:ln>
+        </p:spPr>
+        <p:style>
+          <a:lnRef idx="2">
+            <a:schemeClr val="accent1">
+              <a:shade val="15000"/>
+            </a:schemeClr>
+          </a:lnRef>
+          <a:fillRef idx="1">
+            <a:schemeClr val="accent1"/>
+          </a:fillRef>
+          <a:effectRef idx="0">
+            <a:schemeClr val="accent1"/>
+          </a:effectRef>
+          <a:fontRef idx="minor">
+            <a:schemeClr val="lt1"/>
+          </a:fontRef>
+        </p:style>
+        <p:txBody>
+          <a:bodyPr rtlCol="0" anchor="ctr"/>
+          <a:lstStyle/>
+          <a:p>
+            <a:pPr algn="ctr"/>
+            <a:endParaRPr lang="en-US"/>
+          </a:p>
+        </p:txBody>
+      </p:sp>
+      <p:sp>
+        <p:nvSpPr>
+          <p:cNvPr id="23" name="Oval 22">
+            <a:extLst>
+              <a:ext uri="{FF2B5EF4-FFF2-40B4-BE49-F238E27FC236}">
+                <a16:creationId xmlns:a16="http://schemas.microsoft.com/office/drawing/2014/main" id="{DB7429FB-FF87-E28A-3DD0-22E139CFA8C3}"/>
+              </a:ext>
+            </a:extLst>
+          </p:cNvPr>
+          <p:cNvSpPr/>
+          <p:nvPr/>
+        </p:nvSpPr>
+        <p:spPr>
+          <a:xfrm rot="1860872">
+            <a:off x="5257521" y="2089452"/>
+            <a:ext cx="225656" cy="227561"/>
+          </a:xfrm>
+          <a:prstGeom prst="ellipse">
+            <a:avLst/>
+          </a:prstGeom>
+          <a:solidFill>
+            <a:schemeClr val="accent6"/>
+          </a:solidFill>
+          <a:ln>
+            <a:noFill/>
+          </a:ln>
+        </p:spPr>
+        <p:style>
+          <a:lnRef idx="2">
+            <a:schemeClr val="accent1">
+              <a:shade val="15000"/>
+            </a:schemeClr>
+          </a:lnRef>
+          <a:fillRef idx="1">
+            <a:schemeClr val="accent1"/>
+          </a:fillRef>
+          <a:effectRef idx="0">
+            <a:schemeClr val="accent1"/>
+          </a:effectRef>
+          <a:fontRef idx="minor">
+            <a:schemeClr val="lt1"/>
+          </a:fontRef>
+        </p:style>
+        <p:txBody>
+          <a:bodyPr rtlCol="0" anchor="ctr"/>
+          <a:lstStyle/>
+          <a:p>
+            <a:pPr algn="ctr"/>
+            <a:endParaRPr lang="en-US"/>
+          </a:p>
+        </p:txBody>
+      </p:sp>
+      <p:sp>
+        <p:nvSpPr>
+          <p:cNvPr id="24" name="Oval 23">
+            <a:extLst>
+              <a:ext uri="{FF2B5EF4-FFF2-40B4-BE49-F238E27FC236}">
+                <a16:creationId xmlns:a16="http://schemas.microsoft.com/office/drawing/2014/main" id="{29B4BEE1-6C73-64E4-8D41-13811577C7AB}"/>
+              </a:ext>
+            </a:extLst>
+          </p:cNvPr>
+          <p:cNvSpPr/>
+          <p:nvPr/>
+        </p:nvSpPr>
+        <p:spPr>
+          <a:xfrm rot="1860872">
+            <a:off x="5837149" y="2019029"/>
+            <a:ext cx="225656" cy="227561"/>
+          </a:xfrm>
+          <a:prstGeom prst="ellipse">
+            <a:avLst/>
+          </a:prstGeom>
+          <a:solidFill>
+            <a:schemeClr val="accent6"/>
+          </a:solidFill>
+          <a:ln>
+            <a:noFill/>
+          </a:ln>
+        </p:spPr>
+        <p:style>
+          <a:lnRef idx="2">
+            <a:schemeClr val="accent1">
+              <a:shade val="15000"/>
+            </a:schemeClr>
+          </a:lnRef>
+          <a:fillRef idx="1">
+            <a:schemeClr val="accent1"/>
+          </a:fillRef>
+          <a:effectRef idx="0">
+            <a:schemeClr val="accent1"/>
+          </a:effectRef>
+          <a:fontRef idx="minor">
+            <a:schemeClr val="lt1"/>
+          </a:fontRef>
+        </p:style>
+        <p:txBody>
+          <a:bodyPr rtlCol="0" anchor="ctr"/>
+          <a:lstStyle/>
+          <a:p>
+            <a:pPr algn="ctr"/>
+            <a:endParaRPr lang="en-US"/>
+          </a:p>
+        </p:txBody>
+      </p:sp>
+      <p:sp>
+        <p:nvSpPr>
+          <p:cNvPr id="25" name="Oval 24">
+            <a:extLst>
+              <a:ext uri="{FF2B5EF4-FFF2-40B4-BE49-F238E27FC236}">
+                <a16:creationId xmlns:a16="http://schemas.microsoft.com/office/drawing/2014/main" id="{C9D63089-A737-D899-4976-DEDA06C7A79D}"/>
+              </a:ext>
+            </a:extLst>
+          </p:cNvPr>
+          <p:cNvSpPr/>
+          <p:nvPr/>
+        </p:nvSpPr>
+        <p:spPr>
+          <a:xfrm rot="1860872">
+            <a:off x="5563119" y="2283831"/>
+            <a:ext cx="225656" cy="227561"/>
+          </a:xfrm>
+          <a:prstGeom prst="ellipse">
+            <a:avLst/>
+          </a:prstGeom>
+          <a:solidFill>
+            <a:schemeClr val="accent6"/>
+          </a:solidFill>
+          <a:ln>
+            <a:noFill/>
+          </a:ln>
+        </p:spPr>
+        <p:style>
+          <a:lnRef idx="2">
+            <a:schemeClr val="accent1">
+              <a:shade val="15000"/>
+            </a:schemeClr>
+          </a:lnRef>
+          <a:fillRef idx="1">
+            <a:schemeClr val="accent1"/>
+          </a:fillRef>
+          <a:effectRef idx="0">
+            <a:schemeClr val="accent1"/>
+          </a:effectRef>
+          <a:fontRef idx="minor">
+            <a:schemeClr val="lt1"/>
+          </a:fontRef>
+        </p:style>
+        <p:txBody>
+          <a:bodyPr rtlCol="0" anchor="ctr"/>
+          <a:lstStyle/>
+          <a:p>
+            <a:pPr algn="ctr"/>
+            <a:endParaRPr lang="en-US"/>
+          </a:p>
+        </p:txBody>
+      </p:sp>
+      <p:sp>
+        <p:nvSpPr>
+          <p:cNvPr id="26" name="Oval 25">
+            <a:extLst>
+              <a:ext uri="{FF2B5EF4-FFF2-40B4-BE49-F238E27FC236}">
+                <a16:creationId xmlns:a16="http://schemas.microsoft.com/office/drawing/2014/main" id="{36BF3C08-A76F-FC52-2621-9626E24439F0}"/>
+              </a:ext>
+            </a:extLst>
+          </p:cNvPr>
+          <p:cNvSpPr/>
+          <p:nvPr/>
+        </p:nvSpPr>
+        <p:spPr>
+          <a:xfrm rot="1860872">
+            <a:off x="4875108" y="2449971"/>
+            <a:ext cx="225656" cy="227561"/>
+          </a:xfrm>
+          <a:prstGeom prst="ellipse">
+            <a:avLst/>
+          </a:prstGeom>
+          <a:solidFill>
+            <a:schemeClr val="accent6"/>
+          </a:solidFill>
+          <a:ln>
+            <a:noFill/>
+          </a:ln>
+        </p:spPr>
+        <p:style>
+          <a:lnRef idx="2">
+            <a:schemeClr val="accent1">
+              <a:shade val="15000"/>
+            </a:schemeClr>
+          </a:lnRef>
+          <a:fillRef idx="1">
+            <a:schemeClr val="accent1"/>
+          </a:fillRef>
+          <a:effectRef idx="0">
+            <a:schemeClr val="accent1"/>
+          </a:effectRef>
+          <a:fontRef idx="minor">
+            <a:schemeClr val="lt1"/>
+          </a:fontRef>
+        </p:style>
+        <p:txBody>
+          <a:bodyPr rtlCol="0" anchor="ctr"/>
+          <a:lstStyle/>
+          <a:p>
+            <a:pPr algn="ctr"/>
+            <a:endParaRPr lang="en-US"/>
+          </a:p>
+        </p:txBody>
+      </p:sp>
+      <p:sp>
+        <p:nvSpPr>
+          <p:cNvPr id="27" name="Oval 26">
+            <a:extLst>
+              <a:ext uri="{FF2B5EF4-FFF2-40B4-BE49-F238E27FC236}">
+                <a16:creationId xmlns:a16="http://schemas.microsoft.com/office/drawing/2014/main" id="{773B2A9D-3371-0B34-9E7C-98433BA2C820}"/>
+              </a:ext>
+            </a:extLst>
+          </p:cNvPr>
+          <p:cNvSpPr/>
+          <p:nvPr/>
+        </p:nvSpPr>
+        <p:spPr>
+          <a:xfrm rot="1860872">
+            <a:off x="5304258" y="2543794"/>
+            <a:ext cx="225656" cy="227561"/>
+          </a:xfrm>
+          <a:prstGeom prst="ellipse">
+            <a:avLst/>
+          </a:prstGeom>
+          <a:solidFill>
+            <a:schemeClr val="accent6"/>
+          </a:solidFill>
+          <a:ln>
+            <a:noFill/>
+          </a:ln>
+        </p:spPr>
+        <p:style>
+          <a:lnRef idx="2">
+            <a:schemeClr val="accent1">
+              <a:shade val="15000"/>
+            </a:schemeClr>
+          </a:lnRef>
+          <a:fillRef idx="1">
+            <a:schemeClr val="accent1"/>
+          </a:fillRef>
+          <a:effectRef idx="0">
+            <a:schemeClr val="accent1"/>
+          </a:effectRef>
+          <a:fontRef idx="minor">
+            <a:schemeClr val="lt1"/>
+          </a:fontRef>
+        </p:style>
+        <p:txBody>
+          <a:bodyPr rtlCol="0" anchor="ctr"/>
+          <a:lstStyle/>
+          <a:p>
+            <a:pPr algn="ctr"/>
+            <a:endParaRPr lang="en-US"/>
+          </a:p>
+        </p:txBody>
+      </p:sp>
+      <p:sp>
+        <p:nvSpPr>
+          <p:cNvPr id="28" name="Oval 27">
+            <a:extLst>
+              <a:ext uri="{FF2B5EF4-FFF2-40B4-BE49-F238E27FC236}">
+                <a16:creationId xmlns:a16="http://schemas.microsoft.com/office/drawing/2014/main" id="{844BA6E6-A205-F272-1E8A-8B9E9B5A0D24}"/>
+              </a:ext>
+            </a:extLst>
+          </p:cNvPr>
+          <p:cNvSpPr/>
+          <p:nvPr/>
+        </p:nvSpPr>
+        <p:spPr>
+          <a:xfrm rot="1860872">
+            <a:off x="5636151" y="2666577"/>
+            <a:ext cx="225656" cy="227561"/>
+          </a:xfrm>
+          <a:prstGeom prst="ellipse">
+            <a:avLst/>
+          </a:prstGeom>
+          <a:solidFill>
+            <a:schemeClr val="accent6"/>
+          </a:solidFill>
+          <a:ln>
+            <a:noFill/>
+          </a:ln>
+        </p:spPr>
+        <p:style>
+          <a:lnRef idx="2">
+            <a:schemeClr val="accent1">
+              <a:shade val="15000"/>
+            </a:schemeClr>
+          </a:lnRef>
+          <a:fillRef idx="1">
+            <a:schemeClr val="accent1"/>
+          </a:fillRef>
+          <a:effectRef idx="0">
+            <a:schemeClr val="accent1"/>
+          </a:effectRef>
+          <a:fontRef idx="minor">
+            <a:schemeClr val="lt1"/>
+          </a:fontRef>
+        </p:style>
+        <p:txBody>
+          <a:bodyPr rtlCol="0" anchor="ctr"/>
+          <a:lstStyle/>
+          <a:p>
+            <a:pPr algn="ctr"/>
+            <a:endParaRPr lang="en-US"/>
+          </a:p>
+        </p:txBody>
+      </p:sp>
+      <p:sp>
+        <p:nvSpPr>
+          <p:cNvPr id="29" name="Oval 28">
+            <a:extLst>
+              <a:ext uri="{FF2B5EF4-FFF2-40B4-BE49-F238E27FC236}">
+                <a16:creationId xmlns:a16="http://schemas.microsoft.com/office/drawing/2014/main" id="{B231277D-5F76-A547-5B2C-6786373FB4F3}"/>
+              </a:ext>
+            </a:extLst>
+          </p:cNvPr>
+          <p:cNvSpPr/>
+          <p:nvPr/>
+        </p:nvSpPr>
+        <p:spPr>
+          <a:xfrm rot="1860872">
+            <a:off x="5240110" y="2902942"/>
+            <a:ext cx="225656" cy="227561"/>
+          </a:xfrm>
+          <a:prstGeom prst="ellipse">
+            <a:avLst/>
+          </a:prstGeom>
+          <a:solidFill>
+            <a:schemeClr val="accent6"/>
+          </a:solidFill>
+          <a:ln>
+            <a:noFill/>
+          </a:ln>
+        </p:spPr>
+        <p:style>
+          <a:lnRef idx="2">
+            <a:schemeClr val="accent1">
+              <a:shade val="15000"/>
+            </a:schemeClr>
+          </a:lnRef>
+          <a:fillRef idx="1">
+            <a:schemeClr val="accent1"/>
+          </a:fillRef>
+          <a:effectRef idx="0">
+            <a:schemeClr val="accent1"/>
+          </a:effectRef>
+          <a:fontRef idx="minor">
+            <a:schemeClr val="lt1"/>
+          </a:fontRef>
+        </p:style>
+        <p:txBody>
+          <a:bodyPr rtlCol="0" anchor="ctr"/>
+          <a:lstStyle/>
+          <a:p>
+            <a:pPr algn="ctr"/>
+            <a:endParaRPr lang="en-US"/>
+          </a:p>
+        </p:txBody>
+      </p:sp>
+      <p:sp>
+        <p:nvSpPr>
+          <p:cNvPr id="30" name="Oval 29">
+            <a:extLst>
+              <a:ext uri="{FF2B5EF4-FFF2-40B4-BE49-F238E27FC236}">
+                <a16:creationId xmlns:a16="http://schemas.microsoft.com/office/drawing/2014/main" id="{5F4D624B-FA3C-E60B-EAD6-54F11FCF443C}"/>
+              </a:ext>
+            </a:extLst>
+          </p:cNvPr>
+          <p:cNvSpPr/>
+          <p:nvPr/>
+        </p:nvSpPr>
+        <p:spPr>
+          <a:xfrm rot="1860872">
+            <a:off x="4773498" y="2926971"/>
+            <a:ext cx="225656" cy="227561"/>
+          </a:xfrm>
+          <a:prstGeom prst="ellipse">
+            <a:avLst/>
+          </a:prstGeom>
+          <a:solidFill>
+            <a:schemeClr val="accent6"/>
+          </a:solidFill>
+          <a:ln>
+            <a:noFill/>
+          </a:ln>
+        </p:spPr>
+        <p:style>
+          <a:lnRef idx="2">
+            <a:schemeClr val="accent1">
+              <a:shade val="15000"/>
+            </a:schemeClr>
+          </a:lnRef>
+          <a:fillRef idx="1">
+            <a:schemeClr val="accent1"/>
+          </a:fillRef>
+          <a:effectRef idx="0">
+            <a:schemeClr val="accent1"/>
+          </a:effectRef>
+          <a:fontRef idx="minor">
+            <a:schemeClr val="lt1"/>
+          </a:fontRef>
+        </p:style>
+        <p:txBody>
+          <a:bodyPr rtlCol="0" anchor="ctr"/>
+          <a:lstStyle/>
+          <a:p>
+            <a:pPr algn="ctr"/>
+            <a:endParaRPr lang="en-US"/>
+          </a:p>
+        </p:txBody>
+      </p:sp>
+      <p:sp>
+        <p:nvSpPr>
+          <p:cNvPr id="31" name="Oval 30">
+            <a:extLst>
+              <a:ext uri="{FF2B5EF4-FFF2-40B4-BE49-F238E27FC236}">
+                <a16:creationId xmlns:a16="http://schemas.microsoft.com/office/drawing/2014/main" id="{6CDC4927-0E80-8F7A-7381-B7419263FCB3}"/>
+              </a:ext>
+            </a:extLst>
+          </p:cNvPr>
+          <p:cNvSpPr/>
+          <p:nvPr/>
+        </p:nvSpPr>
+        <p:spPr>
+          <a:xfrm rot="1860872">
+            <a:off x="6001343" y="2377849"/>
+            <a:ext cx="225656" cy="227561"/>
+          </a:xfrm>
+          <a:prstGeom prst="ellipse">
+            <a:avLst/>
+          </a:prstGeom>
+          <a:solidFill>
+            <a:srgbClr val="FF0000"/>
+          </a:solidFill>
+          <a:ln>
+            <a:noFill/>
+          </a:ln>
+        </p:spPr>
+        <p:style>
+          <a:lnRef idx="2">
+            <a:schemeClr val="accent1">
+              <a:shade val="15000"/>
+            </a:schemeClr>
+          </a:lnRef>
+          <a:fillRef idx="1">
+            <a:schemeClr val="accent1"/>
+          </a:fillRef>
+          <a:effectRef idx="0">
+            <a:schemeClr val="accent1"/>
+          </a:effectRef>
+          <a:fontRef idx="minor">
+            <a:schemeClr val="lt1"/>
+          </a:fontRef>
+        </p:style>
+        <p:txBody>
+          <a:bodyPr rtlCol="0" anchor="ctr"/>
+          <a:lstStyle/>
+          <a:p>
+            <a:pPr algn="ctr"/>
+            <a:endParaRPr lang="en-US"/>
+          </a:p>
+        </p:txBody>
+      </p:sp>
+      <p:sp>
+        <p:nvSpPr>
+          <p:cNvPr id="32" name="Oval 31">
+            <a:extLst>
+              <a:ext uri="{FF2B5EF4-FFF2-40B4-BE49-F238E27FC236}">
+                <a16:creationId xmlns:a16="http://schemas.microsoft.com/office/drawing/2014/main" id="{8460EBD8-E466-99B7-7E0A-93EF350B07D1}"/>
+              </a:ext>
+            </a:extLst>
+          </p:cNvPr>
+          <p:cNvSpPr/>
+          <p:nvPr/>
+        </p:nvSpPr>
+        <p:spPr>
+          <a:xfrm rot="1860872">
+            <a:off x="4607753" y="1746130"/>
+            <a:ext cx="225656" cy="227561"/>
+          </a:xfrm>
+          <a:prstGeom prst="ellipse">
+            <a:avLst/>
+          </a:prstGeom>
+          <a:solidFill>
+            <a:schemeClr val="accent6"/>
+          </a:solidFill>
+          <a:ln>
+            <a:noFill/>
+          </a:ln>
+        </p:spPr>
+        <p:style>
+          <a:lnRef idx="2">
+            <a:schemeClr val="accent1">
+              <a:shade val="15000"/>
+            </a:schemeClr>
+          </a:lnRef>
+          <a:fillRef idx="1">
+            <a:schemeClr val="accent1"/>
+          </a:fillRef>
+          <a:effectRef idx="0">
+            <a:schemeClr val="accent1"/>
+          </a:effectRef>
+          <a:fontRef idx="minor">
+            <a:schemeClr val="lt1"/>
+          </a:fontRef>
+        </p:style>
+        <p:txBody>
+          <a:bodyPr rtlCol="0" anchor="ctr"/>
+          <a:lstStyle/>
+          <a:p>
+            <a:pPr algn="ctr"/>
+            <a:endParaRPr lang="en-US"/>
+          </a:p>
+        </p:txBody>
+      </p:sp>
+      <p:sp>
+        <p:nvSpPr>
+          <p:cNvPr id="33" name="TextBox 32">
+            <a:extLst>
+              <a:ext uri="{FF2B5EF4-FFF2-40B4-BE49-F238E27FC236}">
+                <a16:creationId xmlns:a16="http://schemas.microsoft.com/office/drawing/2014/main" id="{92AEC539-2915-B111-ACC8-3671E51738F1}"/>
+              </a:ext>
+            </a:extLst>
+          </p:cNvPr>
+          <p:cNvSpPr txBox="1"/>
+          <p:nvPr/>
+        </p:nvSpPr>
+        <p:spPr>
+          <a:xfrm>
+            <a:off x="1716383" y="3779145"/>
+            <a:ext cx="2287482" cy="646331"/>
+          </a:xfrm>
+          <a:prstGeom prst="rect">
+            <a:avLst/>
+          </a:prstGeom>
+          <a:solidFill>
+            <a:schemeClr val="bg1">
+              <a:lumMod val="85000"/>
+            </a:schemeClr>
+          </a:solidFill>
+        </p:spPr>
+        <p:txBody>
+          <a:bodyPr wrap="square" rtlCol="0">
+            <a:spAutoFit/>
+          </a:bodyPr>
+          <a:lstStyle/>
+          <a:p>
+            <a:r>
+              <a:rPr lang="en-US" dirty="0"/>
+              <a:t>How do I get rid of spurge from my lawn?</a:t>
+            </a:r>
+          </a:p>
+        </p:txBody>
+      </p:sp>
+      <p:sp>
+        <p:nvSpPr>
+          <p:cNvPr id="34" name="TextBox 33">
+            <a:extLst>
+              <a:ext uri="{FF2B5EF4-FFF2-40B4-BE49-F238E27FC236}">
+                <a16:creationId xmlns:a16="http://schemas.microsoft.com/office/drawing/2014/main" id="{D0716846-BBCC-4496-3687-1547C3E34665}"/>
+              </a:ext>
+            </a:extLst>
+          </p:cNvPr>
+          <p:cNvSpPr txBox="1"/>
+          <p:nvPr/>
+        </p:nvSpPr>
+        <p:spPr>
+          <a:xfrm>
+            <a:off x="6236422" y="3746056"/>
+            <a:ext cx="2650406" cy="646331"/>
+          </a:xfrm>
+          <a:prstGeom prst="rect">
+            <a:avLst/>
+          </a:prstGeom>
+          <a:solidFill>
+            <a:schemeClr val="bg1">
+              <a:lumMod val="85000"/>
+            </a:schemeClr>
+          </a:solidFill>
+        </p:spPr>
+        <p:txBody>
+          <a:bodyPr wrap="square" rtlCol="0">
+            <a:spAutoFit/>
+          </a:bodyPr>
+          <a:lstStyle/>
+          <a:p>
+            <a:r>
+              <a:rPr lang="en-US" dirty="0"/>
+              <a:t>Do you think that this mushroom is OK to eat?</a:t>
+            </a:r>
+          </a:p>
+        </p:txBody>
+      </p:sp>
+      <p:cxnSp>
+        <p:nvCxnSpPr>
+          <p:cNvPr id="36" name="Straight Arrow Connector 35">
+            <a:extLst>
+              <a:ext uri="{FF2B5EF4-FFF2-40B4-BE49-F238E27FC236}">
+                <a16:creationId xmlns:a16="http://schemas.microsoft.com/office/drawing/2014/main" id="{2E940278-D664-FB19-198F-B6F56DB0ACCE}"/>
+              </a:ext>
+            </a:extLst>
+          </p:cNvPr>
+          <p:cNvCxnSpPr>
+            <a:cxnSpLocks/>
+            <a:stCxn id="33" idx="0"/>
+            <a:endCxn id="16" idx="4"/>
+          </p:cNvCxnSpPr>
+          <p:nvPr/>
+        </p:nvCxnSpPr>
+        <p:spPr>
+          <a:xfrm flipV="1">
+            <a:off x="2860124" y="3017917"/>
+            <a:ext cx="519182" cy="761228"/>
+          </a:xfrm>
+          <a:prstGeom prst="straightConnector1">
+            <a:avLst/>
+          </a:prstGeom>
+          <a:ln w="57150">
+            <a:solidFill>
+              <a:schemeClr val="tx1"/>
+            </a:solidFill>
+            <a:tailEnd type="triangle"/>
+          </a:ln>
+        </p:spPr>
+        <p:style>
+          <a:lnRef idx="1">
+            <a:schemeClr val="accent1"/>
+          </a:lnRef>
+          <a:fillRef idx="0">
+            <a:schemeClr val="accent1"/>
+          </a:fillRef>
+          <a:effectRef idx="0">
+            <a:schemeClr val="accent1"/>
+          </a:effectRef>
+          <a:fontRef idx="minor">
+            <a:schemeClr val="tx1"/>
+          </a:fontRef>
+        </p:style>
+      </p:cxnSp>
+      <p:cxnSp>
+        <p:nvCxnSpPr>
+          <p:cNvPr id="38" name="Straight Arrow Connector 37">
+            <a:extLst>
+              <a:ext uri="{FF2B5EF4-FFF2-40B4-BE49-F238E27FC236}">
+                <a16:creationId xmlns:a16="http://schemas.microsoft.com/office/drawing/2014/main" id="{6E357967-5BE2-922D-E5FE-5BC43EFE56E4}"/>
+              </a:ext>
+            </a:extLst>
+          </p:cNvPr>
+          <p:cNvCxnSpPr>
+            <a:cxnSpLocks/>
+            <a:stCxn id="34" idx="0"/>
+            <a:endCxn id="31" idx="5"/>
+          </p:cNvCxnSpPr>
+          <p:nvPr/>
+        </p:nvCxnSpPr>
+        <p:spPr>
+          <a:xfrm flipH="1" flipV="1">
+            <a:off x="6141092" y="2601690"/>
+            <a:ext cx="1420533" cy="1144366"/>
+          </a:xfrm>
+          <a:prstGeom prst="straightConnector1">
+            <a:avLst/>
+          </a:prstGeom>
+          <a:ln w="57150">
+            <a:solidFill>
+              <a:schemeClr val="tx1"/>
+            </a:solidFill>
+            <a:tailEnd type="triangle"/>
+          </a:ln>
+        </p:spPr>
+        <p:style>
+          <a:lnRef idx="1">
+            <a:schemeClr val="accent1"/>
+          </a:lnRef>
+          <a:fillRef idx="0">
+            <a:schemeClr val="accent1"/>
+          </a:fillRef>
+          <a:effectRef idx="0">
+            <a:schemeClr val="accent1"/>
+          </a:effectRef>
+          <a:fontRef idx="minor">
+            <a:schemeClr val="tx1"/>
+          </a:fontRef>
+        </p:style>
+      </p:cxnSp>
+      <p:sp>
+        <p:nvSpPr>
+          <p:cNvPr id="42" name="TextBox 41">
+            <a:extLst>
+              <a:ext uri="{FF2B5EF4-FFF2-40B4-BE49-F238E27FC236}">
+                <a16:creationId xmlns:a16="http://schemas.microsoft.com/office/drawing/2014/main" id="{38BA2F9A-81DB-7718-C728-CE3BFA4E8DE3}"/>
+              </a:ext>
+            </a:extLst>
+          </p:cNvPr>
+          <p:cNvSpPr txBox="1"/>
+          <p:nvPr/>
+        </p:nvSpPr>
+        <p:spPr>
+          <a:xfrm>
+            <a:off x="2484442" y="1196073"/>
+            <a:ext cx="3038845" cy="369332"/>
+          </a:xfrm>
+          <a:prstGeom prst="rect">
+            <a:avLst/>
+          </a:prstGeom>
+          <a:noFill/>
+        </p:spPr>
+        <p:txBody>
+          <a:bodyPr wrap="none" rtlCol="0">
+            <a:spAutoFit/>
+          </a:bodyPr>
+          <a:lstStyle/>
+          <a:p>
+            <a:r>
+              <a:rPr lang="en-US" dirty="0"/>
+              <a:t>Standard Gardening Questions</a:t>
+            </a:r>
+          </a:p>
+        </p:txBody>
+      </p:sp>
+      <p:sp>
+        <p:nvSpPr>
+          <p:cNvPr id="43" name="TextBox 42">
+            <a:extLst>
+              <a:ext uri="{FF2B5EF4-FFF2-40B4-BE49-F238E27FC236}">
+                <a16:creationId xmlns:a16="http://schemas.microsoft.com/office/drawing/2014/main" id="{6C23F894-C049-47D8-1875-F3DDA3C40E46}"/>
+              </a:ext>
+            </a:extLst>
+          </p:cNvPr>
+          <p:cNvSpPr txBox="1"/>
+          <p:nvPr/>
+        </p:nvSpPr>
+        <p:spPr>
+          <a:xfrm>
+            <a:off x="6193591" y="1179170"/>
+            <a:ext cx="3411127" cy="369332"/>
+          </a:xfrm>
+          <a:prstGeom prst="rect">
+            <a:avLst/>
+          </a:prstGeom>
+          <a:noFill/>
+        </p:spPr>
+        <p:txBody>
+          <a:bodyPr wrap="none" rtlCol="0">
+            <a:spAutoFit/>
+          </a:bodyPr>
+          <a:lstStyle/>
+          <a:p>
+            <a:r>
+              <a:rPr lang="en-US" dirty="0"/>
+              <a:t>Product and Mushroom Questions</a:t>
+            </a:r>
+          </a:p>
+        </p:txBody>
+      </p:sp>
+      <p:sp>
+        <p:nvSpPr>
+          <p:cNvPr id="47" name="Oval 46">
+            <a:extLst>
+              <a:ext uri="{FF2B5EF4-FFF2-40B4-BE49-F238E27FC236}">
+                <a16:creationId xmlns:a16="http://schemas.microsoft.com/office/drawing/2014/main" id="{AA6791FB-FACA-1608-9D57-4F5906A4C183}"/>
+              </a:ext>
+            </a:extLst>
+          </p:cNvPr>
+          <p:cNvSpPr/>
+          <p:nvPr/>
+        </p:nvSpPr>
+        <p:spPr>
+          <a:xfrm rot="1860872">
+            <a:off x="6311992" y="2185896"/>
+            <a:ext cx="225656" cy="227561"/>
+          </a:xfrm>
+          <a:prstGeom prst="ellipse">
+            <a:avLst/>
+          </a:prstGeom>
+          <a:solidFill>
+            <a:srgbClr val="FF0000"/>
+          </a:solidFill>
+          <a:ln>
+            <a:noFill/>
+          </a:ln>
+        </p:spPr>
+        <p:style>
+          <a:lnRef idx="2">
+            <a:schemeClr val="accent1">
+              <a:shade val="15000"/>
+            </a:schemeClr>
+          </a:lnRef>
+          <a:fillRef idx="1">
+            <a:schemeClr val="accent1"/>
+          </a:fillRef>
+          <a:effectRef idx="0">
+            <a:schemeClr val="accent1"/>
+          </a:effectRef>
+          <a:fontRef idx="minor">
+            <a:schemeClr val="lt1"/>
+          </a:fontRef>
+        </p:style>
+        <p:txBody>
+          <a:bodyPr rtlCol="0" anchor="ctr"/>
+          <a:lstStyle/>
+          <a:p>
+            <a:pPr algn="ctr"/>
+            <a:endParaRPr lang="en-US"/>
+          </a:p>
+        </p:txBody>
+      </p:sp>
+      <p:sp>
+        <p:nvSpPr>
+          <p:cNvPr id="48" name="Oval 47">
+            <a:extLst>
+              <a:ext uri="{FF2B5EF4-FFF2-40B4-BE49-F238E27FC236}">
+                <a16:creationId xmlns:a16="http://schemas.microsoft.com/office/drawing/2014/main" id="{A82B7DDE-FEBF-450C-31B0-9FBBD23588ED}"/>
+              </a:ext>
+            </a:extLst>
+          </p:cNvPr>
+          <p:cNvSpPr/>
+          <p:nvPr/>
+        </p:nvSpPr>
+        <p:spPr>
+          <a:xfrm rot="1860872">
+            <a:off x="6212886" y="1837719"/>
+            <a:ext cx="225656" cy="227561"/>
+          </a:xfrm>
+          <a:prstGeom prst="ellipse">
+            <a:avLst/>
+          </a:prstGeom>
+          <a:solidFill>
+            <a:srgbClr val="FF0000"/>
+          </a:solidFill>
+          <a:ln>
+            <a:noFill/>
+          </a:ln>
+        </p:spPr>
+        <p:style>
+          <a:lnRef idx="2">
+            <a:schemeClr val="accent1">
+              <a:shade val="15000"/>
+            </a:schemeClr>
+          </a:lnRef>
+          <a:fillRef idx="1">
+            <a:schemeClr val="accent1"/>
+          </a:fillRef>
+          <a:effectRef idx="0">
+            <a:schemeClr val="accent1"/>
+          </a:effectRef>
+          <a:fontRef idx="minor">
+            <a:schemeClr val="lt1"/>
+          </a:fontRef>
+        </p:style>
+        <p:txBody>
+          <a:bodyPr rtlCol="0" anchor="ctr"/>
+          <a:lstStyle/>
+          <a:p>
+            <a:pPr algn="ctr"/>
+            <a:endParaRPr lang="en-US"/>
+          </a:p>
+        </p:txBody>
+      </p:sp>
+    </p:spTree>
+    <p:extLst>
+      <p:ext uri="{BB962C8B-B14F-4D97-AF65-F5344CB8AC3E}">
+        <p14:creationId xmlns:p14="http://schemas.microsoft.com/office/powerpoint/2010/main" val="2238444943"/>
+      </p:ext>
+    </p:extLst>
+  </p:cSld>
+  <p:clrMapOvr>
+    <a:masterClrMapping/>
+  </p:clrMapOvr>
+</p:sld>
+</file>
+
+<file path=ppt/slides/slide25.xml><?xml version="1.0" encoding="utf-8"?>
+<p:sld xmlns:a="http://schemas.openxmlformats.org/drawingml/2006/main" xmlns:r="http://schemas.openxmlformats.org/officeDocument/2006/relationships" xmlns:p="http://schemas.openxmlformats.org/presentationml/2006/main">
+  <p:cSld>
+    <p:spTree>
+      <p:nvGrpSpPr>
+        <p:cNvPr id="1" name=""/>
+        <p:cNvGrpSpPr/>
+        <p:nvPr/>
+      </p:nvGrpSpPr>
+      <p:grpSpPr>
+        <a:xfrm>
+          <a:off x="0" y="0"/>
+          <a:ext cx="0" cy="0"/>
+          <a:chOff x="0" y="0"/>
+          <a:chExt cx="0" cy="0"/>
+        </a:xfrm>
+      </p:grpSpPr>
+      <p:sp>
+        <p:nvSpPr>
+          <p:cNvPr id="2" name="Title 1">
+            <a:extLst>
+              <a:ext uri="{FF2B5EF4-FFF2-40B4-BE49-F238E27FC236}">
+                <a16:creationId xmlns:a16="http://schemas.microsoft.com/office/drawing/2014/main" id="{A8E22593-EDF7-E7DB-91A6-8C4D6B7AA46E}"/>
+              </a:ext>
+            </a:extLst>
+          </p:cNvPr>
+          <p:cNvSpPr>
+            <a:spLocks noGrp="1"/>
+          </p:cNvSpPr>
+          <p:nvPr>
+            <p:ph type="title"/>
+          </p:nvPr>
+        </p:nvSpPr>
+        <p:spPr/>
+        <p:txBody>
+          <a:bodyPr>
+            <a:normAutofit fontScale="90000"/>
+          </a:bodyPr>
+          <a:lstStyle/>
+          <a:p>
+            <a:r>
+              <a:rPr lang="en-US" dirty="0"/>
+              <a:t>Example: Benefits Chatbot</a:t>
+            </a:r>
+          </a:p>
+        </p:txBody>
+      </p:sp>
+      <p:sp>
+        <p:nvSpPr>
+          <p:cNvPr id="3" name="Content Placeholder 2">
+            <a:extLst>
+              <a:ext uri="{FF2B5EF4-FFF2-40B4-BE49-F238E27FC236}">
+                <a16:creationId xmlns:a16="http://schemas.microsoft.com/office/drawing/2014/main" id="{9D4AE613-FF5C-9B1F-6658-7E806A86F737}"/>
+              </a:ext>
+            </a:extLst>
+          </p:cNvPr>
+          <p:cNvSpPr>
+            <a:spLocks noGrp="1"/>
+          </p:cNvSpPr>
+          <p:nvPr>
+            <p:ph idx="1"/>
+          </p:nvPr>
+        </p:nvSpPr>
+        <p:spPr>
+          <a:xfrm>
+            <a:off x="680258" y="5300862"/>
+            <a:ext cx="10515600" cy="1055488"/>
+          </a:xfrm>
+        </p:spPr>
+        <p:txBody>
+          <a:bodyPr>
+            <a:normAutofit fontScale="85000" lnSpcReduction="10000"/>
+          </a:bodyPr>
+          <a:lstStyle/>
+          <a:p>
+            <a:r>
+              <a:rPr lang="en-US" dirty="0"/>
+              <a:t>You can only answer questions about what is </a:t>
+            </a:r>
+            <a:r>
+              <a:rPr lang="en-US" b="1" dirty="0"/>
+              <a:t>covered</a:t>
+            </a:r>
+            <a:r>
+              <a:rPr lang="en-US" dirty="0"/>
+              <a:t> in your health plan</a:t>
+            </a:r>
+          </a:p>
+          <a:p>
+            <a:r>
+              <a:rPr lang="en-US" dirty="0"/>
+              <a:t>You must </a:t>
+            </a:r>
+            <a:r>
+              <a:rPr lang="en-US" b="1" dirty="0"/>
+              <a:t>refuse</a:t>
+            </a:r>
+            <a:r>
+              <a:rPr lang="en-US" dirty="0"/>
+              <a:t> to answer questions about medical advice</a:t>
+            </a:r>
+          </a:p>
+        </p:txBody>
+      </p:sp>
+      <p:sp>
+        <p:nvSpPr>
+          <p:cNvPr id="4" name="Slide Number Placeholder 3">
+            <a:extLst>
+              <a:ext uri="{FF2B5EF4-FFF2-40B4-BE49-F238E27FC236}">
+                <a16:creationId xmlns:a16="http://schemas.microsoft.com/office/drawing/2014/main" id="{A78FE18F-BC70-0018-D0FB-9248DEB36737}"/>
+              </a:ext>
+            </a:extLst>
+          </p:cNvPr>
+          <p:cNvSpPr>
+            <a:spLocks noGrp="1"/>
+          </p:cNvSpPr>
+          <p:nvPr>
+            <p:ph type="sldNum" sz="quarter" idx="12"/>
+          </p:nvPr>
+        </p:nvSpPr>
+        <p:spPr/>
+        <p:txBody>
+          <a:bodyPr/>
+          <a:lstStyle/>
+          <a:p>
+            <a:fld id="{E4E17628-BB69-494D-BA8C-C14032583637}" type="slidenum">
+              <a:rPr lang="en-US" smtClean="0"/>
+              <a:t>25</a:t>
             </a:fld>
             <a:endParaRPr lang="en-US"/>
           </a:p>
@@ -20355,7 +23383,7 @@
 </p:sld>
 </file>
 
-<file path=ppt/slides/slide24.xml><?xml version="1.0" encoding="utf-8"?>
+<file path=ppt/slides/slide26.xml><?xml version="1.0" encoding="utf-8"?>
 <p:sld xmlns:a="http://schemas.openxmlformats.org/drawingml/2006/main" xmlns:r="http://schemas.openxmlformats.org/officeDocument/2006/relationships" xmlns:p="http://schemas.openxmlformats.org/presentationml/2006/main">
   <p:cSld>
     <p:spTree>
@@ -20463,7 +23491,7 @@
           <a:p>
             <a:fld id="{E4E17628-BB69-494D-BA8C-C14032583637}" type="slidenum">
               <a:rPr lang="en-US" smtClean="0"/>
-              <a:t>24</a:t>
+              <a:t>26</a:t>
             </a:fld>
             <a:endParaRPr lang="en-US"/>
           </a:p>
@@ -21115,7 +24143,7 @@
 </p:sld>
 </file>
 
-<file path=ppt/slides/slide25.xml><?xml version="1.0" encoding="utf-8"?>
+<file path=ppt/slides/slide27.xml><?xml version="1.0" encoding="utf-8"?>
 <p:sld xmlns:a="http://schemas.openxmlformats.org/drawingml/2006/main" xmlns:r="http://schemas.openxmlformats.org/officeDocument/2006/relationships" xmlns:p="http://schemas.openxmlformats.org/presentationml/2006/main">
   <p:cSld>
     <p:spTree>
@@ -21224,7 +24252,7 @@
           <a:p>
             <a:fld id="{E4E17628-BB69-494D-BA8C-C14032583637}" type="slidenum">
               <a:rPr lang="en-US" smtClean="0"/>
-              <a:t>25</a:t>
+              <a:t>27</a:t>
             </a:fld>
             <a:endParaRPr lang="en-US"/>
           </a:p>
@@ -21326,7 +24354,7 @@
 </p:sld>
 </file>
 
-<file path=ppt/slides/slide26.xml><?xml version="1.0" encoding="utf-8"?>
+<file path=ppt/slides/slide28.xml><?xml version="1.0" encoding="utf-8"?>
 <p:sld xmlns:a="http://schemas.openxmlformats.org/drawingml/2006/main" xmlns:r="http://schemas.openxmlformats.org/officeDocument/2006/relationships" xmlns:p="http://schemas.openxmlformats.org/presentationml/2006/main">
   <p:cSld>
     <p:spTree>
@@ -21434,7 +24462,7 @@
           <a:p>
             <a:fld id="{E4E17628-BB69-494D-BA8C-C14032583637}" type="slidenum">
               <a:rPr lang="en-US" smtClean="0"/>
-              <a:t>26</a:t>
+              <a:t>28</a:t>
             </a:fld>
             <a:endParaRPr lang="en-US"/>
           </a:p>
@@ -22256,1565 +25284,6 @@
 </p:sld>
 </file>
 
-<file path=ppt/slides/slide27.xml><?xml version="1.0" encoding="utf-8"?>
-<p:sld xmlns:a="http://schemas.openxmlformats.org/drawingml/2006/main" xmlns:r="http://schemas.openxmlformats.org/officeDocument/2006/relationships" xmlns:p="http://schemas.openxmlformats.org/presentationml/2006/main">
-  <p:cSld>
-    <p:spTree>
-      <p:nvGrpSpPr>
-        <p:cNvPr id="1" name=""/>
-        <p:cNvGrpSpPr/>
-        <p:nvPr/>
-      </p:nvGrpSpPr>
-      <p:grpSpPr>
-        <a:xfrm>
-          <a:off x="0" y="0"/>
-          <a:ext cx="0" cy="0"/>
-          <a:chOff x="0" y="0"/>
-          <a:chExt cx="0" cy="0"/>
-        </a:xfrm>
-      </p:grpSpPr>
-      <p:sp>
-        <p:nvSpPr>
-          <p:cNvPr id="2" name="Title 1">
-            <a:extLst>
-              <a:ext uri="{FF2B5EF4-FFF2-40B4-BE49-F238E27FC236}">
-                <a16:creationId xmlns:a16="http://schemas.microsoft.com/office/drawing/2014/main" id="{45B895B7-0796-62E3-FF79-D9ED9917C428}"/>
-              </a:ext>
-            </a:extLst>
-          </p:cNvPr>
-          <p:cNvSpPr>
-            <a:spLocks noGrp="1"/>
-          </p:cNvSpPr>
-          <p:nvPr>
-            <p:ph type="title"/>
-          </p:nvPr>
-        </p:nvSpPr>
-        <p:spPr/>
-        <p:txBody>
-          <a:bodyPr>
-            <a:normAutofit fontScale="90000"/>
-          </a:bodyPr>
-          <a:lstStyle/>
-          <a:p>
-            <a:r>
-              <a:rPr lang="en-US" dirty="0"/>
-              <a:t>ChatGPT Advanced Data Analytics</a:t>
-            </a:r>
-          </a:p>
-        </p:txBody>
-      </p:sp>
-      <p:sp>
-        <p:nvSpPr>
-          <p:cNvPr id="3" name="Content Placeholder 2">
-            <a:extLst>
-              <a:ext uri="{FF2B5EF4-FFF2-40B4-BE49-F238E27FC236}">
-                <a16:creationId xmlns:a16="http://schemas.microsoft.com/office/drawing/2014/main" id="{79886A0B-4EE1-E4C9-9592-BB107A83A455}"/>
-              </a:ext>
-            </a:extLst>
-          </p:cNvPr>
-          <p:cNvSpPr>
-            <a:spLocks noGrp="1"/>
-          </p:cNvSpPr>
-          <p:nvPr>
-            <p:ph idx="1"/>
-          </p:nvPr>
-        </p:nvSpPr>
-        <p:spPr>
-          <a:xfrm>
-            <a:off x="390342" y="5202651"/>
-            <a:ext cx="10515600" cy="1097364"/>
-          </a:xfrm>
-        </p:spPr>
-        <p:txBody>
-          <a:bodyPr>
-            <a:normAutofit fontScale="70000" lnSpcReduction="20000"/>
-          </a:bodyPr>
-          <a:lstStyle/>
-          <a:p>
-            <a:pPr marL="0" indent="0">
-              <a:buNone/>
-            </a:pPr>
-            <a:r>
-              <a:rPr lang="en-US" dirty="0"/>
-              <a:t>Loops of:</a:t>
-            </a:r>
-          </a:p>
-          <a:p>
-            <a:pPr marL="914400" lvl="1" indent="-457200">
-              <a:buFont typeface="+mj-lt"/>
-              <a:buAutoNum type="arabicPeriod"/>
-            </a:pPr>
-            <a:r>
-              <a:rPr lang="en-US" dirty="0"/>
-              <a:t>Generate code</a:t>
-            </a:r>
-          </a:p>
-          <a:p>
-            <a:pPr marL="914400" lvl="1" indent="-457200">
-              <a:buFont typeface="+mj-lt"/>
-              <a:buAutoNum type="arabicPeriod"/>
-            </a:pPr>
-            <a:r>
-              <a:rPr lang="en-US" dirty="0"/>
-              <a:t>See results of the data profiling Python code</a:t>
-            </a:r>
-          </a:p>
-          <a:p>
-            <a:pPr marL="914400" lvl="1" indent="-457200">
-              <a:buFont typeface="+mj-lt"/>
-              <a:buAutoNum type="arabicPeriod"/>
-            </a:pPr>
-            <a:r>
-              <a:rPr lang="en-US" dirty="0"/>
-              <a:t>Pick the next most similar workflow (that may also have Python code)</a:t>
-            </a:r>
-          </a:p>
-        </p:txBody>
-      </p:sp>
-      <p:sp>
-        <p:nvSpPr>
-          <p:cNvPr id="4" name="Slide Number Placeholder 3">
-            <a:extLst>
-              <a:ext uri="{FF2B5EF4-FFF2-40B4-BE49-F238E27FC236}">
-                <a16:creationId xmlns:a16="http://schemas.microsoft.com/office/drawing/2014/main" id="{62E781C8-99CD-3C56-366E-DA7D0C30C88B}"/>
-              </a:ext>
-            </a:extLst>
-          </p:cNvPr>
-          <p:cNvSpPr>
-            <a:spLocks noGrp="1"/>
-          </p:cNvSpPr>
-          <p:nvPr>
-            <p:ph type="sldNum" sz="quarter" idx="12"/>
-          </p:nvPr>
-        </p:nvSpPr>
-        <p:spPr/>
-        <p:txBody>
-          <a:bodyPr/>
-          <a:lstStyle/>
-          <a:p>
-            <a:fld id="{E4E17628-BB69-494D-BA8C-C14032583637}" type="slidenum">
-              <a:rPr lang="en-US" smtClean="0"/>
-              <a:t>27</a:t>
-            </a:fld>
-            <a:endParaRPr lang="en-US"/>
-          </a:p>
-        </p:txBody>
-      </p:sp>
-      <p:pic>
-        <p:nvPicPr>
-          <p:cNvPr id="5" name="Picture 4">
-            <a:extLst>
-              <a:ext uri="{FF2B5EF4-FFF2-40B4-BE49-F238E27FC236}">
-                <a16:creationId xmlns:a16="http://schemas.microsoft.com/office/drawing/2014/main" id="{6CC59D0B-775A-903A-28C0-DF4969824AA0}"/>
-              </a:ext>
-            </a:extLst>
-          </p:cNvPr>
-          <p:cNvPicPr>
-            <a:picLocks noChangeAspect="1"/>
-          </p:cNvPicPr>
-          <p:nvPr/>
-        </p:nvPicPr>
-        <p:blipFill>
-          <a:blip r:embed="rId2"/>
-          <a:stretch>
-            <a:fillRect/>
-          </a:stretch>
-        </p:blipFill>
-        <p:spPr>
-          <a:xfrm>
-            <a:off x="4666104" y="1106667"/>
-            <a:ext cx="5566869" cy="4235353"/>
-          </a:xfrm>
-          <a:prstGeom prst="rect">
-            <a:avLst/>
-          </a:prstGeom>
-        </p:spPr>
-      </p:pic>
-      <p:sp>
-        <p:nvSpPr>
-          <p:cNvPr id="6" name="TextBox 5">
-            <a:extLst>
-              <a:ext uri="{FF2B5EF4-FFF2-40B4-BE49-F238E27FC236}">
-                <a16:creationId xmlns:a16="http://schemas.microsoft.com/office/drawing/2014/main" id="{4B33C133-D00B-D19D-0375-302CC08E9AA8}"/>
-              </a:ext>
-            </a:extLst>
-          </p:cNvPr>
-          <p:cNvSpPr txBox="1"/>
-          <p:nvPr/>
-        </p:nvSpPr>
-        <p:spPr>
-          <a:xfrm>
-            <a:off x="686947" y="2571320"/>
-            <a:ext cx="3503460" cy="369332"/>
-          </a:xfrm>
-          <a:prstGeom prst="rect">
-            <a:avLst/>
-          </a:prstGeom>
-          <a:solidFill>
-            <a:schemeClr val="accent4"/>
-          </a:solidFill>
-        </p:spPr>
-        <p:txBody>
-          <a:bodyPr wrap="none" rtlCol="0">
-            <a:spAutoFit/>
-          </a:bodyPr>
-          <a:lstStyle/>
-          <a:p>
-            <a:r>
-              <a:rPr lang="en-US" dirty="0"/>
-              <a:t>Generate and Execute Python Code</a:t>
-            </a:r>
-          </a:p>
-        </p:txBody>
-      </p:sp>
-      <p:cxnSp>
-        <p:nvCxnSpPr>
-          <p:cNvPr id="8" name="Straight Arrow Connector 7">
-            <a:extLst>
-              <a:ext uri="{FF2B5EF4-FFF2-40B4-BE49-F238E27FC236}">
-                <a16:creationId xmlns:a16="http://schemas.microsoft.com/office/drawing/2014/main" id="{268BF4D0-227D-87F5-A24C-EBB0742ED95B}"/>
-              </a:ext>
-            </a:extLst>
-          </p:cNvPr>
-          <p:cNvCxnSpPr/>
-          <p:nvPr/>
-        </p:nvCxnSpPr>
-        <p:spPr>
-          <a:xfrm>
-            <a:off x="4190407" y="2755986"/>
-            <a:ext cx="1096613" cy="49091"/>
-          </a:xfrm>
-          <a:prstGeom prst="straightConnector1">
-            <a:avLst/>
-          </a:prstGeom>
-          <a:ln w="76200">
-            <a:solidFill>
-              <a:schemeClr val="accent4"/>
-            </a:solidFill>
-            <a:tailEnd type="triangle"/>
-          </a:ln>
-        </p:spPr>
-        <p:style>
-          <a:lnRef idx="1">
-            <a:schemeClr val="accent1"/>
-          </a:lnRef>
-          <a:fillRef idx="0">
-            <a:schemeClr val="accent1"/>
-          </a:fillRef>
-          <a:effectRef idx="0">
-            <a:schemeClr val="accent1"/>
-          </a:effectRef>
-          <a:fontRef idx="minor">
-            <a:schemeClr val="tx1"/>
-          </a:fontRef>
-        </p:style>
-      </p:cxnSp>
-      <p:sp>
-        <p:nvSpPr>
-          <p:cNvPr id="9" name="TextBox 8">
-            <a:extLst>
-              <a:ext uri="{FF2B5EF4-FFF2-40B4-BE49-F238E27FC236}">
-                <a16:creationId xmlns:a16="http://schemas.microsoft.com/office/drawing/2014/main" id="{453BFCED-2DC7-6707-1F77-A86BF6C5B6B2}"/>
-              </a:ext>
-            </a:extLst>
-          </p:cNvPr>
-          <p:cNvSpPr txBox="1"/>
-          <p:nvPr/>
-        </p:nvSpPr>
-        <p:spPr>
-          <a:xfrm>
-            <a:off x="740976" y="4119440"/>
-            <a:ext cx="3503460" cy="369332"/>
-          </a:xfrm>
-          <a:prstGeom prst="rect">
-            <a:avLst/>
-          </a:prstGeom>
-          <a:solidFill>
-            <a:schemeClr val="accent4"/>
-          </a:solidFill>
-        </p:spPr>
-        <p:txBody>
-          <a:bodyPr wrap="none" rtlCol="0">
-            <a:spAutoFit/>
-          </a:bodyPr>
-          <a:lstStyle/>
-          <a:p>
-            <a:r>
-              <a:rPr lang="en-US" dirty="0"/>
-              <a:t>Generate and Execute Python Code</a:t>
-            </a:r>
-          </a:p>
-        </p:txBody>
-      </p:sp>
-      <p:cxnSp>
-        <p:nvCxnSpPr>
-          <p:cNvPr id="10" name="Straight Arrow Connector 9">
-            <a:extLst>
-              <a:ext uri="{FF2B5EF4-FFF2-40B4-BE49-F238E27FC236}">
-                <a16:creationId xmlns:a16="http://schemas.microsoft.com/office/drawing/2014/main" id="{C05EE19A-32A4-86DC-A0B4-71B216C0D2EB}"/>
-              </a:ext>
-            </a:extLst>
-          </p:cNvPr>
-          <p:cNvCxnSpPr/>
-          <p:nvPr/>
-        </p:nvCxnSpPr>
-        <p:spPr>
-          <a:xfrm>
-            <a:off x="4244436" y="4344099"/>
-            <a:ext cx="1096613" cy="49091"/>
-          </a:xfrm>
-          <a:prstGeom prst="straightConnector1">
-            <a:avLst/>
-          </a:prstGeom>
-          <a:ln w="76200">
-            <a:solidFill>
-              <a:schemeClr val="accent4"/>
-            </a:solidFill>
-            <a:tailEnd type="triangle"/>
-          </a:ln>
-        </p:spPr>
-        <p:style>
-          <a:lnRef idx="1">
-            <a:schemeClr val="accent1"/>
-          </a:lnRef>
-          <a:fillRef idx="0">
-            <a:schemeClr val="accent1"/>
-          </a:fillRef>
-          <a:effectRef idx="0">
-            <a:schemeClr val="accent1"/>
-          </a:effectRef>
-          <a:fontRef idx="minor">
-            <a:schemeClr val="tx1"/>
-          </a:fontRef>
-        </p:style>
-      </p:cxnSp>
-      <p:sp>
-        <p:nvSpPr>
-          <p:cNvPr id="11" name="TextBox 10">
-            <a:extLst>
-              <a:ext uri="{FF2B5EF4-FFF2-40B4-BE49-F238E27FC236}">
-                <a16:creationId xmlns:a16="http://schemas.microsoft.com/office/drawing/2014/main" id="{AB6164A9-50D3-FEC6-C59D-D25D33CF402A}"/>
-              </a:ext>
-            </a:extLst>
-          </p:cNvPr>
-          <p:cNvSpPr txBox="1"/>
-          <p:nvPr/>
-        </p:nvSpPr>
-        <p:spPr>
-          <a:xfrm>
-            <a:off x="4512012" y="6444476"/>
-            <a:ext cx="6393930" cy="276999"/>
-          </a:xfrm>
-          <a:prstGeom prst="rect">
-            <a:avLst/>
-          </a:prstGeom>
-          <a:noFill/>
-        </p:spPr>
-        <p:txBody>
-          <a:bodyPr wrap="none" rtlCol="0">
-            <a:spAutoFit/>
-          </a:bodyPr>
-          <a:lstStyle/>
-          <a:p>
-            <a:r>
-              <a:rPr lang="en-US" sz="1200" dirty="0">
-                <a:solidFill>
-                  <a:schemeClr val="bg1">
-                    <a:lumMod val="65000"/>
-                  </a:schemeClr>
-                </a:solidFill>
-              </a:rPr>
-              <a:t>https://</a:t>
-            </a:r>
-            <a:r>
-              <a:rPr lang="en-US" sz="1200" dirty="0" err="1">
-                <a:solidFill>
-                  <a:schemeClr val="bg1">
-                    <a:lumMod val="65000"/>
-                  </a:schemeClr>
-                </a:solidFill>
-              </a:rPr>
-              <a:t>dmccreary.medium.com</a:t>
-            </a:r>
-            <a:r>
-              <a:rPr lang="en-US" sz="1200" dirty="0">
-                <a:solidFill>
-                  <a:schemeClr val="bg1">
-                    <a:lumMod val="65000"/>
-                  </a:schemeClr>
-                </a:solidFill>
-              </a:rPr>
-              <a:t>/asking-ai-about-lowering-healthcare-costs-in-the-us-7224b4f958cc</a:t>
-            </a:r>
-          </a:p>
-        </p:txBody>
-      </p:sp>
-    </p:spTree>
-    <p:extLst>
-      <p:ext uri="{BB962C8B-B14F-4D97-AF65-F5344CB8AC3E}">
-        <p14:creationId xmlns:p14="http://schemas.microsoft.com/office/powerpoint/2010/main" val="2170602185"/>
-      </p:ext>
-    </p:extLst>
-  </p:cSld>
-  <p:clrMapOvr>
-    <a:masterClrMapping/>
-  </p:clrMapOvr>
-</p:sld>
-</file>
-
-<file path=ppt/slides/slide28.xml><?xml version="1.0" encoding="utf-8"?>
-<p:sld xmlns:a="http://schemas.openxmlformats.org/drawingml/2006/main" xmlns:r="http://schemas.openxmlformats.org/officeDocument/2006/relationships" xmlns:p="http://schemas.openxmlformats.org/presentationml/2006/main">
-  <p:cSld>
-    <p:spTree>
-      <p:nvGrpSpPr>
-        <p:cNvPr id="1" name=""/>
-        <p:cNvGrpSpPr/>
-        <p:nvPr/>
-      </p:nvGrpSpPr>
-      <p:grpSpPr>
-        <a:xfrm>
-          <a:off x="0" y="0"/>
-          <a:ext cx="0" cy="0"/>
-          <a:chOff x="0" y="0"/>
-          <a:chExt cx="0" cy="0"/>
-        </a:xfrm>
-      </p:grpSpPr>
-      <p:sp>
-        <p:nvSpPr>
-          <p:cNvPr id="5" name="Title 4">
-            <a:extLst>
-              <a:ext uri="{FF2B5EF4-FFF2-40B4-BE49-F238E27FC236}">
-                <a16:creationId xmlns:a16="http://schemas.microsoft.com/office/drawing/2014/main" id="{D73F2032-41A9-07A2-C7D4-C3D5D502F840}"/>
-              </a:ext>
-            </a:extLst>
-          </p:cNvPr>
-          <p:cNvSpPr>
-            <a:spLocks noGrp="1"/>
-          </p:cNvSpPr>
-          <p:nvPr>
-            <p:ph type="title"/>
-          </p:nvPr>
-        </p:nvSpPr>
-        <p:spPr/>
-        <p:txBody>
-          <a:bodyPr/>
-          <a:lstStyle/>
-          <a:p>
-            <a:r>
-              <a:rPr lang="en-US" dirty="0"/>
-              <a:t>Hundreds of Cooperating Agents</a:t>
-            </a:r>
-          </a:p>
-        </p:txBody>
-      </p:sp>
-      <p:sp>
-        <p:nvSpPr>
-          <p:cNvPr id="6" name="Text Placeholder 5">
-            <a:extLst>
-              <a:ext uri="{FF2B5EF4-FFF2-40B4-BE49-F238E27FC236}">
-                <a16:creationId xmlns:a16="http://schemas.microsoft.com/office/drawing/2014/main" id="{809918E9-DC60-40C4-A0A3-8CC0EBCE5DDE}"/>
-              </a:ext>
-            </a:extLst>
-          </p:cNvPr>
-          <p:cNvSpPr>
-            <a:spLocks noGrp="1"/>
-          </p:cNvSpPr>
-          <p:nvPr>
-            <p:ph type="body" idx="1"/>
-          </p:nvPr>
-        </p:nvSpPr>
-        <p:spPr>
-          <a:xfrm>
-            <a:off x="437016" y="1072584"/>
-            <a:ext cx="5157787" cy="823912"/>
-          </a:xfrm>
-        </p:spPr>
-        <p:txBody>
-          <a:bodyPr>
-            <a:normAutofit/>
-          </a:bodyPr>
-          <a:lstStyle/>
-          <a:p>
-            <a:pPr algn="ctr"/>
-            <a:r>
-              <a:rPr lang="en-US" sz="3200" dirty="0"/>
-              <a:t>Today</a:t>
-            </a:r>
-          </a:p>
-        </p:txBody>
-      </p:sp>
-      <p:sp>
-        <p:nvSpPr>
-          <p:cNvPr id="7" name="Content Placeholder 6">
-            <a:extLst>
-              <a:ext uri="{FF2B5EF4-FFF2-40B4-BE49-F238E27FC236}">
-                <a16:creationId xmlns:a16="http://schemas.microsoft.com/office/drawing/2014/main" id="{28F93633-6C34-2842-9990-5CC715EE5716}"/>
-              </a:ext>
-            </a:extLst>
-          </p:cNvPr>
-          <p:cNvSpPr>
-            <a:spLocks noGrp="1"/>
-          </p:cNvSpPr>
-          <p:nvPr>
-            <p:ph sz="half" idx="2"/>
-          </p:nvPr>
-        </p:nvSpPr>
-        <p:spPr>
-          <a:xfrm>
-            <a:off x="437016" y="2012546"/>
-            <a:ext cx="5157787" cy="2509733"/>
-          </a:xfrm>
-        </p:spPr>
-        <p:txBody>
-          <a:bodyPr>
-            <a:normAutofit fontScale="77500" lnSpcReduction="20000"/>
-          </a:bodyPr>
-          <a:lstStyle/>
-          <a:p>
-            <a:pPr>
-              <a:spcAft>
-                <a:spcPts val="600"/>
-              </a:spcAft>
-            </a:pPr>
-            <a:r>
-              <a:rPr lang="en-US" dirty="0"/>
-              <a:t>Single prompt</a:t>
-            </a:r>
-          </a:p>
-          <a:p>
-            <a:pPr>
-              <a:spcAft>
-                <a:spcPts val="600"/>
-              </a:spcAft>
-            </a:pPr>
-            <a:r>
-              <a:rPr lang="en-US" dirty="0"/>
-              <a:t>Single Large-language model (LLM)</a:t>
-            </a:r>
-          </a:p>
-          <a:p>
-            <a:pPr>
-              <a:spcAft>
-                <a:spcPts val="600"/>
-              </a:spcAft>
-            </a:pPr>
-            <a:r>
-              <a:rPr lang="en-US" dirty="0"/>
-              <a:t>LLMs generate code</a:t>
-            </a:r>
-          </a:p>
-          <a:p>
-            <a:pPr>
-              <a:spcAft>
-                <a:spcPts val="600"/>
-              </a:spcAft>
-            </a:pPr>
-            <a:r>
-              <a:rPr lang="en-US" dirty="0"/>
-              <a:t>Executed code generates prompts</a:t>
-            </a:r>
-          </a:p>
-          <a:p>
-            <a:pPr>
-              <a:spcAft>
-                <a:spcPts val="600"/>
-              </a:spcAft>
-            </a:pPr>
-            <a:r>
-              <a:rPr lang="en-US" dirty="0"/>
-              <a:t>Example:</a:t>
-            </a:r>
-            <a:br>
-              <a:rPr lang="en-US" dirty="0"/>
-            </a:br>
-            <a:r>
-              <a:rPr lang="en-US" dirty="0"/>
-              <a:t>ChatGPT Advanced Data Analytics</a:t>
-            </a:r>
-          </a:p>
-          <a:p>
-            <a:pPr lvl="1">
-              <a:spcAft>
-                <a:spcPts val="600"/>
-              </a:spcAft>
-            </a:pPr>
-            <a:endParaRPr lang="en-US" dirty="0"/>
-          </a:p>
-        </p:txBody>
-      </p:sp>
-      <p:sp>
-        <p:nvSpPr>
-          <p:cNvPr id="8" name="Text Placeholder 7">
-            <a:extLst>
-              <a:ext uri="{FF2B5EF4-FFF2-40B4-BE49-F238E27FC236}">
-                <a16:creationId xmlns:a16="http://schemas.microsoft.com/office/drawing/2014/main" id="{6C6BADB0-2D26-88D8-02EC-D78F3D0DCE3A}"/>
-              </a:ext>
-            </a:extLst>
-          </p:cNvPr>
-          <p:cNvSpPr>
-            <a:spLocks noGrp="1"/>
-          </p:cNvSpPr>
-          <p:nvPr>
-            <p:ph type="body" sz="quarter" idx="3"/>
-          </p:nvPr>
-        </p:nvSpPr>
-        <p:spPr>
-          <a:xfrm>
-            <a:off x="5769428" y="1072584"/>
-            <a:ext cx="5183188" cy="823912"/>
-          </a:xfrm>
-        </p:spPr>
-        <p:txBody>
-          <a:bodyPr>
-            <a:normAutofit/>
-          </a:bodyPr>
-          <a:lstStyle/>
-          <a:p>
-            <a:pPr algn="ctr"/>
-            <a:r>
-              <a:rPr lang="en-US" sz="3200" dirty="0"/>
-              <a:t>Next Year</a:t>
-            </a:r>
-          </a:p>
-        </p:txBody>
-      </p:sp>
-      <p:sp>
-        <p:nvSpPr>
-          <p:cNvPr id="9" name="Content Placeholder 8">
-            <a:extLst>
-              <a:ext uri="{FF2B5EF4-FFF2-40B4-BE49-F238E27FC236}">
-                <a16:creationId xmlns:a16="http://schemas.microsoft.com/office/drawing/2014/main" id="{B0F1E3DC-67ED-8F28-04A1-40BBFEBC2846}"/>
-              </a:ext>
-            </a:extLst>
-          </p:cNvPr>
-          <p:cNvSpPr>
-            <a:spLocks noGrp="1"/>
-          </p:cNvSpPr>
-          <p:nvPr>
-            <p:ph sz="quarter" idx="4"/>
-          </p:nvPr>
-        </p:nvSpPr>
-        <p:spPr>
-          <a:xfrm>
-            <a:off x="5769428" y="1983905"/>
-            <a:ext cx="5183188" cy="1802649"/>
-          </a:xfrm>
-        </p:spPr>
-        <p:txBody>
-          <a:bodyPr>
-            <a:normAutofit fontScale="77500" lnSpcReduction="20000"/>
-          </a:bodyPr>
-          <a:lstStyle/>
-          <a:p>
-            <a:pPr>
-              <a:spcAft>
-                <a:spcPts val="600"/>
-              </a:spcAft>
-            </a:pPr>
-            <a:r>
-              <a:rPr lang="en-US" dirty="0"/>
-              <a:t>Hundreds of agents interacting inside your organization</a:t>
-            </a:r>
-          </a:p>
-          <a:p>
-            <a:pPr>
-              <a:spcAft>
-                <a:spcPts val="600"/>
-              </a:spcAft>
-            </a:pPr>
-            <a:r>
-              <a:rPr lang="en-US" dirty="0"/>
-              <a:t>Agents calling services and databases</a:t>
-            </a:r>
-          </a:p>
-          <a:p>
-            <a:pPr>
-              <a:spcAft>
-                <a:spcPts val="600"/>
-              </a:spcAft>
-            </a:pPr>
-            <a:r>
-              <a:rPr lang="en-US" dirty="0"/>
-              <a:t>LLMs are only limited by your company's ability to describe the APIs</a:t>
-            </a:r>
-          </a:p>
-        </p:txBody>
-      </p:sp>
-      <p:sp>
-        <p:nvSpPr>
-          <p:cNvPr id="4" name="Slide Number Placeholder 3">
-            <a:extLst>
-              <a:ext uri="{FF2B5EF4-FFF2-40B4-BE49-F238E27FC236}">
-                <a16:creationId xmlns:a16="http://schemas.microsoft.com/office/drawing/2014/main" id="{00488542-EDAB-D9FC-1E28-32F4D77D40DB}"/>
-              </a:ext>
-            </a:extLst>
-          </p:cNvPr>
-          <p:cNvSpPr>
-            <a:spLocks noGrp="1"/>
-          </p:cNvSpPr>
-          <p:nvPr>
-            <p:ph type="sldNum" sz="quarter" idx="12"/>
-          </p:nvPr>
-        </p:nvSpPr>
-        <p:spPr/>
-        <p:txBody>
-          <a:bodyPr/>
-          <a:lstStyle/>
-          <a:p>
-            <a:fld id="{E4E17628-BB69-494D-BA8C-C14032583637}" type="slidenum">
-              <a:rPr lang="en-US" smtClean="0"/>
-              <a:t>28</a:t>
-            </a:fld>
-            <a:endParaRPr lang="en-US"/>
-          </a:p>
-        </p:txBody>
-      </p:sp>
-      <p:sp>
-        <p:nvSpPr>
-          <p:cNvPr id="10" name="Oval 9">
-            <a:extLst>
-              <a:ext uri="{FF2B5EF4-FFF2-40B4-BE49-F238E27FC236}">
-                <a16:creationId xmlns:a16="http://schemas.microsoft.com/office/drawing/2014/main" id="{6B57434C-5FC8-5924-CF4C-5F5251097A9E}"/>
-              </a:ext>
-            </a:extLst>
-          </p:cNvPr>
-          <p:cNvSpPr/>
-          <p:nvPr/>
-        </p:nvSpPr>
-        <p:spPr>
-          <a:xfrm>
-            <a:off x="996462" y="5373460"/>
-            <a:ext cx="926123" cy="452909"/>
-          </a:xfrm>
-          <a:prstGeom prst="ellipse">
-            <a:avLst/>
-          </a:prstGeom>
-          <a:solidFill>
-            <a:schemeClr val="accent4"/>
-          </a:solidFill>
-        </p:spPr>
-        <p:style>
-          <a:lnRef idx="2">
-            <a:schemeClr val="accent1">
-              <a:shade val="15000"/>
-            </a:schemeClr>
-          </a:lnRef>
-          <a:fillRef idx="1">
-            <a:schemeClr val="accent1"/>
-          </a:fillRef>
-          <a:effectRef idx="0">
-            <a:schemeClr val="accent1"/>
-          </a:effectRef>
-          <a:fontRef idx="minor">
-            <a:schemeClr val="lt1"/>
-          </a:fontRef>
-        </p:style>
-        <p:txBody>
-          <a:bodyPr rtlCol="0" anchor="ctr"/>
-          <a:lstStyle/>
-          <a:p>
-            <a:pPr algn="ctr"/>
-            <a:r>
-              <a:rPr lang="en-US" dirty="0">
-                <a:solidFill>
-                  <a:schemeClr val="tx1"/>
-                </a:solidFill>
-              </a:rPr>
-              <a:t>User</a:t>
-            </a:r>
-          </a:p>
-        </p:txBody>
-      </p:sp>
-      <p:sp>
-        <p:nvSpPr>
-          <p:cNvPr id="11" name="Oval 10">
-            <a:extLst>
-              <a:ext uri="{FF2B5EF4-FFF2-40B4-BE49-F238E27FC236}">
-                <a16:creationId xmlns:a16="http://schemas.microsoft.com/office/drawing/2014/main" id="{466F6E04-35C2-4AE2-D1ED-B1EC4D87F364}"/>
-              </a:ext>
-            </a:extLst>
-          </p:cNvPr>
-          <p:cNvSpPr/>
-          <p:nvPr/>
-        </p:nvSpPr>
-        <p:spPr>
-          <a:xfrm>
-            <a:off x="2650541" y="4937126"/>
-            <a:ext cx="896815" cy="452909"/>
-          </a:xfrm>
-          <a:prstGeom prst="ellipse">
-            <a:avLst/>
-          </a:prstGeom>
-          <a:solidFill>
-            <a:schemeClr val="accent6"/>
-          </a:solidFill>
-        </p:spPr>
-        <p:style>
-          <a:lnRef idx="2">
-            <a:schemeClr val="accent1">
-              <a:shade val="15000"/>
-            </a:schemeClr>
-          </a:lnRef>
-          <a:fillRef idx="1">
-            <a:schemeClr val="accent1"/>
-          </a:fillRef>
-          <a:effectRef idx="0">
-            <a:schemeClr val="accent1"/>
-          </a:effectRef>
-          <a:fontRef idx="minor">
-            <a:schemeClr val="lt1"/>
-          </a:fontRef>
-        </p:style>
-        <p:txBody>
-          <a:bodyPr rtlCol="0" anchor="ctr"/>
-          <a:lstStyle/>
-          <a:p>
-            <a:pPr algn="ctr"/>
-            <a:r>
-              <a:rPr lang="en-US" dirty="0"/>
-              <a:t>LLM</a:t>
-            </a:r>
-          </a:p>
-        </p:txBody>
-      </p:sp>
-      <p:sp>
-        <p:nvSpPr>
-          <p:cNvPr id="12" name="Oval 11">
-            <a:extLst>
-              <a:ext uri="{FF2B5EF4-FFF2-40B4-BE49-F238E27FC236}">
-                <a16:creationId xmlns:a16="http://schemas.microsoft.com/office/drawing/2014/main" id="{E9C6C680-4C6F-DB33-8355-3E2567CC3155}"/>
-              </a:ext>
-            </a:extLst>
-          </p:cNvPr>
-          <p:cNvSpPr/>
-          <p:nvPr/>
-        </p:nvSpPr>
-        <p:spPr>
-          <a:xfrm>
-            <a:off x="2576293" y="5903441"/>
-            <a:ext cx="1022691" cy="452909"/>
-          </a:xfrm>
-          <a:prstGeom prst="ellipse">
-            <a:avLst/>
-          </a:prstGeom>
-        </p:spPr>
-        <p:style>
-          <a:lnRef idx="2">
-            <a:schemeClr val="accent1">
-              <a:shade val="15000"/>
-            </a:schemeClr>
-          </a:lnRef>
-          <a:fillRef idx="1">
-            <a:schemeClr val="accent1"/>
-          </a:fillRef>
-          <a:effectRef idx="0">
-            <a:schemeClr val="accent1"/>
-          </a:effectRef>
-          <a:fontRef idx="minor">
-            <a:schemeClr val="lt1"/>
-          </a:fontRef>
-        </p:style>
-        <p:txBody>
-          <a:bodyPr rtlCol="0" anchor="ctr"/>
-          <a:lstStyle/>
-          <a:p>
-            <a:pPr algn="ctr"/>
-            <a:r>
-              <a:rPr lang="en-US" dirty="0"/>
-              <a:t>Code</a:t>
-            </a:r>
-          </a:p>
-        </p:txBody>
-      </p:sp>
-      <p:cxnSp>
-        <p:nvCxnSpPr>
-          <p:cNvPr id="14" name="Straight Arrow Connector 13">
-            <a:extLst>
-              <a:ext uri="{FF2B5EF4-FFF2-40B4-BE49-F238E27FC236}">
-                <a16:creationId xmlns:a16="http://schemas.microsoft.com/office/drawing/2014/main" id="{A77EBDB4-0994-84BD-F4E1-8FA5647897A2}"/>
-              </a:ext>
-            </a:extLst>
-          </p:cNvPr>
-          <p:cNvCxnSpPr>
-            <a:stCxn id="10" idx="7"/>
-            <a:endCxn id="11" idx="2"/>
-          </p:cNvCxnSpPr>
-          <p:nvPr/>
-        </p:nvCxnSpPr>
-        <p:spPr>
-          <a:xfrm flipV="1">
-            <a:off x="1786957" y="5163581"/>
-            <a:ext cx="863584" cy="276206"/>
-          </a:xfrm>
-          <a:prstGeom prst="straightConnector1">
-            <a:avLst/>
-          </a:prstGeom>
-          <a:ln w="57150">
-            <a:solidFill>
-              <a:schemeClr val="tx1"/>
-            </a:solidFill>
-            <a:headEnd type="triangle" w="med" len="med"/>
-            <a:tailEnd type="triangle" w="med" len="med"/>
-          </a:ln>
-        </p:spPr>
-        <p:style>
-          <a:lnRef idx="1">
-            <a:schemeClr val="accent1"/>
-          </a:lnRef>
-          <a:fillRef idx="0">
-            <a:schemeClr val="accent1"/>
-          </a:fillRef>
-          <a:effectRef idx="0">
-            <a:schemeClr val="accent1"/>
-          </a:effectRef>
-          <a:fontRef idx="minor">
-            <a:schemeClr val="tx1"/>
-          </a:fontRef>
-        </p:style>
-      </p:cxnSp>
-      <p:cxnSp>
-        <p:nvCxnSpPr>
-          <p:cNvPr id="15" name="Straight Arrow Connector 14">
-            <a:extLst>
-              <a:ext uri="{FF2B5EF4-FFF2-40B4-BE49-F238E27FC236}">
-                <a16:creationId xmlns:a16="http://schemas.microsoft.com/office/drawing/2014/main" id="{25C99BB7-16BD-B6FF-817D-3663DB062E7A}"/>
-              </a:ext>
-            </a:extLst>
-          </p:cNvPr>
-          <p:cNvCxnSpPr>
-            <a:cxnSpLocks/>
-            <a:stCxn id="11" idx="4"/>
-            <a:endCxn id="12" idx="0"/>
-          </p:cNvCxnSpPr>
-          <p:nvPr/>
-        </p:nvCxnSpPr>
-        <p:spPr>
-          <a:xfrm flipH="1">
-            <a:off x="3087639" y="5390035"/>
-            <a:ext cx="11310" cy="513406"/>
-          </a:xfrm>
-          <a:prstGeom prst="straightConnector1">
-            <a:avLst/>
-          </a:prstGeom>
-          <a:ln w="57150">
-            <a:solidFill>
-              <a:schemeClr val="tx1"/>
-            </a:solidFill>
-            <a:headEnd type="triangle" w="med" len="med"/>
-            <a:tailEnd type="triangle" w="med" len="med"/>
-          </a:ln>
-        </p:spPr>
-        <p:style>
-          <a:lnRef idx="1">
-            <a:schemeClr val="accent1"/>
-          </a:lnRef>
-          <a:fillRef idx="0">
-            <a:schemeClr val="accent1"/>
-          </a:fillRef>
-          <a:effectRef idx="0">
-            <a:schemeClr val="accent1"/>
-          </a:effectRef>
-          <a:fontRef idx="minor">
-            <a:schemeClr val="tx1"/>
-          </a:fontRef>
-        </p:style>
-      </p:cxnSp>
-      <p:cxnSp>
-        <p:nvCxnSpPr>
-          <p:cNvPr id="18" name="Straight Arrow Connector 17">
-            <a:extLst>
-              <a:ext uri="{FF2B5EF4-FFF2-40B4-BE49-F238E27FC236}">
-                <a16:creationId xmlns:a16="http://schemas.microsoft.com/office/drawing/2014/main" id="{BAA1A66F-65BC-D0D8-54EA-4BFB979A150C}"/>
-              </a:ext>
-            </a:extLst>
-          </p:cNvPr>
-          <p:cNvCxnSpPr>
-            <a:cxnSpLocks/>
-            <a:stCxn id="10" idx="5"/>
-            <a:endCxn id="12" idx="2"/>
-          </p:cNvCxnSpPr>
-          <p:nvPr/>
-        </p:nvCxnSpPr>
-        <p:spPr>
-          <a:xfrm>
-            <a:off x="1786957" y="5760042"/>
-            <a:ext cx="789336" cy="369854"/>
-          </a:xfrm>
-          <a:prstGeom prst="straightConnector1">
-            <a:avLst/>
-          </a:prstGeom>
-          <a:ln w="57150">
-            <a:solidFill>
-              <a:schemeClr val="tx1"/>
-            </a:solidFill>
-            <a:headEnd type="triangle" w="med" len="med"/>
-            <a:tailEnd type="triangle" w="med" len="med"/>
-          </a:ln>
-        </p:spPr>
-        <p:style>
-          <a:lnRef idx="1">
-            <a:schemeClr val="accent1"/>
-          </a:lnRef>
-          <a:fillRef idx="0">
-            <a:schemeClr val="accent1"/>
-          </a:fillRef>
-          <a:effectRef idx="0">
-            <a:schemeClr val="accent1"/>
-          </a:effectRef>
-          <a:fontRef idx="minor">
-            <a:schemeClr val="tx1"/>
-          </a:fontRef>
-        </p:style>
-      </p:cxnSp>
-      <p:sp>
-        <p:nvSpPr>
-          <p:cNvPr id="21" name="TextBox 20">
-            <a:extLst>
-              <a:ext uri="{FF2B5EF4-FFF2-40B4-BE49-F238E27FC236}">
-                <a16:creationId xmlns:a16="http://schemas.microsoft.com/office/drawing/2014/main" id="{56203311-D8E1-F0B4-1FEF-C3C2AA16B4CD}"/>
-              </a:ext>
-            </a:extLst>
-          </p:cNvPr>
-          <p:cNvSpPr txBox="1"/>
-          <p:nvPr/>
-        </p:nvSpPr>
-        <p:spPr>
-          <a:xfrm>
-            <a:off x="3820321" y="5324478"/>
-            <a:ext cx="1014188" cy="646331"/>
-          </a:xfrm>
-          <a:prstGeom prst="rect">
-            <a:avLst/>
-          </a:prstGeom>
-          <a:noFill/>
-        </p:spPr>
-        <p:txBody>
-          <a:bodyPr wrap="none" rtlCol="0">
-            <a:spAutoFit/>
-          </a:bodyPr>
-          <a:lstStyle/>
-          <a:p>
-            <a:r>
-              <a:rPr lang="en-US" dirty="0"/>
-              <a:t>3-Agents</a:t>
-            </a:r>
-          </a:p>
-          <a:p>
-            <a:r>
-              <a:rPr lang="en-US" dirty="0"/>
-              <a:t>System</a:t>
-            </a:r>
-          </a:p>
-        </p:txBody>
-      </p:sp>
-      <p:sp>
-        <p:nvSpPr>
-          <p:cNvPr id="28" name="Oval 27">
-            <a:extLst>
-              <a:ext uri="{FF2B5EF4-FFF2-40B4-BE49-F238E27FC236}">
-                <a16:creationId xmlns:a16="http://schemas.microsoft.com/office/drawing/2014/main" id="{00D02225-B1F8-C389-7C70-268ADC78F6DB}"/>
-              </a:ext>
-            </a:extLst>
-          </p:cNvPr>
-          <p:cNvSpPr/>
-          <p:nvPr/>
-        </p:nvSpPr>
-        <p:spPr>
-          <a:xfrm>
-            <a:off x="6542873" y="4517475"/>
-            <a:ext cx="926123" cy="452909"/>
-          </a:xfrm>
-          <a:prstGeom prst="ellipse">
-            <a:avLst/>
-          </a:prstGeom>
-          <a:solidFill>
-            <a:schemeClr val="accent4"/>
-          </a:solidFill>
-        </p:spPr>
-        <p:style>
-          <a:lnRef idx="2">
-            <a:schemeClr val="accent1">
-              <a:shade val="15000"/>
-            </a:schemeClr>
-          </a:lnRef>
-          <a:fillRef idx="1">
-            <a:schemeClr val="accent1"/>
-          </a:fillRef>
-          <a:effectRef idx="0">
-            <a:schemeClr val="accent1"/>
-          </a:effectRef>
-          <a:fontRef idx="minor">
-            <a:schemeClr val="lt1"/>
-          </a:fontRef>
-        </p:style>
-        <p:txBody>
-          <a:bodyPr rtlCol="0" anchor="ctr"/>
-          <a:lstStyle/>
-          <a:p>
-            <a:pPr algn="ctr"/>
-            <a:r>
-              <a:rPr lang="en-US" dirty="0">
-                <a:solidFill>
-                  <a:schemeClr val="tx1"/>
-                </a:solidFill>
-              </a:rPr>
-              <a:t>User</a:t>
-            </a:r>
-          </a:p>
-        </p:txBody>
-      </p:sp>
-      <p:sp>
-        <p:nvSpPr>
-          <p:cNvPr id="29" name="Oval 28">
-            <a:extLst>
-              <a:ext uri="{FF2B5EF4-FFF2-40B4-BE49-F238E27FC236}">
-                <a16:creationId xmlns:a16="http://schemas.microsoft.com/office/drawing/2014/main" id="{F5374BF1-8D40-9753-B129-F522B01A8736}"/>
-              </a:ext>
-            </a:extLst>
-          </p:cNvPr>
-          <p:cNvSpPr/>
-          <p:nvPr/>
-        </p:nvSpPr>
-        <p:spPr>
-          <a:xfrm>
-            <a:off x="8143072" y="4013383"/>
-            <a:ext cx="896815" cy="452909"/>
-          </a:xfrm>
-          <a:prstGeom prst="ellipse">
-            <a:avLst/>
-          </a:prstGeom>
-          <a:solidFill>
-            <a:schemeClr val="accent6"/>
-          </a:solidFill>
-        </p:spPr>
-        <p:style>
-          <a:lnRef idx="2">
-            <a:schemeClr val="accent1">
-              <a:shade val="15000"/>
-            </a:schemeClr>
-          </a:lnRef>
-          <a:fillRef idx="1">
-            <a:schemeClr val="accent1"/>
-          </a:fillRef>
-          <a:effectRef idx="0">
-            <a:schemeClr val="accent1"/>
-          </a:effectRef>
-          <a:fontRef idx="minor">
-            <a:schemeClr val="lt1"/>
-          </a:fontRef>
-        </p:style>
-        <p:txBody>
-          <a:bodyPr rtlCol="0" anchor="ctr"/>
-          <a:lstStyle/>
-          <a:p>
-            <a:pPr algn="ctr"/>
-            <a:r>
-              <a:rPr lang="en-US" dirty="0"/>
-              <a:t>LLM</a:t>
-            </a:r>
-          </a:p>
-        </p:txBody>
-      </p:sp>
-      <p:sp>
-        <p:nvSpPr>
-          <p:cNvPr id="30" name="Oval 29">
-            <a:extLst>
-              <a:ext uri="{FF2B5EF4-FFF2-40B4-BE49-F238E27FC236}">
-                <a16:creationId xmlns:a16="http://schemas.microsoft.com/office/drawing/2014/main" id="{73E1A4FE-04EE-BF4B-FDA0-16B118390893}"/>
-              </a:ext>
-            </a:extLst>
-          </p:cNvPr>
-          <p:cNvSpPr/>
-          <p:nvPr/>
-        </p:nvSpPr>
-        <p:spPr>
-          <a:xfrm>
-            <a:off x="8124240" y="4983162"/>
-            <a:ext cx="1022691" cy="452909"/>
-          </a:xfrm>
-          <a:prstGeom prst="ellipse">
-            <a:avLst/>
-          </a:prstGeom>
-        </p:spPr>
-        <p:style>
-          <a:lnRef idx="2">
-            <a:schemeClr val="accent1">
-              <a:shade val="15000"/>
-            </a:schemeClr>
-          </a:lnRef>
-          <a:fillRef idx="1">
-            <a:schemeClr val="accent1"/>
-          </a:fillRef>
-          <a:effectRef idx="0">
-            <a:schemeClr val="accent1"/>
-          </a:effectRef>
-          <a:fontRef idx="minor">
-            <a:schemeClr val="lt1"/>
-          </a:fontRef>
-        </p:style>
-        <p:txBody>
-          <a:bodyPr rtlCol="0" anchor="ctr"/>
-          <a:lstStyle/>
-          <a:p>
-            <a:pPr algn="ctr"/>
-            <a:r>
-              <a:rPr lang="en-US" dirty="0"/>
-              <a:t>Code</a:t>
-            </a:r>
-          </a:p>
-        </p:txBody>
-      </p:sp>
-      <p:cxnSp>
-        <p:nvCxnSpPr>
-          <p:cNvPr id="31" name="Straight Arrow Connector 30">
-            <a:extLst>
-              <a:ext uri="{FF2B5EF4-FFF2-40B4-BE49-F238E27FC236}">
-                <a16:creationId xmlns:a16="http://schemas.microsoft.com/office/drawing/2014/main" id="{1284369C-C052-0420-600F-BD42C6C39FC0}"/>
-              </a:ext>
-            </a:extLst>
-          </p:cNvPr>
-          <p:cNvCxnSpPr>
-            <a:stCxn id="28" idx="7"/>
-            <a:endCxn id="29" idx="2"/>
-          </p:cNvCxnSpPr>
-          <p:nvPr/>
-        </p:nvCxnSpPr>
-        <p:spPr>
-          <a:xfrm flipV="1">
-            <a:off x="7333368" y="4239838"/>
-            <a:ext cx="809704" cy="343964"/>
-          </a:xfrm>
-          <a:prstGeom prst="straightConnector1">
-            <a:avLst/>
-          </a:prstGeom>
-          <a:ln w="57150">
-            <a:solidFill>
-              <a:schemeClr val="tx1"/>
-            </a:solidFill>
-            <a:headEnd type="triangle" w="med" len="med"/>
-            <a:tailEnd type="triangle" w="med" len="med"/>
-          </a:ln>
-        </p:spPr>
-        <p:style>
-          <a:lnRef idx="1">
-            <a:schemeClr val="accent1"/>
-          </a:lnRef>
-          <a:fillRef idx="0">
-            <a:schemeClr val="accent1"/>
-          </a:fillRef>
-          <a:effectRef idx="0">
-            <a:schemeClr val="accent1"/>
-          </a:effectRef>
-          <a:fontRef idx="minor">
-            <a:schemeClr val="tx1"/>
-          </a:fontRef>
-        </p:style>
-      </p:cxnSp>
-      <p:cxnSp>
-        <p:nvCxnSpPr>
-          <p:cNvPr id="32" name="Straight Arrow Connector 31">
-            <a:extLst>
-              <a:ext uri="{FF2B5EF4-FFF2-40B4-BE49-F238E27FC236}">
-                <a16:creationId xmlns:a16="http://schemas.microsoft.com/office/drawing/2014/main" id="{BB66C459-3174-A6AA-1887-ACE42F922464}"/>
-              </a:ext>
-            </a:extLst>
-          </p:cNvPr>
-          <p:cNvCxnSpPr>
-            <a:cxnSpLocks/>
-            <a:stCxn id="29" idx="4"/>
-            <a:endCxn id="30" idx="0"/>
-          </p:cNvCxnSpPr>
-          <p:nvPr/>
-        </p:nvCxnSpPr>
-        <p:spPr>
-          <a:xfrm>
-            <a:off x="8591480" y="4466292"/>
-            <a:ext cx="44106" cy="516870"/>
-          </a:xfrm>
-          <a:prstGeom prst="straightConnector1">
-            <a:avLst/>
-          </a:prstGeom>
-          <a:ln w="57150">
-            <a:solidFill>
-              <a:schemeClr val="tx1"/>
-            </a:solidFill>
-            <a:headEnd type="triangle" w="med" len="med"/>
-            <a:tailEnd type="triangle" w="med" len="med"/>
-          </a:ln>
-        </p:spPr>
-        <p:style>
-          <a:lnRef idx="1">
-            <a:schemeClr val="accent1"/>
-          </a:lnRef>
-          <a:fillRef idx="0">
-            <a:schemeClr val="accent1"/>
-          </a:fillRef>
-          <a:effectRef idx="0">
-            <a:schemeClr val="accent1"/>
-          </a:effectRef>
-          <a:fontRef idx="minor">
-            <a:schemeClr val="tx1"/>
-          </a:fontRef>
-        </p:style>
-      </p:cxnSp>
-      <p:cxnSp>
-        <p:nvCxnSpPr>
-          <p:cNvPr id="33" name="Straight Arrow Connector 32">
-            <a:extLst>
-              <a:ext uri="{FF2B5EF4-FFF2-40B4-BE49-F238E27FC236}">
-                <a16:creationId xmlns:a16="http://schemas.microsoft.com/office/drawing/2014/main" id="{FBF29ACE-E0C2-7E79-8C0B-DB5FE8FE6D3C}"/>
-              </a:ext>
-            </a:extLst>
-          </p:cNvPr>
-          <p:cNvCxnSpPr>
-            <a:cxnSpLocks/>
-            <a:stCxn id="28" idx="6"/>
-            <a:endCxn id="30" idx="2"/>
-          </p:cNvCxnSpPr>
-          <p:nvPr/>
-        </p:nvCxnSpPr>
-        <p:spPr>
-          <a:xfrm>
-            <a:off x="7468996" y="4743930"/>
-            <a:ext cx="655244" cy="465687"/>
-          </a:xfrm>
-          <a:prstGeom prst="straightConnector1">
-            <a:avLst/>
-          </a:prstGeom>
-          <a:ln w="57150">
-            <a:solidFill>
-              <a:schemeClr val="tx1"/>
-            </a:solidFill>
-            <a:headEnd type="triangle" w="med" len="med"/>
-            <a:tailEnd type="triangle" w="med" len="med"/>
-          </a:ln>
-        </p:spPr>
-        <p:style>
-          <a:lnRef idx="1">
-            <a:schemeClr val="accent1"/>
-          </a:lnRef>
-          <a:fillRef idx="0">
-            <a:schemeClr val="accent1"/>
-          </a:fillRef>
-          <a:effectRef idx="0">
-            <a:schemeClr val="accent1"/>
-          </a:effectRef>
-          <a:fontRef idx="minor">
-            <a:schemeClr val="tx1"/>
-          </a:fontRef>
-        </p:style>
-      </p:cxnSp>
-      <p:sp>
-        <p:nvSpPr>
-          <p:cNvPr id="34" name="Oval 33">
-            <a:extLst>
-              <a:ext uri="{FF2B5EF4-FFF2-40B4-BE49-F238E27FC236}">
-                <a16:creationId xmlns:a16="http://schemas.microsoft.com/office/drawing/2014/main" id="{BB02D8DD-3B4F-7222-A467-577585A52FA9}"/>
-              </a:ext>
-            </a:extLst>
-          </p:cNvPr>
-          <p:cNvSpPr/>
-          <p:nvPr/>
-        </p:nvSpPr>
-        <p:spPr>
-          <a:xfrm>
-            <a:off x="9607209" y="4028917"/>
-            <a:ext cx="1022691" cy="452909"/>
-          </a:xfrm>
-          <a:prstGeom prst="ellipse">
-            <a:avLst/>
-          </a:prstGeom>
-          <a:solidFill>
-            <a:schemeClr val="accent2"/>
-          </a:solidFill>
-        </p:spPr>
-        <p:style>
-          <a:lnRef idx="2">
-            <a:schemeClr val="accent1">
-              <a:shade val="15000"/>
-            </a:schemeClr>
-          </a:lnRef>
-          <a:fillRef idx="1">
-            <a:schemeClr val="accent1"/>
-          </a:fillRef>
-          <a:effectRef idx="0">
-            <a:schemeClr val="accent1"/>
-          </a:effectRef>
-          <a:fontRef idx="minor">
-            <a:schemeClr val="lt1"/>
-          </a:fontRef>
-        </p:style>
-        <p:txBody>
-          <a:bodyPr rtlCol="0" anchor="ctr"/>
-          <a:lstStyle/>
-          <a:p>
-            <a:pPr algn="ctr"/>
-            <a:r>
-              <a:rPr lang="en-US" dirty="0"/>
-              <a:t>API</a:t>
-            </a:r>
-          </a:p>
-        </p:txBody>
-      </p:sp>
-      <p:sp>
-        <p:nvSpPr>
-          <p:cNvPr id="37" name="Oval 36">
-            <a:extLst>
-              <a:ext uri="{FF2B5EF4-FFF2-40B4-BE49-F238E27FC236}">
-                <a16:creationId xmlns:a16="http://schemas.microsoft.com/office/drawing/2014/main" id="{3E59F7F0-B5E8-46DA-0FC1-FFCF98B5D166}"/>
-              </a:ext>
-            </a:extLst>
-          </p:cNvPr>
-          <p:cNvSpPr/>
-          <p:nvPr/>
-        </p:nvSpPr>
-        <p:spPr>
-          <a:xfrm>
-            <a:off x="9473647" y="4976852"/>
-            <a:ext cx="1022691" cy="452909"/>
-          </a:xfrm>
-          <a:prstGeom prst="ellipse">
-            <a:avLst/>
-          </a:prstGeom>
-          <a:solidFill>
-            <a:schemeClr val="accent2"/>
-          </a:solidFill>
-        </p:spPr>
-        <p:style>
-          <a:lnRef idx="2">
-            <a:schemeClr val="accent1">
-              <a:shade val="15000"/>
-            </a:schemeClr>
-          </a:lnRef>
-          <a:fillRef idx="1">
-            <a:schemeClr val="accent1"/>
-          </a:fillRef>
-          <a:effectRef idx="0">
-            <a:schemeClr val="accent1"/>
-          </a:effectRef>
-          <a:fontRef idx="minor">
-            <a:schemeClr val="lt1"/>
-          </a:fontRef>
-        </p:style>
-        <p:txBody>
-          <a:bodyPr rtlCol="0" anchor="ctr"/>
-          <a:lstStyle/>
-          <a:p>
-            <a:pPr algn="ctr"/>
-            <a:r>
-              <a:rPr lang="en-US" dirty="0"/>
-              <a:t>DB</a:t>
-            </a:r>
-          </a:p>
-        </p:txBody>
-      </p:sp>
-      <p:cxnSp>
-        <p:nvCxnSpPr>
-          <p:cNvPr id="38" name="Straight Arrow Connector 37">
-            <a:extLst>
-              <a:ext uri="{FF2B5EF4-FFF2-40B4-BE49-F238E27FC236}">
-                <a16:creationId xmlns:a16="http://schemas.microsoft.com/office/drawing/2014/main" id="{525CA271-2831-4D57-AA54-DD0083CB678C}"/>
-              </a:ext>
-            </a:extLst>
-          </p:cNvPr>
-          <p:cNvCxnSpPr>
-            <a:cxnSpLocks/>
-            <a:stCxn id="29" idx="6"/>
-            <a:endCxn id="34" idx="2"/>
-          </p:cNvCxnSpPr>
-          <p:nvPr/>
-        </p:nvCxnSpPr>
-        <p:spPr>
-          <a:xfrm>
-            <a:off x="9039887" y="4239838"/>
-            <a:ext cx="567322" cy="15534"/>
-          </a:xfrm>
-          <a:prstGeom prst="straightConnector1">
-            <a:avLst/>
-          </a:prstGeom>
-          <a:ln w="57150">
-            <a:solidFill>
-              <a:schemeClr val="tx1"/>
-            </a:solidFill>
-            <a:headEnd type="triangle" w="med" len="med"/>
-            <a:tailEnd type="triangle" w="med" len="med"/>
-          </a:ln>
-        </p:spPr>
-        <p:style>
-          <a:lnRef idx="1">
-            <a:schemeClr val="accent1"/>
-          </a:lnRef>
-          <a:fillRef idx="0">
-            <a:schemeClr val="accent1"/>
-          </a:fillRef>
-          <a:effectRef idx="0">
-            <a:schemeClr val="accent1"/>
-          </a:effectRef>
-          <a:fontRef idx="minor">
-            <a:schemeClr val="tx1"/>
-          </a:fontRef>
-        </p:style>
-      </p:cxnSp>
-      <p:cxnSp>
-        <p:nvCxnSpPr>
-          <p:cNvPr id="41" name="Straight Arrow Connector 40">
-            <a:extLst>
-              <a:ext uri="{FF2B5EF4-FFF2-40B4-BE49-F238E27FC236}">
-                <a16:creationId xmlns:a16="http://schemas.microsoft.com/office/drawing/2014/main" id="{14B4124C-2FA8-4172-3AAE-9C02867565AB}"/>
-              </a:ext>
-            </a:extLst>
-          </p:cNvPr>
-          <p:cNvCxnSpPr>
-            <a:cxnSpLocks/>
-            <a:stCxn id="29" idx="5"/>
-            <a:endCxn id="37" idx="1"/>
-          </p:cNvCxnSpPr>
-          <p:nvPr/>
-        </p:nvCxnSpPr>
-        <p:spPr>
-          <a:xfrm>
-            <a:off x="8908551" y="4399965"/>
-            <a:ext cx="714866" cy="643214"/>
-          </a:xfrm>
-          <a:prstGeom prst="straightConnector1">
-            <a:avLst/>
-          </a:prstGeom>
-          <a:ln w="57150">
-            <a:solidFill>
-              <a:schemeClr val="tx1"/>
-            </a:solidFill>
-            <a:headEnd type="triangle" w="med" len="med"/>
-            <a:tailEnd type="triangle" w="med" len="med"/>
-          </a:ln>
-        </p:spPr>
-        <p:style>
-          <a:lnRef idx="1">
-            <a:schemeClr val="accent1"/>
-          </a:lnRef>
-          <a:fillRef idx="0">
-            <a:schemeClr val="accent1"/>
-          </a:fillRef>
-          <a:effectRef idx="0">
-            <a:schemeClr val="accent1"/>
-          </a:effectRef>
-          <a:fontRef idx="minor">
-            <a:schemeClr val="tx1"/>
-          </a:fontRef>
-        </p:style>
-      </p:cxnSp>
-    </p:spTree>
-    <p:extLst>
-      <p:ext uri="{BB962C8B-B14F-4D97-AF65-F5344CB8AC3E}">
-        <p14:creationId xmlns:p14="http://schemas.microsoft.com/office/powerpoint/2010/main" val="1378764590"/>
-      </p:ext>
-    </p:extLst>
-  </p:cSld>
-  <p:clrMapOvr>
-    <a:masterClrMapping/>
-  </p:clrMapOvr>
-</p:sld>
-</file>
-
 <file path=ppt/slides/slide29.xml><?xml version="1.0" encoding="utf-8"?>
 <p:sld xmlns:a="http://schemas.openxmlformats.org/drawingml/2006/main" xmlns:r="http://schemas.openxmlformats.org/officeDocument/2006/relationships" xmlns:p="http://schemas.openxmlformats.org/presentationml/2006/main">
   <p:cSld>
@@ -23837,7 +25306,7 @@
           <p:cNvPr id="2" name="Title 1">
             <a:extLst>
               <a:ext uri="{FF2B5EF4-FFF2-40B4-BE49-F238E27FC236}">
-                <a16:creationId xmlns:a16="http://schemas.microsoft.com/office/drawing/2014/main" id="{F0DBB264-A557-96D9-1A11-E9F49FF31D9D}"/>
+                <a16:creationId xmlns:a16="http://schemas.microsoft.com/office/drawing/2014/main" id="{45B895B7-0796-62E3-FF79-D9ED9917C428}"/>
               </a:ext>
             </a:extLst>
           </p:cNvPr>
@@ -23857,7 +25326,7 @@
           <a:p>
             <a:r>
               <a:rPr lang="en-US" dirty="0"/>
-              <a:t>Helpdesk Chatbot</a:t>
+              <a:t>ChatGPT Advanced Data Analytics</a:t>
             </a:r>
           </a:p>
         </p:txBody>
@@ -23867,7 +25336,7 @@
           <p:cNvPr id="3" name="Content Placeholder 2">
             <a:extLst>
               <a:ext uri="{FF2B5EF4-FFF2-40B4-BE49-F238E27FC236}">
-                <a16:creationId xmlns:a16="http://schemas.microsoft.com/office/drawing/2014/main" id="{8799179C-7BE0-B668-A477-1EAF28624B06}"/>
+                <a16:creationId xmlns:a16="http://schemas.microsoft.com/office/drawing/2014/main" id="{79886A0B-4EE1-E4C9-9592-BB107A83A455}"/>
               </a:ext>
             </a:extLst>
           </p:cNvPr>
@@ -23880,8 +25349,8 @@
         </p:nvSpPr>
         <p:spPr>
           <a:xfrm>
-            <a:off x="671945" y="4305561"/>
-            <a:ext cx="10515600" cy="1562685"/>
+            <a:off x="390342" y="5202651"/>
+            <a:ext cx="10515600" cy="1097364"/>
           </a:xfrm>
         </p:spPr>
         <p:txBody>
@@ -23890,35 +25359,42 @@
           </a:bodyPr>
           <a:lstStyle/>
           <a:p>
+            <a:pPr marL="0" indent="0">
+              <a:buNone/>
+            </a:pPr>
             <a:r>
               <a:rPr lang="en-US" dirty="0"/>
-              <a:t>Similarity can tell you if other questions needed a query executed to get the right results</a:t>
-            </a:r>
-          </a:p>
-          <a:p>
+              <a:t>Loops of:</a:t>
+            </a:r>
+          </a:p>
+          <a:p>
+            <a:pPr marL="914400" lvl="1" indent="-457200">
+              <a:buFont typeface="+mj-lt"/>
+              <a:buAutoNum type="arabicPeriod"/>
+            </a:pPr>
             <a:r>
               <a:rPr lang="en-US" dirty="0"/>
-              <a:t>The system must understand context (who you are and your context)</a:t>
-            </a:r>
-          </a:p>
-          <a:p>
+              <a:t>Generate code</a:t>
+            </a:r>
+          </a:p>
+          <a:p>
+            <a:pPr marL="914400" lvl="1" indent="-457200">
+              <a:buFont typeface="+mj-lt"/>
+              <a:buAutoNum type="arabicPeriod"/>
+            </a:pPr>
             <a:r>
               <a:rPr lang="en-US" dirty="0"/>
-              <a:t>Example:</a:t>
-            </a:r>
-          </a:p>
-          <a:p>
-            <a:pPr lvl="1"/>
+              <a:t>See results of the data profiling Python code</a:t>
+            </a:r>
+          </a:p>
+          <a:p>
+            <a:pPr marL="914400" lvl="1" indent="-457200">
+              <a:buFont typeface="+mj-lt"/>
+              <a:buAutoNum type="arabicPeriod"/>
+            </a:pPr>
             <a:r>
               <a:rPr lang="en-US" dirty="0"/>
-              <a:t>Docker problems on a PC – average of over 2 hours to fix</a:t>
-            </a:r>
-          </a:p>
-          <a:p>
-            <a:pPr lvl="1"/>
-            <a:r>
-              <a:rPr lang="en-US" dirty="0"/>
-              <a:t>Docker problems on the Mac – average less than 20 minutes to fix</a:t>
+              <a:t>Pick the next most similar workflow (that may also have Python code)</a:t>
             </a:r>
           </a:p>
         </p:txBody>
@@ -23928,7 +25404,7 @@
           <p:cNvPr id="4" name="Slide Number Placeholder 3">
             <a:extLst>
               <a:ext uri="{FF2B5EF4-FFF2-40B4-BE49-F238E27FC236}">
-                <a16:creationId xmlns:a16="http://schemas.microsoft.com/office/drawing/2014/main" id="{BECC01DD-D8EC-858E-FBD0-9C231ACA53DC}"/>
+                <a16:creationId xmlns:a16="http://schemas.microsoft.com/office/drawing/2014/main" id="{62E781C8-99CD-3C56-366E-DA7D0C30C88B}"/>
               </a:ext>
             </a:extLst>
           </p:cNvPr>
@@ -23954,107 +25430,257 @@
       </p:sp>
       <p:pic>
         <p:nvPicPr>
-          <p:cNvPr id="6146" name="Picture 2">
-            <a:extLst>
-              <a:ext uri="{FF2B5EF4-FFF2-40B4-BE49-F238E27FC236}">
-                <a16:creationId xmlns:a16="http://schemas.microsoft.com/office/drawing/2014/main" id="{DD5C211A-D88F-CA94-960F-1FC38C2CA4C4}"/>
+          <p:cNvPr id="5" name="Picture 4">
+            <a:extLst>
+              <a:ext uri="{FF2B5EF4-FFF2-40B4-BE49-F238E27FC236}">
+                <a16:creationId xmlns:a16="http://schemas.microsoft.com/office/drawing/2014/main" id="{6CC59D0B-775A-903A-28C0-DF4969824AA0}"/>
               </a:ext>
             </a:extLst>
           </p:cNvPr>
           <p:cNvPicPr>
-            <a:picLocks noChangeAspect="1" noChangeArrowheads="1"/>
+            <a:picLocks noChangeAspect="1"/>
           </p:cNvPicPr>
           <p:nvPr/>
         </p:nvPicPr>
         <p:blipFill>
-          <a:blip r:embed="rId2">
-            <a:extLst>
-              <a:ext uri="{28A0092B-C50C-407E-A947-70E740481C1C}">
-                <a14:useLocalDpi xmlns:a14="http://schemas.microsoft.com/office/drawing/2010/main"/>
-              </a:ext>
-            </a:extLst>
-          </a:blip>
-          <a:srcRect/>
+          <a:blip r:embed="rId2"/>
           <a:stretch>
             <a:fillRect/>
           </a:stretch>
         </p:blipFill>
-        <p:spPr bwMode="auto">
+        <p:spPr>
           <a:xfrm>
-            <a:off x="1484745" y="1763368"/>
-            <a:ext cx="8890000" cy="1866900"/>
+            <a:off x="4666104" y="1106667"/>
+            <a:ext cx="5566869" cy="4235353"/>
           </a:xfrm>
           <a:prstGeom prst="rect">
             <a:avLst/>
           </a:prstGeom>
-          <a:noFill/>
-          <a:extLst>
-            <a:ext uri="{909E8E84-426E-40DD-AFC4-6F175D3DCCD1}">
-              <a14:hiddenFill xmlns:a14="http://schemas.microsoft.com/office/drawing/2010/main">
-                <a:solidFill>
-                  <a:srgbClr val="FFFFFF"/>
-                </a:solidFill>
-              </a14:hiddenFill>
-            </a:ext>
-          </a:extLst>
         </p:spPr>
       </p:pic>
       <p:sp>
         <p:nvSpPr>
-          <p:cNvPr id="5" name="Rectangle 4">
-            <a:extLst>
-              <a:ext uri="{FF2B5EF4-FFF2-40B4-BE49-F238E27FC236}">
-                <a16:creationId xmlns:a16="http://schemas.microsoft.com/office/drawing/2014/main" id="{6604158F-E44B-0CDF-CEB9-CBBDAFF4098E}"/>
-              </a:ext>
-            </a:extLst>
-          </p:cNvPr>
-          <p:cNvSpPr/>
+          <p:cNvPr id="6" name="TextBox 5">
+            <a:extLst>
+              <a:ext uri="{FF2B5EF4-FFF2-40B4-BE49-F238E27FC236}">
+                <a16:creationId xmlns:a16="http://schemas.microsoft.com/office/drawing/2014/main" id="{4B33C133-D00B-D19D-0375-302CC08E9AA8}"/>
+              </a:ext>
+            </a:extLst>
+          </p:cNvPr>
+          <p:cNvSpPr txBox="1"/>
           <p:nvPr/>
         </p:nvSpPr>
         <p:spPr>
           <a:xfrm>
-            <a:off x="3852148" y="3361911"/>
-            <a:ext cx="901148" cy="268357"/>
+            <a:off x="686947" y="2571320"/>
+            <a:ext cx="3503460" cy="369332"/>
           </a:xfrm>
           <a:prstGeom prst="rect">
             <a:avLst/>
           </a:prstGeom>
           <a:solidFill>
-            <a:schemeClr val="bg1"/>
+            <a:schemeClr val="accent4"/>
           </a:solidFill>
-          <a:ln>
-            <a:noFill/>
+        </p:spPr>
+        <p:txBody>
+          <a:bodyPr wrap="none" rtlCol="0">
+            <a:spAutoFit/>
+          </a:bodyPr>
+          <a:lstStyle/>
+          <a:p>
+            <a:r>
+              <a:rPr lang="en-US" dirty="0"/>
+              <a:t>Generate and Execute Python Code</a:t>
+            </a:r>
+          </a:p>
+        </p:txBody>
+      </p:sp>
+      <p:cxnSp>
+        <p:nvCxnSpPr>
+          <p:cNvPr id="8" name="Straight Arrow Connector 7">
+            <a:extLst>
+              <a:ext uri="{FF2B5EF4-FFF2-40B4-BE49-F238E27FC236}">
+                <a16:creationId xmlns:a16="http://schemas.microsoft.com/office/drawing/2014/main" id="{268BF4D0-227D-87F5-A24C-EBB0742ED95B}"/>
+              </a:ext>
+            </a:extLst>
+          </p:cNvPr>
+          <p:cNvCxnSpPr/>
+          <p:nvPr/>
+        </p:nvCxnSpPr>
+        <p:spPr>
+          <a:xfrm>
+            <a:off x="4190407" y="2755986"/>
+            <a:ext cx="1096613" cy="49091"/>
+          </a:xfrm>
+          <a:prstGeom prst="straightConnector1">
+            <a:avLst/>
+          </a:prstGeom>
+          <a:ln w="76200">
+            <a:solidFill>
+              <a:schemeClr val="accent4"/>
+            </a:solidFill>
+            <a:tailEnd type="triangle"/>
           </a:ln>
         </p:spPr>
         <p:style>
-          <a:lnRef idx="2">
-            <a:schemeClr val="accent1">
-              <a:shade val="15000"/>
-            </a:schemeClr>
+          <a:lnRef idx="1">
+            <a:schemeClr val="accent1"/>
           </a:lnRef>
-          <a:fillRef idx="1">
+          <a:fillRef idx="0">
             <a:schemeClr val="accent1"/>
           </a:fillRef>
           <a:effectRef idx="0">
             <a:schemeClr val="accent1"/>
           </a:effectRef>
           <a:fontRef idx="minor">
-            <a:schemeClr val="lt1"/>
+            <a:schemeClr val="tx1"/>
           </a:fontRef>
         </p:style>
-        <p:txBody>
-          <a:bodyPr rtlCol="0" anchor="ctr"/>
+      </p:cxnSp>
+      <p:sp>
+        <p:nvSpPr>
+          <p:cNvPr id="9" name="TextBox 8">
+            <a:extLst>
+              <a:ext uri="{FF2B5EF4-FFF2-40B4-BE49-F238E27FC236}">
+                <a16:creationId xmlns:a16="http://schemas.microsoft.com/office/drawing/2014/main" id="{453BFCED-2DC7-6707-1F77-A86BF6C5B6B2}"/>
+              </a:ext>
+            </a:extLst>
+          </p:cNvPr>
+          <p:cNvSpPr txBox="1"/>
+          <p:nvPr/>
+        </p:nvSpPr>
+        <p:spPr>
+          <a:xfrm>
+            <a:off x="740976" y="4119440"/>
+            <a:ext cx="3503460" cy="369332"/>
+          </a:xfrm>
+          <a:prstGeom prst="rect">
+            <a:avLst/>
+          </a:prstGeom>
+          <a:solidFill>
+            <a:schemeClr val="accent4"/>
+          </a:solidFill>
+        </p:spPr>
+        <p:txBody>
+          <a:bodyPr wrap="none" rtlCol="0">
+            <a:spAutoFit/>
+          </a:bodyPr>
           <a:lstStyle/>
           <a:p>
-            <a:pPr algn="ctr"/>
-            <a:endParaRPr lang="en-US"/>
+            <a:r>
+              <a:rPr lang="en-US" dirty="0"/>
+              <a:t>Generate and Execute Python Code</a:t>
+            </a:r>
+          </a:p>
+        </p:txBody>
+      </p:sp>
+      <p:cxnSp>
+        <p:nvCxnSpPr>
+          <p:cNvPr id="10" name="Straight Arrow Connector 9">
+            <a:extLst>
+              <a:ext uri="{FF2B5EF4-FFF2-40B4-BE49-F238E27FC236}">
+                <a16:creationId xmlns:a16="http://schemas.microsoft.com/office/drawing/2014/main" id="{C05EE19A-32A4-86DC-A0B4-71B216C0D2EB}"/>
+              </a:ext>
+            </a:extLst>
+          </p:cNvPr>
+          <p:cNvCxnSpPr/>
+          <p:nvPr/>
+        </p:nvCxnSpPr>
+        <p:spPr>
+          <a:xfrm>
+            <a:off x="4244436" y="4344099"/>
+            <a:ext cx="1096613" cy="49091"/>
+          </a:xfrm>
+          <a:prstGeom prst="straightConnector1">
+            <a:avLst/>
+          </a:prstGeom>
+          <a:ln w="76200">
+            <a:solidFill>
+              <a:schemeClr val="accent4"/>
+            </a:solidFill>
+            <a:tailEnd type="triangle"/>
+          </a:ln>
+        </p:spPr>
+        <p:style>
+          <a:lnRef idx="1">
+            <a:schemeClr val="accent1"/>
+          </a:lnRef>
+          <a:fillRef idx="0">
+            <a:schemeClr val="accent1"/>
+          </a:fillRef>
+          <a:effectRef idx="0">
+            <a:schemeClr val="accent1"/>
+          </a:effectRef>
+          <a:fontRef idx="minor">
+            <a:schemeClr val="tx1"/>
+          </a:fontRef>
+        </p:style>
+      </p:cxnSp>
+      <p:sp>
+        <p:nvSpPr>
+          <p:cNvPr id="11" name="TextBox 10">
+            <a:extLst>
+              <a:ext uri="{FF2B5EF4-FFF2-40B4-BE49-F238E27FC236}">
+                <a16:creationId xmlns:a16="http://schemas.microsoft.com/office/drawing/2014/main" id="{AB6164A9-50D3-FEC6-C59D-D25D33CF402A}"/>
+              </a:ext>
+            </a:extLst>
+          </p:cNvPr>
+          <p:cNvSpPr txBox="1"/>
+          <p:nvPr/>
+        </p:nvSpPr>
+        <p:spPr>
+          <a:xfrm>
+            <a:off x="4512012" y="6444476"/>
+            <a:ext cx="6393930" cy="276999"/>
+          </a:xfrm>
+          <a:prstGeom prst="rect">
+            <a:avLst/>
+          </a:prstGeom>
+          <a:noFill/>
+        </p:spPr>
+        <p:txBody>
+          <a:bodyPr wrap="none" rtlCol="0">
+            <a:spAutoFit/>
+          </a:bodyPr>
+          <a:lstStyle/>
+          <a:p>
+            <a:r>
+              <a:rPr lang="en-US" sz="1200" dirty="0">
+                <a:solidFill>
+                  <a:schemeClr val="bg1">
+                    <a:lumMod val="65000"/>
+                  </a:schemeClr>
+                </a:solidFill>
+              </a:rPr>
+              <a:t>https://</a:t>
+            </a:r>
+            <a:r>
+              <a:rPr lang="en-US" sz="1200" dirty="0" err="1">
+                <a:solidFill>
+                  <a:schemeClr val="bg1">
+                    <a:lumMod val="65000"/>
+                  </a:schemeClr>
+                </a:solidFill>
+              </a:rPr>
+              <a:t>dmccreary.medium.com</a:t>
+            </a:r>
+            <a:r>
+              <a:rPr lang="en-US" sz="1200" dirty="0">
+                <a:solidFill>
+                  <a:schemeClr val="bg1">
+                    <a:lumMod val="65000"/>
+                  </a:schemeClr>
+                </a:solidFill>
+              </a:rPr>
+              <a:t>/asking-ai-about-lowering-healthcare-costs-in-the-us-7224b4f958cc</a:t>
+            </a:r>
           </a:p>
         </p:txBody>
       </p:sp>
     </p:spTree>
     <p:extLst>
       <p:ext uri="{BB962C8B-B14F-4D97-AF65-F5344CB8AC3E}">
-        <p14:creationId xmlns:p14="http://schemas.microsoft.com/office/powerpoint/2010/main" val="938760090"/>
+        <p14:creationId xmlns:p14="http://schemas.microsoft.com/office/powerpoint/2010/main" val="2170602185"/>
       </p:ext>
     </p:extLst>
   </p:cSld>
@@ -24563,10 +26189,10 @@
       </p:grpSpPr>
       <p:sp>
         <p:nvSpPr>
-          <p:cNvPr id="2" name="Title 1">
-            <a:extLst>
-              <a:ext uri="{FF2B5EF4-FFF2-40B4-BE49-F238E27FC236}">
-                <a16:creationId xmlns:a16="http://schemas.microsoft.com/office/drawing/2014/main" id="{09B8F871-0660-53D6-543E-0579CBDFDBF7}"/>
+          <p:cNvPr id="5" name="Title 4">
+            <a:extLst>
+              <a:ext uri="{FF2B5EF4-FFF2-40B4-BE49-F238E27FC236}">
+                <a16:creationId xmlns:a16="http://schemas.microsoft.com/office/drawing/2014/main" id="{D73F2032-41A9-07A2-C7D4-C3D5D502F840}"/>
               </a:ext>
             </a:extLst>
           </p:cNvPr>
@@ -24579,14 +26205,1167 @@
         </p:nvSpPr>
         <p:spPr/>
         <p:txBody>
+          <a:bodyPr/>
+          <a:lstStyle/>
+          <a:p>
+            <a:r>
+              <a:rPr lang="en-US" dirty="0"/>
+              <a:t>Hundreds of Cooperating Agents</a:t>
+            </a:r>
+          </a:p>
+        </p:txBody>
+      </p:sp>
+      <p:sp>
+        <p:nvSpPr>
+          <p:cNvPr id="6" name="Text Placeholder 5">
+            <a:extLst>
+              <a:ext uri="{FF2B5EF4-FFF2-40B4-BE49-F238E27FC236}">
+                <a16:creationId xmlns:a16="http://schemas.microsoft.com/office/drawing/2014/main" id="{809918E9-DC60-40C4-A0A3-8CC0EBCE5DDE}"/>
+              </a:ext>
+            </a:extLst>
+          </p:cNvPr>
+          <p:cNvSpPr>
+            <a:spLocks noGrp="1"/>
+          </p:cNvSpPr>
+          <p:nvPr>
+            <p:ph type="body" idx="1"/>
+          </p:nvPr>
+        </p:nvSpPr>
+        <p:spPr>
+          <a:xfrm>
+            <a:off x="437016" y="1072584"/>
+            <a:ext cx="5157787" cy="823912"/>
+          </a:xfrm>
+        </p:spPr>
+        <p:txBody>
           <a:bodyPr>
             <a:normAutofit/>
           </a:bodyPr>
           <a:lstStyle/>
           <a:p>
+            <a:pPr algn="ctr"/>
             <a:r>
               <a:rPr lang="en-US" sz="3200" dirty="0"/>
-              <a:t>Towards a Loosely Coupled Architecture</a:t>
+              <a:t>Today</a:t>
+            </a:r>
+          </a:p>
+        </p:txBody>
+      </p:sp>
+      <p:sp>
+        <p:nvSpPr>
+          <p:cNvPr id="7" name="Content Placeholder 6">
+            <a:extLst>
+              <a:ext uri="{FF2B5EF4-FFF2-40B4-BE49-F238E27FC236}">
+                <a16:creationId xmlns:a16="http://schemas.microsoft.com/office/drawing/2014/main" id="{28F93633-6C34-2842-9990-5CC715EE5716}"/>
+              </a:ext>
+            </a:extLst>
+          </p:cNvPr>
+          <p:cNvSpPr>
+            <a:spLocks noGrp="1"/>
+          </p:cNvSpPr>
+          <p:nvPr>
+            <p:ph sz="half" idx="2"/>
+          </p:nvPr>
+        </p:nvSpPr>
+        <p:spPr>
+          <a:xfrm>
+            <a:off x="437016" y="2012546"/>
+            <a:ext cx="5157787" cy="2509733"/>
+          </a:xfrm>
+        </p:spPr>
+        <p:txBody>
+          <a:bodyPr>
+            <a:normAutofit fontScale="77500" lnSpcReduction="20000"/>
+          </a:bodyPr>
+          <a:lstStyle/>
+          <a:p>
+            <a:pPr>
+              <a:spcAft>
+                <a:spcPts val="600"/>
+              </a:spcAft>
+            </a:pPr>
+            <a:r>
+              <a:rPr lang="en-US" dirty="0"/>
+              <a:t>Single prompt</a:t>
+            </a:r>
+          </a:p>
+          <a:p>
+            <a:pPr>
+              <a:spcAft>
+                <a:spcPts val="600"/>
+              </a:spcAft>
+            </a:pPr>
+            <a:r>
+              <a:rPr lang="en-US" dirty="0"/>
+              <a:t>Single Large-language model (LLM)</a:t>
+            </a:r>
+          </a:p>
+          <a:p>
+            <a:pPr>
+              <a:spcAft>
+                <a:spcPts val="600"/>
+              </a:spcAft>
+            </a:pPr>
+            <a:r>
+              <a:rPr lang="en-US" dirty="0"/>
+              <a:t>LLMs generate code</a:t>
+            </a:r>
+          </a:p>
+          <a:p>
+            <a:pPr>
+              <a:spcAft>
+                <a:spcPts val="600"/>
+              </a:spcAft>
+            </a:pPr>
+            <a:r>
+              <a:rPr lang="en-US" dirty="0"/>
+              <a:t>Executed code generates prompts</a:t>
+            </a:r>
+          </a:p>
+          <a:p>
+            <a:pPr>
+              <a:spcAft>
+                <a:spcPts val="600"/>
+              </a:spcAft>
+            </a:pPr>
+            <a:r>
+              <a:rPr lang="en-US" dirty="0"/>
+              <a:t>Example:</a:t>
+            </a:r>
+            <a:br>
+              <a:rPr lang="en-US" dirty="0"/>
+            </a:br>
+            <a:r>
+              <a:rPr lang="en-US" dirty="0"/>
+              <a:t>ChatGPT Advanced Data Analytics</a:t>
+            </a:r>
+          </a:p>
+          <a:p>
+            <a:pPr lvl="1">
+              <a:spcAft>
+                <a:spcPts val="600"/>
+              </a:spcAft>
+            </a:pPr>
+            <a:endParaRPr lang="en-US" dirty="0"/>
+          </a:p>
+        </p:txBody>
+      </p:sp>
+      <p:sp>
+        <p:nvSpPr>
+          <p:cNvPr id="8" name="Text Placeholder 7">
+            <a:extLst>
+              <a:ext uri="{FF2B5EF4-FFF2-40B4-BE49-F238E27FC236}">
+                <a16:creationId xmlns:a16="http://schemas.microsoft.com/office/drawing/2014/main" id="{6C6BADB0-2D26-88D8-02EC-D78F3D0DCE3A}"/>
+              </a:ext>
+            </a:extLst>
+          </p:cNvPr>
+          <p:cNvSpPr>
+            <a:spLocks noGrp="1"/>
+          </p:cNvSpPr>
+          <p:nvPr>
+            <p:ph type="body" sz="quarter" idx="3"/>
+          </p:nvPr>
+        </p:nvSpPr>
+        <p:spPr>
+          <a:xfrm>
+            <a:off x="5769428" y="1072584"/>
+            <a:ext cx="5183188" cy="823912"/>
+          </a:xfrm>
+        </p:spPr>
+        <p:txBody>
+          <a:bodyPr>
+            <a:normAutofit/>
+          </a:bodyPr>
+          <a:lstStyle/>
+          <a:p>
+            <a:pPr algn="ctr"/>
+            <a:r>
+              <a:rPr lang="en-US" sz="3200" dirty="0"/>
+              <a:t>Next Year</a:t>
+            </a:r>
+          </a:p>
+        </p:txBody>
+      </p:sp>
+      <p:sp>
+        <p:nvSpPr>
+          <p:cNvPr id="9" name="Content Placeholder 8">
+            <a:extLst>
+              <a:ext uri="{FF2B5EF4-FFF2-40B4-BE49-F238E27FC236}">
+                <a16:creationId xmlns:a16="http://schemas.microsoft.com/office/drawing/2014/main" id="{B0F1E3DC-67ED-8F28-04A1-40BBFEBC2846}"/>
+              </a:ext>
+            </a:extLst>
+          </p:cNvPr>
+          <p:cNvSpPr>
+            <a:spLocks noGrp="1"/>
+          </p:cNvSpPr>
+          <p:nvPr>
+            <p:ph sz="quarter" idx="4"/>
+          </p:nvPr>
+        </p:nvSpPr>
+        <p:spPr>
+          <a:xfrm>
+            <a:off x="5769428" y="1983905"/>
+            <a:ext cx="5183188" cy="1802649"/>
+          </a:xfrm>
+        </p:spPr>
+        <p:txBody>
+          <a:bodyPr>
+            <a:normAutofit fontScale="77500" lnSpcReduction="20000"/>
+          </a:bodyPr>
+          <a:lstStyle/>
+          <a:p>
+            <a:pPr>
+              <a:spcAft>
+                <a:spcPts val="600"/>
+              </a:spcAft>
+            </a:pPr>
+            <a:r>
+              <a:rPr lang="en-US" dirty="0"/>
+              <a:t>Hundreds of agents interacting inside your organization</a:t>
+            </a:r>
+          </a:p>
+          <a:p>
+            <a:pPr>
+              <a:spcAft>
+                <a:spcPts val="600"/>
+              </a:spcAft>
+            </a:pPr>
+            <a:r>
+              <a:rPr lang="en-US" dirty="0"/>
+              <a:t>Agents calling services and databases</a:t>
+            </a:r>
+          </a:p>
+          <a:p>
+            <a:pPr>
+              <a:spcAft>
+                <a:spcPts val="600"/>
+              </a:spcAft>
+            </a:pPr>
+            <a:r>
+              <a:rPr lang="en-US" dirty="0"/>
+              <a:t>LLMs are only limited by your company's ability to describe the APIs</a:t>
+            </a:r>
+          </a:p>
+        </p:txBody>
+      </p:sp>
+      <p:sp>
+        <p:nvSpPr>
+          <p:cNvPr id="4" name="Slide Number Placeholder 3">
+            <a:extLst>
+              <a:ext uri="{FF2B5EF4-FFF2-40B4-BE49-F238E27FC236}">
+                <a16:creationId xmlns:a16="http://schemas.microsoft.com/office/drawing/2014/main" id="{00488542-EDAB-D9FC-1E28-32F4D77D40DB}"/>
+              </a:ext>
+            </a:extLst>
+          </p:cNvPr>
+          <p:cNvSpPr>
+            <a:spLocks noGrp="1"/>
+          </p:cNvSpPr>
+          <p:nvPr>
+            <p:ph type="sldNum" sz="quarter" idx="12"/>
+          </p:nvPr>
+        </p:nvSpPr>
+        <p:spPr/>
+        <p:txBody>
+          <a:bodyPr/>
+          <a:lstStyle/>
+          <a:p>
+            <a:fld id="{E4E17628-BB69-494D-BA8C-C14032583637}" type="slidenum">
+              <a:rPr lang="en-US" smtClean="0"/>
+              <a:t>30</a:t>
+            </a:fld>
+            <a:endParaRPr lang="en-US"/>
+          </a:p>
+        </p:txBody>
+      </p:sp>
+      <p:sp>
+        <p:nvSpPr>
+          <p:cNvPr id="10" name="Oval 9">
+            <a:extLst>
+              <a:ext uri="{FF2B5EF4-FFF2-40B4-BE49-F238E27FC236}">
+                <a16:creationId xmlns:a16="http://schemas.microsoft.com/office/drawing/2014/main" id="{6B57434C-5FC8-5924-CF4C-5F5251097A9E}"/>
+              </a:ext>
+            </a:extLst>
+          </p:cNvPr>
+          <p:cNvSpPr/>
+          <p:nvPr/>
+        </p:nvSpPr>
+        <p:spPr>
+          <a:xfrm>
+            <a:off x="996462" y="5373460"/>
+            <a:ext cx="926123" cy="452909"/>
+          </a:xfrm>
+          <a:prstGeom prst="ellipse">
+            <a:avLst/>
+          </a:prstGeom>
+          <a:solidFill>
+            <a:schemeClr val="accent4"/>
+          </a:solidFill>
+        </p:spPr>
+        <p:style>
+          <a:lnRef idx="2">
+            <a:schemeClr val="accent1">
+              <a:shade val="15000"/>
+            </a:schemeClr>
+          </a:lnRef>
+          <a:fillRef idx="1">
+            <a:schemeClr val="accent1"/>
+          </a:fillRef>
+          <a:effectRef idx="0">
+            <a:schemeClr val="accent1"/>
+          </a:effectRef>
+          <a:fontRef idx="minor">
+            <a:schemeClr val="lt1"/>
+          </a:fontRef>
+        </p:style>
+        <p:txBody>
+          <a:bodyPr rtlCol="0" anchor="ctr"/>
+          <a:lstStyle/>
+          <a:p>
+            <a:pPr algn="ctr"/>
+            <a:r>
+              <a:rPr lang="en-US" dirty="0">
+                <a:solidFill>
+                  <a:schemeClr val="tx1"/>
+                </a:solidFill>
+              </a:rPr>
+              <a:t>User</a:t>
+            </a:r>
+          </a:p>
+        </p:txBody>
+      </p:sp>
+      <p:sp>
+        <p:nvSpPr>
+          <p:cNvPr id="11" name="Oval 10">
+            <a:extLst>
+              <a:ext uri="{FF2B5EF4-FFF2-40B4-BE49-F238E27FC236}">
+                <a16:creationId xmlns:a16="http://schemas.microsoft.com/office/drawing/2014/main" id="{466F6E04-35C2-4AE2-D1ED-B1EC4D87F364}"/>
+              </a:ext>
+            </a:extLst>
+          </p:cNvPr>
+          <p:cNvSpPr/>
+          <p:nvPr/>
+        </p:nvSpPr>
+        <p:spPr>
+          <a:xfrm>
+            <a:off x="2650541" y="4937126"/>
+            <a:ext cx="896815" cy="452909"/>
+          </a:xfrm>
+          <a:prstGeom prst="ellipse">
+            <a:avLst/>
+          </a:prstGeom>
+          <a:solidFill>
+            <a:schemeClr val="accent6"/>
+          </a:solidFill>
+        </p:spPr>
+        <p:style>
+          <a:lnRef idx="2">
+            <a:schemeClr val="accent1">
+              <a:shade val="15000"/>
+            </a:schemeClr>
+          </a:lnRef>
+          <a:fillRef idx="1">
+            <a:schemeClr val="accent1"/>
+          </a:fillRef>
+          <a:effectRef idx="0">
+            <a:schemeClr val="accent1"/>
+          </a:effectRef>
+          <a:fontRef idx="minor">
+            <a:schemeClr val="lt1"/>
+          </a:fontRef>
+        </p:style>
+        <p:txBody>
+          <a:bodyPr rtlCol="0" anchor="ctr"/>
+          <a:lstStyle/>
+          <a:p>
+            <a:pPr algn="ctr"/>
+            <a:r>
+              <a:rPr lang="en-US" dirty="0"/>
+              <a:t>LLM</a:t>
+            </a:r>
+          </a:p>
+        </p:txBody>
+      </p:sp>
+      <p:sp>
+        <p:nvSpPr>
+          <p:cNvPr id="12" name="Oval 11">
+            <a:extLst>
+              <a:ext uri="{FF2B5EF4-FFF2-40B4-BE49-F238E27FC236}">
+                <a16:creationId xmlns:a16="http://schemas.microsoft.com/office/drawing/2014/main" id="{E9C6C680-4C6F-DB33-8355-3E2567CC3155}"/>
+              </a:ext>
+            </a:extLst>
+          </p:cNvPr>
+          <p:cNvSpPr/>
+          <p:nvPr/>
+        </p:nvSpPr>
+        <p:spPr>
+          <a:xfrm>
+            <a:off x="2576293" y="5903441"/>
+            <a:ext cx="1022691" cy="452909"/>
+          </a:xfrm>
+          <a:prstGeom prst="ellipse">
+            <a:avLst/>
+          </a:prstGeom>
+        </p:spPr>
+        <p:style>
+          <a:lnRef idx="2">
+            <a:schemeClr val="accent1">
+              <a:shade val="15000"/>
+            </a:schemeClr>
+          </a:lnRef>
+          <a:fillRef idx="1">
+            <a:schemeClr val="accent1"/>
+          </a:fillRef>
+          <a:effectRef idx="0">
+            <a:schemeClr val="accent1"/>
+          </a:effectRef>
+          <a:fontRef idx="minor">
+            <a:schemeClr val="lt1"/>
+          </a:fontRef>
+        </p:style>
+        <p:txBody>
+          <a:bodyPr rtlCol="0" anchor="ctr"/>
+          <a:lstStyle/>
+          <a:p>
+            <a:pPr algn="ctr"/>
+            <a:r>
+              <a:rPr lang="en-US" dirty="0"/>
+              <a:t>Code</a:t>
+            </a:r>
+          </a:p>
+        </p:txBody>
+      </p:sp>
+      <p:cxnSp>
+        <p:nvCxnSpPr>
+          <p:cNvPr id="14" name="Straight Arrow Connector 13">
+            <a:extLst>
+              <a:ext uri="{FF2B5EF4-FFF2-40B4-BE49-F238E27FC236}">
+                <a16:creationId xmlns:a16="http://schemas.microsoft.com/office/drawing/2014/main" id="{A77EBDB4-0994-84BD-F4E1-8FA5647897A2}"/>
+              </a:ext>
+            </a:extLst>
+          </p:cNvPr>
+          <p:cNvCxnSpPr>
+            <a:stCxn id="10" idx="7"/>
+            <a:endCxn id="11" idx="2"/>
+          </p:cNvCxnSpPr>
+          <p:nvPr/>
+        </p:nvCxnSpPr>
+        <p:spPr>
+          <a:xfrm flipV="1">
+            <a:off x="1786957" y="5163581"/>
+            <a:ext cx="863584" cy="276206"/>
+          </a:xfrm>
+          <a:prstGeom prst="straightConnector1">
+            <a:avLst/>
+          </a:prstGeom>
+          <a:ln w="57150">
+            <a:solidFill>
+              <a:schemeClr val="tx1"/>
+            </a:solidFill>
+            <a:headEnd type="triangle" w="med" len="med"/>
+            <a:tailEnd type="triangle" w="med" len="med"/>
+          </a:ln>
+        </p:spPr>
+        <p:style>
+          <a:lnRef idx="1">
+            <a:schemeClr val="accent1"/>
+          </a:lnRef>
+          <a:fillRef idx="0">
+            <a:schemeClr val="accent1"/>
+          </a:fillRef>
+          <a:effectRef idx="0">
+            <a:schemeClr val="accent1"/>
+          </a:effectRef>
+          <a:fontRef idx="minor">
+            <a:schemeClr val="tx1"/>
+          </a:fontRef>
+        </p:style>
+      </p:cxnSp>
+      <p:cxnSp>
+        <p:nvCxnSpPr>
+          <p:cNvPr id="15" name="Straight Arrow Connector 14">
+            <a:extLst>
+              <a:ext uri="{FF2B5EF4-FFF2-40B4-BE49-F238E27FC236}">
+                <a16:creationId xmlns:a16="http://schemas.microsoft.com/office/drawing/2014/main" id="{25C99BB7-16BD-B6FF-817D-3663DB062E7A}"/>
+              </a:ext>
+            </a:extLst>
+          </p:cNvPr>
+          <p:cNvCxnSpPr>
+            <a:cxnSpLocks/>
+            <a:stCxn id="11" idx="4"/>
+            <a:endCxn id="12" idx="0"/>
+          </p:cNvCxnSpPr>
+          <p:nvPr/>
+        </p:nvCxnSpPr>
+        <p:spPr>
+          <a:xfrm flipH="1">
+            <a:off x="3087639" y="5390035"/>
+            <a:ext cx="11310" cy="513406"/>
+          </a:xfrm>
+          <a:prstGeom prst="straightConnector1">
+            <a:avLst/>
+          </a:prstGeom>
+          <a:ln w="57150">
+            <a:solidFill>
+              <a:schemeClr val="tx1"/>
+            </a:solidFill>
+            <a:headEnd type="triangle" w="med" len="med"/>
+            <a:tailEnd type="triangle" w="med" len="med"/>
+          </a:ln>
+        </p:spPr>
+        <p:style>
+          <a:lnRef idx="1">
+            <a:schemeClr val="accent1"/>
+          </a:lnRef>
+          <a:fillRef idx="0">
+            <a:schemeClr val="accent1"/>
+          </a:fillRef>
+          <a:effectRef idx="0">
+            <a:schemeClr val="accent1"/>
+          </a:effectRef>
+          <a:fontRef idx="minor">
+            <a:schemeClr val="tx1"/>
+          </a:fontRef>
+        </p:style>
+      </p:cxnSp>
+      <p:cxnSp>
+        <p:nvCxnSpPr>
+          <p:cNvPr id="18" name="Straight Arrow Connector 17">
+            <a:extLst>
+              <a:ext uri="{FF2B5EF4-FFF2-40B4-BE49-F238E27FC236}">
+                <a16:creationId xmlns:a16="http://schemas.microsoft.com/office/drawing/2014/main" id="{BAA1A66F-65BC-D0D8-54EA-4BFB979A150C}"/>
+              </a:ext>
+            </a:extLst>
+          </p:cNvPr>
+          <p:cNvCxnSpPr>
+            <a:cxnSpLocks/>
+            <a:stCxn id="10" idx="5"/>
+            <a:endCxn id="12" idx="2"/>
+          </p:cNvCxnSpPr>
+          <p:nvPr/>
+        </p:nvCxnSpPr>
+        <p:spPr>
+          <a:xfrm>
+            <a:off x="1786957" y="5760042"/>
+            <a:ext cx="789336" cy="369854"/>
+          </a:xfrm>
+          <a:prstGeom prst="straightConnector1">
+            <a:avLst/>
+          </a:prstGeom>
+          <a:ln w="57150">
+            <a:solidFill>
+              <a:schemeClr val="tx1"/>
+            </a:solidFill>
+            <a:headEnd type="triangle" w="med" len="med"/>
+            <a:tailEnd type="triangle" w="med" len="med"/>
+          </a:ln>
+        </p:spPr>
+        <p:style>
+          <a:lnRef idx="1">
+            <a:schemeClr val="accent1"/>
+          </a:lnRef>
+          <a:fillRef idx="0">
+            <a:schemeClr val="accent1"/>
+          </a:fillRef>
+          <a:effectRef idx="0">
+            <a:schemeClr val="accent1"/>
+          </a:effectRef>
+          <a:fontRef idx="minor">
+            <a:schemeClr val="tx1"/>
+          </a:fontRef>
+        </p:style>
+      </p:cxnSp>
+      <p:sp>
+        <p:nvSpPr>
+          <p:cNvPr id="21" name="TextBox 20">
+            <a:extLst>
+              <a:ext uri="{FF2B5EF4-FFF2-40B4-BE49-F238E27FC236}">
+                <a16:creationId xmlns:a16="http://schemas.microsoft.com/office/drawing/2014/main" id="{56203311-D8E1-F0B4-1FEF-C3C2AA16B4CD}"/>
+              </a:ext>
+            </a:extLst>
+          </p:cNvPr>
+          <p:cNvSpPr txBox="1"/>
+          <p:nvPr/>
+        </p:nvSpPr>
+        <p:spPr>
+          <a:xfrm>
+            <a:off x="3820321" y="5324478"/>
+            <a:ext cx="1014188" cy="646331"/>
+          </a:xfrm>
+          <a:prstGeom prst="rect">
+            <a:avLst/>
+          </a:prstGeom>
+          <a:noFill/>
+        </p:spPr>
+        <p:txBody>
+          <a:bodyPr wrap="none" rtlCol="0">
+            <a:spAutoFit/>
+          </a:bodyPr>
+          <a:lstStyle/>
+          <a:p>
+            <a:r>
+              <a:rPr lang="en-US" dirty="0"/>
+              <a:t>3-Agents</a:t>
+            </a:r>
+          </a:p>
+          <a:p>
+            <a:r>
+              <a:rPr lang="en-US" dirty="0"/>
+              <a:t>System</a:t>
+            </a:r>
+          </a:p>
+        </p:txBody>
+      </p:sp>
+      <p:sp>
+        <p:nvSpPr>
+          <p:cNvPr id="28" name="Oval 27">
+            <a:extLst>
+              <a:ext uri="{FF2B5EF4-FFF2-40B4-BE49-F238E27FC236}">
+                <a16:creationId xmlns:a16="http://schemas.microsoft.com/office/drawing/2014/main" id="{00D02225-B1F8-C389-7C70-268ADC78F6DB}"/>
+              </a:ext>
+            </a:extLst>
+          </p:cNvPr>
+          <p:cNvSpPr/>
+          <p:nvPr/>
+        </p:nvSpPr>
+        <p:spPr>
+          <a:xfrm>
+            <a:off x="6542873" y="4517475"/>
+            <a:ext cx="926123" cy="452909"/>
+          </a:xfrm>
+          <a:prstGeom prst="ellipse">
+            <a:avLst/>
+          </a:prstGeom>
+          <a:solidFill>
+            <a:schemeClr val="accent4"/>
+          </a:solidFill>
+        </p:spPr>
+        <p:style>
+          <a:lnRef idx="2">
+            <a:schemeClr val="accent1">
+              <a:shade val="15000"/>
+            </a:schemeClr>
+          </a:lnRef>
+          <a:fillRef idx="1">
+            <a:schemeClr val="accent1"/>
+          </a:fillRef>
+          <a:effectRef idx="0">
+            <a:schemeClr val="accent1"/>
+          </a:effectRef>
+          <a:fontRef idx="minor">
+            <a:schemeClr val="lt1"/>
+          </a:fontRef>
+        </p:style>
+        <p:txBody>
+          <a:bodyPr rtlCol="0" anchor="ctr"/>
+          <a:lstStyle/>
+          <a:p>
+            <a:pPr algn="ctr"/>
+            <a:r>
+              <a:rPr lang="en-US" dirty="0">
+                <a:solidFill>
+                  <a:schemeClr val="tx1"/>
+                </a:solidFill>
+              </a:rPr>
+              <a:t>User</a:t>
+            </a:r>
+          </a:p>
+        </p:txBody>
+      </p:sp>
+      <p:sp>
+        <p:nvSpPr>
+          <p:cNvPr id="29" name="Oval 28">
+            <a:extLst>
+              <a:ext uri="{FF2B5EF4-FFF2-40B4-BE49-F238E27FC236}">
+                <a16:creationId xmlns:a16="http://schemas.microsoft.com/office/drawing/2014/main" id="{F5374BF1-8D40-9753-B129-F522B01A8736}"/>
+              </a:ext>
+            </a:extLst>
+          </p:cNvPr>
+          <p:cNvSpPr/>
+          <p:nvPr/>
+        </p:nvSpPr>
+        <p:spPr>
+          <a:xfrm>
+            <a:off x="8143072" y="4013383"/>
+            <a:ext cx="896815" cy="452909"/>
+          </a:xfrm>
+          <a:prstGeom prst="ellipse">
+            <a:avLst/>
+          </a:prstGeom>
+          <a:solidFill>
+            <a:schemeClr val="accent6"/>
+          </a:solidFill>
+        </p:spPr>
+        <p:style>
+          <a:lnRef idx="2">
+            <a:schemeClr val="accent1">
+              <a:shade val="15000"/>
+            </a:schemeClr>
+          </a:lnRef>
+          <a:fillRef idx="1">
+            <a:schemeClr val="accent1"/>
+          </a:fillRef>
+          <a:effectRef idx="0">
+            <a:schemeClr val="accent1"/>
+          </a:effectRef>
+          <a:fontRef idx="minor">
+            <a:schemeClr val="lt1"/>
+          </a:fontRef>
+        </p:style>
+        <p:txBody>
+          <a:bodyPr rtlCol="0" anchor="ctr"/>
+          <a:lstStyle/>
+          <a:p>
+            <a:pPr algn="ctr"/>
+            <a:r>
+              <a:rPr lang="en-US" dirty="0"/>
+              <a:t>LLM</a:t>
+            </a:r>
+          </a:p>
+        </p:txBody>
+      </p:sp>
+      <p:sp>
+        <p:nvSpPr>
+          <p:cNvPr id="30" name="Oval 29">
+            <a:extLst>
+              <a:ext uri="{FF2B5EF4-FFF2-40B4-BE49-F238E27FC236}">
+                <a16:creationId xmlns:a16="http://schemas.microsoft.com/office/drawing/2014/main" id="{73E1A4FE-04EE-BF4B-FDA0-16B118390893}"/>
+              </a:ext>
+            </a:extLst>
+          </p:cNvPr>
+          <p:cNvSpPr/>
+          <p:nvPr/>
+        </p:nvSpPr>
+        <p:spPr>
+          <a:xfrm>
+            <a:off x="8124240" y="4983162"/>
+            <a:ext cx="1022691" cy="452909"/>
+          </a:xfrm>
+          <a:prstGeom prst="ellipse">
+            <a:avLst/>
+          </a:prstGeom>
+        </p:spPr>
+        <p:style>
+          <a:lnRef idx="2">
+            <a:schemeClr val="accent1">
+              <a:shade val="15000"/>
+            </a:schemeClr>
+          </a:lnRef>
+          <a:fillRef idx="1">
+            <a:schemeClr val="accent1"/>
+          </a:fillRef>
+          <a:effectRef idx="0">
+            <a:schemeClr val="accent1"/>
+          </a:effectRef>
+          <a:fontRef idx="minor">
+            <a:schemeClr val="lt1"/>
+          </a:fontRef>
+        </p:style>
+        <p:txBody>
+          <a:bodyPr rtlCol="0" anchor="ctr"/>
+          <a:lstStyle/>
+          <a:p>
+            <a:pPr algn="ctr"/>
+            <a:r>
+              <a:rPr lang="en-US" dirty="0"/>
+              <a:t>Code</a:t>
+            </a:r>
+          </a:p>
+        </p:txBody>
+      </p:sp>
+      <p:cxnSp>
+        <p:nvCxnSpPr>
+          <p:cNvPr id="31" name="Straight Arrow Connector 30">
+            <a:extLst>
+              <a:ext uri="{FF2B5EF4-FFF2-40B4-BE49-F238E27FC236}">
+                <a16:creationId xmlns:a16="http://schemas.microsoft.com/office/drawing/2014/main" id="{1284369C-C052-0420-600F-BD42C6C39FC0}"/>
+              </a:ext>
+            </a:extLst>
+          </p:cNvPr>
+          <p:cNvCxnSpPr>
+            <a:stCxn id="28" idx="7"/>
+            <a:endCxn id="29" idx="2"/>
+          </p:cNvCxnSpPr>
+          <p:nvPr/>
+        </p:nvCxnSpPr>
+        <p:spPr>
+          <a:xfrm flipV="1">
+            <a:off x="7333368" y="4239838"/>
+            <a:ext cx="809704" cy="343964"/>
+          </a:xfrm>
+          <a:prstGeom prst="straightConnector1">
+            <a:avLst/>
+          </a:prstGeom>
+          <a:ln w="57150">
+            <a:solidFill>
+              <a:schemeClr val="tx1"/>
+            </a:solidFill>
+            <a:headEnd type="triangle" w="med" len="med"/>
+            <a:tailEnd type="triangle" w="med" len="med"/>
+          </a:ln>
+        </p:spPr>
+        <p:style>
+          <a:lnRef idx="1">
+            <a:schemeClr val="accent1"/>
+          </a:lnRef>
+          <a:fillRef idx="0">
+            <a:schemeClr val="accent1"/>
+          </a:fillRef>
+          <a:effectRef idx="0">
+            <a:schemeClr val="accent1"/>
+          </a:effectRef>
+          <a:fontRef idx="minor">
+            <a:schemeClr val="tx1"/>
+          </a:fontRef>
+        </p:style>
+      </p:cxnSp>
+      <p:cxnSp>
+        <p:nvCxnSpPr>
+          <p:cNvPr id="32" name="Straight Arrow Connector 31">
+            <a:extLst>
+              <a:ext uri="{FF2B5EF4-FFF2-40B4-BE49-F238E27FC236}">
+                <a16:creationId xmlns:a16="http://schemas.microsoft.com/office/drawing/2014/main" id="{BB66C459-3174-A6AA-1887-ACE42F922464}"/>
+              </a:ext>
+            </a:extLst>
+          </p:cNvPr>
+          <p:cNvCxnSpPr>
+            <a:cxnSpLocks/>
+            <a:stCxn id="29" idx="4"/>
+            <a:endCxn id="30" idx="0"/>
+          </p:cNvCxnSpPr>
+          <p:nvPr/>
+        </p:nvCxnSpPr>
+        <p:spPr>
+          <a:xfrm>
+            <a:off x="8591480" y="4466292"/>
+            <a:ext cx="44106" cy="516870"/>
+          </a:xfrm>
+          <a:prstGeom prst="straightConnector1">
+            <a:avLst/>
+          </a:prstGeom>
+          <a:ln w="57150">
+            <a:solidFill>
+              <a:schemeClr val="tx1"/>
+            </a:solidFill>
+            <a:headEnd type="triangle" w="med" len="med"/>
+            <a:tailEnd type="triangle" w="med" len="med"/>
+          </a:ln>
+        </p:spPr>
+        <p:style>
+          <a:lnRef idx="1">
+            <a:schemeClr val="accent1"/>
+          </a:lnRef>
+          <a:fillRef idx="0">
+            <a:schemeClr val="accent1"/>
+          </a:fillRef>
+          <a:effectRef idx="0">
+            <a:schemeClr val="accent1"/>
+          </a:effectRef>
+          <a:fontRef idx="minor">
+            <a:schemeClr val="tx1"/>
+          </a:fontRef>
+        </p:style>
+      </p:cxnSp>
+      <p:cxnSp>
+        <p:nvCxnSpPr>
+          <p:cNvPr id="33" name="Straight Arrow Connector 32">
+            <a:extLst>
+              <a:ext uri="{FF2B5EF4-FFF2-40B4-BE49-F238E27FC236}">
+                <a16:creationId xmlns:a16="http://schemas.microsoft.com/office/drawing/2014/main" id="{FBF29ACE-E0C2-7E79-8C0B-DB5FE8FE6D3C}"/>
+              </a:ext>
+            </a:extLst>
+          </p:cNvPr>
+          <p:cNvCxnSpPr>
+            <a:cxnSpLocks/>
+            <a:stCxn id="28" idx="6"/>
+            <a:endCxn id="30" idx="2"/>
+          </p:cNvCxnSpPr>
+          <p:nvPr/>
+        </p:nvCxnSpPr>
+        <p:spPr>
+          <a:xfrm>
+            <a:off x="7468996" y="4743930"/>
+            <a:ext cx="655244" cy="465687"/>
+          </a:xfrm>
+          <a:prstGeom prst="straightConnector1">
+            <a:avLst/>
+          </a:prstGeom>
+          <a:ln w="57150">
+            <a:solidFill>
+              <a:schemeClr val="tx1"/>
+            </a:solidFill>
+            <a:headEnd type="triangle" w="med" len="med"/>
+            <a:tailEnd type="triangle" w="med" len="med"/>
+          </a:ln>
+        </p:spPr>
+        <p:style>
+          <a:lnRef idx="1">
+            <a:schemeClr val="accent1"/>
+          </a:lnRef>
+          <a:fillRef idx="0">
+            <a:schemeClr val="accent1"/>
+          </a:fillRef>
+          <a:effectRef idx="0">
+            <a:schemeClr val="accent1"/>
+          </a:effectRef>
+          <a:fontRef idx="minor">
+            <a:schemeClr val="tx1"/>
+          </a:fontRef>
+        </p:style>
+      </p:cxnSp>
+      <p:sp>
+        <p:nvSpPr>
+          <p:cNvPr id="34" name="Oval 33">
+            <a:extLst>
+              <a:ext uri="{FF2B5EF4-FFF2-40B4-BE49-F238E27FC236}">
+                <a16:creationId xmlns:a16="http://schemas.microsoft.com/office/drawing/2014/main" id="{BB02D8DD-3B4F-7222-A467-577585A52FA9}"/>
+              </a:ext>
+            </a:extLst>
+          </p:cNvPr>
+          <p:cNvSpPr/>
+          <p:nvPr/>
+        </p:nvSpPr>
+        <p:spPr>
+          <a:xfrm>
+            <a:off x="9607209" y="4028917"/>
+            <a:ext cx="1022691" cy="452909"/>
+          </a:xfrm>
+          <a:prstGeom prst="ellipse">
+            <a:avLst/>
+          </a:prstGeom>
+          <a:solidFill>
+            <a:schemeClr val="accent2"/>
+          </a:solidFill>
+        </p:spPr>
+        <p:style>
+          <a:lnRef idx="2">
+            <a:schemeClr val="accent1">
+              <a:shade val="15000"/>
+            </a:schemeClr>
+          </a:lnRef>
+          <a:fillRef idx="1">
+            <a:schemeClr val="accent1"/>
+          </a:fillRef>
+          <a:effectRef idx="0">
+            <a:schemeClr val="accent1"/>
+          </a:effectRef>
+          <a:fontRef idx="minor">
+            <a:schemeClr val="lt1"/>
+          </a:fontRef>
+        </p:style>
+        <p:txBody>
+          <a:bodyPr rtlCol="0" anchor="ctr"/>
+          <a:lstStyle/>
+          <a:p>
+            <a:pPr algn="ctr"/>
+            <a:r>
+              <a:rPr lang="en-US" dirty="0"/>
+              <a:t>API</a:t>
+            </a:r>
+          </a:p>
+        </p:txBody>
+      </p:sp>
+      <p:sp>
+        <p:nvSpPr>
+          <p:cNvPr id="37" name="Oval 36">
+            <a:extLst>
+              <a:ext uri="{FF2B5EF4-FFF2-40B4-BE49-F238E27FC236}">
+                <a16:creationId xmlns:a16="http://schemas.microsoft.com/office/drawing/2014/main" id="{3E59F7F0-B5E8-46DA-0FC1-FFCF98B5D166}"/>
+              </a:ext>
+            </a:extLst>
+          </p:cNvPr>
+          <p:cNvSpPr/>
+          <p:nvPr/>
+        </p:nvSpPr>
+        <p:spPr>
+          <a:xfrm>
+            <a:off x="9473647" y="4976852"/>
+            <a:ext cx="1022691" cy="452909"/>
+          </a:xfrm>
+          <a:prstGeom prst="ellipse">
+            <a:avLst/>
+          </a:prstGeom>
+          <a:solidFill>
+            <a:schemeClr val="accent2"/>
+          </a:solidFill>
+        </p:spPr>
+        <p:style>
+          <a:lnRef idx="2">
+            <a:schemeClr val="accent1">
+              <a:shade val="15000"/>
+            </a:schemeClr>
+          </a:lnRef>
+          <a:fillRef idx="1">
+            <a:schemeClr val="accent1"/>
+          </a:fillRef>
+          <a:effectRef idx="0">
+            <a:schemeClr val="accent1"/>
+          </a:effectRef>
+          <a:fontRef idx="minor">
+            <a:schemeClr val="lt1"/>
+          </a:fontRef>
+        </p:style>
+        <p:txBody>
+          <a:bodyPr rtlCol="0" anchor="ctr"/>
+          <a:lstStyle/>
+          <a:p>
+            <a:pPr algn="ctr"/>
+            <a:r>
+              <a:rPr lang="en-US" dirty="0"/>
+              <a:t>DB</a:t>
+            </a:r>
+          </a:p>
+        </p:txBody>
+      </p:sp>
+      <p:cxnSp>
+        <p:nvCxnSpPr>
+          <p:cNvPr id="38" name="Straight Arrow Connector 37">
+            <a:extLst>
+              <a:ext uri="{FF2B5EF4-FFF2-40B4-BE49-F238E27FC236}">
+                <a16:creationId xmlns:a16="http://schemas.microsoft.com/office/drawing/2014/main" id="{525CA271-2831-4D57-AA54-DD0083CB678C}"/>
+              </a:ext>
+            </a:extLst>
+          </p:cNvPr>
+          <p:cNvCxnSpPr>
+            <a:cxnSpLocks/>
+            <a:stCxn id="29" idx="6"/>
+            <a:endCxn id="34" idx="2"/>
+          </p:cNvCxnSpPr>
+          <p:nvPr/>
+        </p:nvCxnSpPr>
+        <p:spPr>
+          <a:xfrm>
+            <a:off x="9039887" y="4239838"/>
+            <a:ext cx="567322" cy="15534"/>
+          </a:xfrm>
+          <a:prstGeom prst="straightConnector1">
+            <a:avLst/>
+          </a:prstGeom>
+          <a:ln w="57150">
+            <a:solidFill>
+              <a:schemeClr val="tx1"/>
+            </a:solidFill>
+            <a:headEnd type="triangle" w="med" len="med"/>
+            <a:tailEnd type="triangle" w="med" len="med"/>
+          </a:ln>
+        </p:spPr>
+        <p:style>
+          <a:lnRef idx="1">
+            <a:schemeClr val="accent1"/>
+          </a:lnRef>
+          <a:fillRef idx="0">
+            <a:schemeClr val="accent1"/>
+          </a:fillRef>
+          <a:effectRef idx="0">
+            <a:schemeClr val="accent1"/>
+          </a:effectRef>
+          <a:fontRef idx="minor">
+            <a:schemeClr val="tx1"/>
+          </a:fontRef>
+        </p:style>
+      </p:cxnSp>
+      <p:cxnSp>
+        <p:nvCxnSpPr>
+          <p:cNvPr id="41" name="Straight Arrow Connector 40">
+            <a:extLst>
+              <a:ext uri="{FF2B5EF4-FFF2-40B4-BE49-F238E27FC236}">
+                <a16:creationId xmlns:a16="http://schemas.microsoft.com/office/drawing/2014/main" id="{14B4124C-2FA8-4172-3AAE-9C02867565AB}"/>
+              </a:ext>
+            </a:extLst>
+          </p:cNvPr>
+          <p:cNvCxnSpPr>
+            <a:cxnSpLocks/>
+            <a:stCxn id="29" idx="5"/>
+            <a:endCxn id="37" idx="1"/>
+          </p:cNvCxnSpPr>
+          <p:nvPr/>
+        </p:nvCxnSpPr>
+        <p:spPr>
+          <a:xfrm>
+            <a:off x="8908551" y="4399965"/>
+            <a:ext cx="714866" cy="643214"/>
+          </a:xfrm>
+          <a:prstGeom prst="straightConnector1">
+            <a:avLst/>
+          </a:prstGeom>
+          <a:ln w="57150">
+            <a:solidFill>
+              <a:schemeClr val="tx1"/>
+            </a:solidFill>
+            <a:headEnd type="triangle" w="med" len="med"/>
+            <a:tailEnd type="triangle" w="med" len="med"/>
+          </a:ln>
+        </p:spPr>
+        <p:style>
+          <a:lnRef idx="1">
+            <a:schemeClr val="accent1"/>
+          </a:lnRef>
+          <a:fillRef idx="0">
+            <a:schemeClr val="accent1"/>
+          </a:fillRef>
+          <a:effectRef idx="0">
+            <a:schemeClr val="accent1"/>
+          </a:effectRef>
+          <a:fontRef idx="minor">
+            <a:schemeClr val="tx1"/>
+          </a:fontRef>
+        </p:style>
+      </p:cxnSp>
+    </p:spTree>
+    <p:extLst>
+      <p:ext uri="{BB962C8B-B14F-4D97-AF65-F5344CB8AC3E}">
+        <p14:creationId xmlns:p14="http://schemas.microsoft.com/office/powerpoint/2010/main" val="1378764590"/>
+      </p:ext>
+    </p:extLst>
+  </p:cSld>
+  <p:clrMapOvr>
+    <a:masterClrMapping/>
+  </p:clrMapOvr>
+</p:sld>
+</file>
+
+<file path=ppt/slides/slide31.xml><?xml version="1.0" encoding="utf-8"?>
+<p:sld xmlns:a="http://schemas.openxmlformats.org/drawingml/2006/main" xmlns:r="http://schemas.openxmlformats.org/officeDocument/2006/relationships" xmlns:p="http://schemas.openxmlformats.org/presentationml/2006/main">
+  <p:cSld>
+    <p:spTree>
+      <p:nvGrpSpPr>
+        <p:cNvPr id="1" name=""/>
+        <p:cNvGrpSpPr/>
+        <p:nvPr/>
+      </p:nvGrpSpPr>
+      <p:grpSpPr>
+        <a:xfrm>
+          <a:off x="0" y="0"/>
+          <a:ext cx="0" cy="0"/>
+          <a:chOff x="0" y="0"/>
+          <a:chExt cx="0" cy="0"/>
+        </a:xfrm>
+      </p:grpSpPr>
+      <p:sp>
+        <p:nvSpPr>
+          <p:cNvPr id="2" name="Title 1">
+            <a:extLst>
+              <a:ext uri="{FF2B5EF4-FFF2-40B4-BE49-F238E27FC236}">
+                <a16:creationId xmlns:a16="http://schemas.microsoft.com/office/drawing/2014/main" id="{F0DBB264-A557-96D9-1A11-E9F49FF31D9D}"/>
+              </a:ext>
+            </a:extLst>
+          </p:cNvPr>
+          <p:cNvSpPr>
+            <a:spLocks noGrp="1"/>
+          </p:cNvSpPr>
+          <p:nvPr>
+            <p:ph type="title"/>
+          </p:nvPr>
+        </p:nvSpPr>
+        <p:spPr/>
+        <p:txBody>
+          <a:bodyPr>
+            <a:normAutofit fontScale="90000"/>
+          </a:bodyPr>
+          <a:lstStyle/>
+          <a:p>
+            <a:r>
+              <a:rPr lang="en-US" dirty="0"/>
+              <a:t>Helpdesk Chatbot</a:t>
             </a:r>
           </a:p>
         </p:txBody>
@@ -24596,7 +27375,7 @@
           <p:cNvPr id="3" name="Content Placeholder 2">
             <a:extLst>
               <a:ext uri="{FF2B5EF4-FFF2-40B4-BE49-F238E27FC236}">
-                <a16:creationId xmlns:a16="http://schemas.microsoft.com/office/drawing/2014/main" id="{12107F9B-9F1C-EC42-AD57-B1CCEA1567D5}"/>
+                <a16:creationId xmlns:a16="http://schemas.microsoft.com/office/drawing/2014/main" id="{8799179C-7BE0-B668-A477-1EAF28624B06}"/>
               </a:ext>
             </a:extLst>
           </p:cNvPr>
@@ -24609,19 +27388,45 @@
         </p:nvSpPr>
         <p:spPr>
           <a:xfrm>
-            <a:off x="540598" y="6263351"/>
-            <a:ext cx="10515600" cy="365125"/>
+            <a:off x="671945" y="4305561"/>
+            <a:ext cx="10515600" cy="1562685"/>
           </a:xfrm>
         </p:spPr>
         <p:txBody>
           <a:bodyPr>
-            <a:normAutofit fontScale="85000" lnSpcReduction="20000"/>
+            <a:normAutofit fontScale="70000" lnSpcReduction="20000"/>
           </a:bodyPr>
           <a:lstStyle/>
           <a:p>
             <a:r>
               <a:rPr lang="en-US" dirty="0"/>
-              <a:t>Architecture</a:t>
+              <a:t>Similarity can tell you if other questions needed a query executed to get the right results</a:t>
+            </a:r>
+          </a:p>
+          <a:p>
+            <a:r>
+              <a:rPr lang="en-US" dirty="0"/>
+              <a:t>The system must understand context (who you are and your context)</a:t>
+            </a:r>
+          </a:p>
+          <a:p>
+            <a:r>
+              <a:rPr lang="en-US" dirty="0"/>
+              <a:t>Example:</a:t>
+            </a:r>
+          </a:p>
+          <a:p>
+            <a:pPr lvl="1"/>
+            <a:r>
+              <a:rPr lang="en-US" dirty="0"/>
+              <a:t>Docker problems on a PC – average of over 2 hours to fix</a:t>
+            </a:r>
+          </a:p>
+          <a:p>
+            <a:pPr lvl="1"/>
+            <a:r>
+              <a:rPr lang="en-US" dirty="0"/>
+              <a:t>Docker problems on the Mac – average less than 20 minutes to fix</a:t>
             </a:r>
           </a:p>
         </p:txBody>
@@ -24631,7 +27436,7 @@
           <p:cNvPr id="4" name="Slide Number Placeholder 3">
             <a:extLst>
               <a:ext uri="{FF2B5EF4-FFF2-40B4-BE49-F238E27FC236}">
-                <a16:creationId xmlns:a16="http://schemas.microsoft.com/office/drawing/2014/main" id="{A7AC4DF9-4599-2406-66CC-D42A7EC3CEE9}"/>
+                <a16:creationId xmlns:a16="http://schemas.microsoft.com/office/drawing/2014/main" id="{BECC01DD-D8EC-858E-FBD0-9C231ACA53DC}"/>
               </a:ext>
             </a:extLst>
           </p:cNvPr>
@@ -24649,7 +27454,230 @@
           <a:p>
             <a:fld id="{E4E17628-BB69-494D-BA8C-C14032583637}" type="slidenum">
               <a:rPr lang="en-US" smtClean="0"/>
-              <a:t>30</a:t>
+              <a:t>31</a:t>
+            </a:fld>
+            <a:endParaRPr lang="en-US"/>
+          </a:p>
+        </p:txBody>
+      </p:sp>
+      <p:pic>
+        <p:nvPicPr>
+          <p:cNvPr id="6146" name="Picture 2">
+            <a:extLst>
+              <a:ext uri="{FF2B5EF4-FFF2-40B4-BE49-F238E27FC236}">
+                <a16:creationId xmlns:a16="http://schemas.microsoft.com/office/drawing/2014/main" id="{DD5C211A-D88F-CA94-960F-1FC38C2CA4C4}"/>
+              </a:ext>
+            </a:extLst>
+          </p:cNvPr>
+          <p:cNvPicPr>
+            <a:picLocks noChangeAspect="1" noChangeArrowheads="1"/>
+          </p:cNvPicPr>
+          <p:nvPr/>
+        </p:nvPicPr>
+        <p:blipFill>
+          <a:blip r:embed="rId2">
+            <a:extLst>
+              <a:ext uri="{28A0092B-C50C-407E-A947-70E740481C1C}">
+                <a14:useLocalDpi xmlns:a14="http://schemas.microsoft.com/office/drawing/2010/main"/>
+              </a:ext>
+            </a:extLst>
+          </a:blip>
+          <a:srcRect/>
+          <a:stretch>
+            <a:fillRect/>
+          </a:stretch>
+        </p:blipFill>
+        <p:spPr bwMode="auto">
+          <a:xfrm>
+            <a:off x="1484745" y="1763368"/>
+            <a:ext cx="8890000" cy="1866900"/>
+          </a:xfrm>
+          <a:prstGeom prst="rect">
+            <a:avLst/>
+          </a:prstGeom>
+          <a:noFill/>
+          <a:extLst>
+            <a:ext uri="{909E8E84-426E-40DD-AFC4-6F175D3DCCD1}">
+              <a14:hiddenFill xmlns:a14="http://schemas.microsoft.com/office/drawing/2010/main">
+                <a:solidFill>
+                  <a:srgbClr val="FFFFFF"/>
+                </a:solidFill>
+              </a14:hiddenFill>
+            </a:ext>
+          </a:extLst>
+        </p:spPr>
+      </p:pic>
+      <p:sp>
+        <p:nvSpPr>
+          <p:cNvPr id="5" name="Rectangle 4">
+            <a:extLst>
+              <a:ext uri="{FF2B5EF4-FFF2-40B4-BE49-F238E27FC236}">
+                <a16:creationId xmlns:a16="http://schemas.microsoft.com/office/drawing/2014/main" id="{6604158F-E44B-0CDF-CEB9-CBBDAFF4098E}"/>
+              </a:ext>
+            </a:extLst>
+          </p:cNvPr>
+          <p:cNvSpPr/>
+          <p:nvPr/>
+        </p:nvSpPr>
+        <p:spPr>
+          <a:xfrm>
+            <a:off x="3852148" y="3361911"/>
+            <a:ext cx="901148" cy="268357"/>
+          </a:xfrm>
+          <a:prstGeom prst="rect">
+            <a:avLst/>
+          </a:prstGeom>
+          <a:solidFill>
+            <a:schemeClr val="bg1"/>
+          </a:solidFill>
+          <a:ln>
+            <a:noFill/>
+          </a:ln>
+        </p:spPr>
+        <p:style>
+          <a:lnRef idx="2">
+            <a:schemeClr val="accent1">
+              <a:shade val="15000"/>
+            </a:schemeClr>
+          </a:lnRef>
+          <a:fillRef idx="1">
+            <a:schemeClr val="accent1"/>
+          </a:fillRef>
+          <a:effectRef idx="0">
+            <a:schemeClr val="accent1"/>
+          </a:effectRef>
+          <a:fontRef idx="minor">
+            <a:schemeClr val="lt1"/>
+          </a:fontRef>
+        </p:style>
+        <p:txBody>
+          <a:bodyPr rtlCol="0" anchor="ctr"/>
+          <a:lstStyle/>
+          <a:p>
+            <a:pPr algn="ctr"/>
+            <a:endParaRPr lang="en-US"/>
+          </a:p>
+        </p:txBody>
+      </p:sp>
+    </p:spTree>
+    <p:extLst>
+      <p:ext uri="{BB962C8B-B14F-4D97-AF65-F5344CB8AC3E}">
+        <p14:creationId xmlns:p14="http://schemas.microsoft.com/office/powerpoint/2010/main" val="938760090"/>
+      </p:ext>
+    </p:extLst>
+  </p:cSld>
+  <p:clrMapOvr>
+    <a:masterClrMapping/>
+  </p:clrMapOvr>
+</p:sld>
+</file>
+
+<file path=ppt/slides/slide32.xml><?xml version="1.0" encoding="utf-8"?>
+<p:sld xmlns:a="http://schemas.openxmlformats.org/drawingml/2006/main" xmlns:r="http://schemas.openxmlformats.org/officeDocument/2006/relationships" xmlns:p="http://schemas.openxmlformats.org/presentationml/2006/main">
+  <p:cSld>
+    <p:spTree>
+      <p:nvGrpSpPr>
+        <p:cNvPr id="1" name=""/>
+        <p:cNvGrpSpPr/>
+        <p:nvPr/>
+      </p:nvGrpSpPr>
+      <p:grpSpPr>
+        <a:xfrm>
+          <a:off x="0" y="0"/>
+          <a:ext cx="0" cy="0"/>
+          <a:chOff x="0" y="0"/>
+          <a:chExt cx="0" cy="0"/>
+        </a:xfrm>
+      </p:grpSpPr>
+      <p:sp>
+        <p:nvSpPr>
+          <p:cNvPr id="2" name="Title 1">
+            <a:extLst>
+              <a:ext uri="{FF2B5EF4-FFF2-40B4-BE49-F238E27FC236}">
+                <a16:creationId xmlns:a16="http://schemas.microsoft.com/office/drawing/2014/main" id="{09B8F871-0660-53D6-543E-0579CBDFDBF7}"/>
+              </a:ext>
+            </a:extLst>
+          </p:cNvPr>
+          <p:cNvSpPr>
+            <a:spLocks noGrp="1"/>
+          </p:cNvSpPr>
+          <p:nvPr>
+            <p:ph type="title"/>
+          </p:nvPr>
+        </p:nvSpPr>
+        <p:spPr/>
+        <p:txBody>
+          <a:bodyPr>
+            <a:normAutofit/>
+          </a:bodyPr>
+          <a:lstStyle/>
+          <a:p>
+            <a:r>
+              <a:rPr lang="en-US" sz="3200" dirty="0"/>
+              <a:t>Towards a Loosely Coupled Architecture</a:t>
+            </a:r>
+          </a:p>
+        </p:txBody>
+      </p:sp>
+      <p:sp>
+        <p:nvSpPr>
+          <p:cNvPr id="3" name="Content Placeholder 2">
+            <a:extLst>
+              <a:ext uri="{FF2B5EF4-FFF2-40B4-BE49-F238E27FC236}">
+                <a16:creationId xmlns:a16="http://schemas.microsoft.com/office/drawing/2014/main" id="{12107F9B-9F1C-EC42-AD57-B1CCEA1567D5}"/>
+              </a:ext>
+            </a:extLst>
+          </p:cNvPr>
+          <p:cNvSpPr>
+            <a:spLocks noGrp="1"/>
+          </p:cNvSpPr>
+          <p:nvPr>
+            <p:ph idx="1"/>
+          </p:nvPr>
+        </p:nvSpPr>
+        <p:spPr>
+          <a:xfrm>
+            <a:off x="540598" y="6263351"/>
+            <a:ext cx="10515600" cy="365125"/>
+          </a:xfrm>
+        </p:spPr>
+        <p:txBody>
+          <a:bodyPr>
+            <a:normAutofit fontScale="85000" lnSpcReduction="20000"/>
+          </a:bodyPr>
+          <a:lstStyle/>
+          <a:p>
+            <a:r>
+              <a:rPr lang="en-US" dirty="0"/>
+              <a:t>Architecture</a:t>
+            </a:r>
+          </a:p>
+        </p:txBody>
+      </p:sp>
+      <p:sp>
+        <p:nvSpPr>
+          <p:cNvPr id="4" name="Slide Number Placeholder 3">
+            <a:extLst>
+              <a:ext uri="{FF2B5EF4-FFF2-40B4-BE49-F238E27FC236}">
+                <a16:creationId xmlns:a16="http://schemas.microsoft.com/office/drawing/2014/main" id="{A7AC4DF9-4599-2406-66CC-D42A7EC3CEE9}"/>
+              </a:ext>
+            </a:extLst>
+          </p:cNvPr>
+          <p:cNvSpPr>
+            <a:spLocks noGrp="1"/>
+          </p:cNvSpPr>
+          <p:nvPr>
+            <p:ph type="sldNum" sz="quarter" idx="12"/>
+          </p:nvPr>
+        </p:nvSpPr>
+        <p:spPr/>
+        <p:txBody>
+          <a:bodyPr/>
+          <a:lstStyle/>
+          <a:p>
+            <a:fld id="{E4E17628-BB69-494D-BA8C-C14032583637}" type="slidenum">
+              <a:rPr lang="en-US" smtClean="0"/>
+              <a:t>32</a:t>
             </a:fld>
             <a:endParaRPr lang="en-US"/>
           </a:p>
@@ -26709,7 +29737,7 @@
 </p:sld>
 </file>
 
-<file path=ppt/slides/slide31.xml><?xml version="1.0" encoding="utf-8"?>
+<file path=ppt/slides/slide33.xml><?xml version="1.0" encoding="utf-8"?>
 <p:sld xmlns:a="http://schemas.openxmlformats.org/drawingml/2006/main" xmlns:r="http://schemas.openxmlformats.org/officeDocument/2006/relationships" xmlns:p="http://schemas.openxmlformats.org/presentationml/2006/main">
   <p:cSld>
     <p:spTree>
@@ -26831,7 +29859,7 @@
           <a:p>
             <a:fld id="{E4E17628-BB69-494D-BA8C-C14032583637}" type="slidenum">
               <a:rPr lang="en-US" smtClean="0"/>
-              <a:t>31</a:t>
+              <a:t>33</a:t>
             </a:fld>
             <a:endParaRPr lang="en-US"/>
           </a:p>
@@ -27063,7 +30091,7 @@
 </p:sld>
 </file>
 
-<file path=ppt/slides/slide32.xml><?xml version="1.0" encoding="utf-8"?>
+<file path=ppt/slides/slide34.xml><?xml version="1.0" encoding="utf-8"?>
 <p:sld xmlns:a="http://schemas.openxmlformats.org/drawingml/2006/main" xmlns:r="http://schemas.openxmlformats.org/officeDocument/2006/relationships" xmlns:p="http://schemas.openxmlformats.org/presentationml/2006/main">
   <p:cSld>
     <p:spTree>
@@ -27227,7 +30255,7 @@
           <a:p>
             <a:fld id="{E4E17628-BB69-494D-BA8C-C14032583637}" type="slidenum">
               <a:rPr lang="en-US" smtClean="0"/>
-              <a:t>32</a:t>
+              <a:t>34</a:t>
             </a:fld>
             <a:endParaRPr lang="en-US"/>
           </a:p>
@@ -28581,7 +31609,7 @@
 </p:sld>
 </file>
 
-<file path=ppt/slides/slide33.xml><?xml version="1.0" encoding="utf-8"?>
+<file path=ppt/slides/slide35.xml><?xml version="1.0" encoding="utf-8"?>
 <p:sld xmlns:a="http://schemas.openxmlformats.org/drawingml/2006/main" xmlns:r="http://schemas.openxmlformats.org/officeDocument/2006/relationships" xmlns:p="http://schemas.openxmlformats.org/presentationml/2006/main">
   <p:cSld>
     <p:spTree>
@@ -28722,7 +31750,7 @@
             <a:fld id="{E4E17628-BB69-494D-BA8C-C14032583637}" type="slidenum">
               <a:rPr lang="en-US" smtClean="0"/>
               <a:pPr/>
-              <a:t>33</a:t>
+              <a:t>35</a:t>
             </a:fld>
             <a:endParaRPr lang="en-US"/>
           </a:p>
@@ -28741,7 +31769,7 @@
 </p:sld>
 </file>
 
-<file path=ppt/slides/slide34.xml><?xml version="1.0" encoding="utf-8"?>
+<file path=ppt/slides/slide36.xml><?xml version="1.0" encoding="utf-8"?>
 <p:sld xmlns:a="http://schemas.openxmlformats.org/drawingml/2006/main" xmlns:r="http://schemas.openxmlformats.org/officeDocument/2006/relationships" xmlns:p="http://schemas.openxmlformats.org/presentationml/2006/main">
   <p:cSld>
     <p:spTree>
@@ -28948,7 +31976,7 @@
           <a:p>
             <a:fld id="{E4E17628-BB69-494D-BA8C-C14032583637}" type="slidenum">
               <a:rPr lang="en-US" smtClean="0"/>
-              <a:t>34</a:t>
+              <a:t>36</a:t>
             </a:fld>
             <a:endParaRPr lang="en-US"/>
           </a:p>
